--- a/Milestone 1/SDV602 ppt for video.pptx
+++ b/Milestone 1/SDV602 ppt for video.pptx
@@ -9,8 +9,9 @@
     <p:sldId id="257" r:id="rId3"/>
     <p:sldId id="258" r:id="rId4"/>
     <p:sldId id="259" r:id="rId5"/>
-    <p:sldId id="260" r:id="rId6"/>
-    <p:sldId id="261" r:id="rId7"/>
+    <p:sldId id="262" r:id="rId6"/>
+    <p:sldId id="260" r:id="rId7"/>
+    <p:sldId id="261" r:id="rId8"/>
   </p:sldIdLst>
   <p:sldSz cx="12192000" cy="9144000"/>
   <p:notesSz cx="6858000" cy="9144000"/>
@@ -109,6 +110,11 @@
       </a:defRPr>
     </a:lvl9pPr>
   </p:defaultTextStyle>
+  <p:extLst>
+    <p:ext uri="{EFAFB233-063F-42B5-8137-9DF3F51BA10A}">
+      <p15:sldGuideLst xmlns:p15="http://schemas.microsoft.com/office/powerpoint/2012/main"/>
+    </p:ext>
+  </p:extLst>
 </p:presentation>
 </file>
 
@@ -243,7 +249,7 @@
           <a:p>
             <a:fld id="{F99CC2A7-19B5-4E42-BE7F-6065B714F4C8}" type="datetimeFigureOut">
               <a:rPr lang="en-US" smtClean="0"/>
-              <a:t>9/4/2019</a:t>
+              <a:t>9/5/2019</a:t>
             </a:fld>
             <a:endParaRPr lang="en-US"/>
           </a:p>
@@ -413,7 +419,7 @@
           <a:p>
             <a:fld id="{F99CC2A7-19B5-4E42-BE7F-6065B714F4C8}" type="datetimeFigureOut">
               <a:rPr lang="en-US" smtClean="0"/>
-              <a:t>9/4/2019</a:t>
+              <a:t>9/5/2019</a:t>
             </a:fld>
             <a:endParaRPr lang="en-US"/>
           </a:p>
@@ -593,7 +599,7 @@
           <a:p>
             <a:fld id="{F99CC2A7-19B5-4E42-BE7F-6065B714F4C8}" type="datetimeFigureOut">
               <a:rPr lang="en-US" smtClean="0"/>
-              <a:t>9/4/2019</a:t>
+              <a:t>9/5/2019</a:t>
             </a:fld>
             <a:endParaRPr lang="en-US"/>
           </a:p>
@@ -763,7 +769,7 @@
           <a:p>
             <a:fld id="{F99CC2A7-19B5-4E42-BE7F-6065B714F4C8}" type="datetimeFigureOut">
               <a:rPr lang="en-US" smtClean="0"/>
-              <a:t>9/4/2019</a:t>
+              <a:t>9/5/2019</a:t>
             </a:fld>
             <a:endParaRPr lang="en-US"/>
           </a:p>
@@ -1007,7 +1013,7 @@
           <a:p>
             <a:fld id="{F99CC2A7-19B5-4E42-BE7F-6065B714F4C8}" type="datetimeFigureOut">
               <a:rPr lang="en-US" smtClean="0"/>
-              <a:t>9/4/2019</a:t>
+              <a:t>9/5/2019</a:t>
             </a:fld>
             <a:endParaRPr lang="en-US"/>
           </a:p>
@@ -1239,7 +1245,7 @@
           <a:p>
             <a:fld id="{F99CC2A7-19B5-4E42-BE7F-6065B714F4C8}" type="datetimeFigureOut">
               <a:rPr lang="en-US" smtClean="0"/>
-              <a:t>9/4/2019</a:t>
+              <a:t>9/5/2019</a:t>
             </a:fld>
             <a:endParaRPr lang="en-US"/>
           </a:p>
@@ -1606,7 +1612,7 @@
           <a:p>
             <a:fld id="{F99CC2A7-19B5-4E42-BE7F-6065B714F4C8}" type="datetimeFigureOut">
               <a:rPr lang="en-US" smtClean="0"/>
-              <a:t>9/4/2019</a:t>
+              <a:t>9/5/2019</a:t>
             </a:fld>
             <a:endParaRPr lang="en-US"/>
           </a:p>
@@ -1724,7 +1730,7 @@
           <a:p>
             <a:fld id="{F99CC2A7-19B5-4E42-BE7F-6065B714F4C8}" type="datetimeFigureOut">
               <a:rPr lang="en-US" smtClean="0"/>
-              <a:t>9/4/2019</a:t>
+              <a:t>9/5/2019</a:t>
             </a:fld>
             <a:endParaRPr lang="en-US"/>
           </a:p>
@@ -1819,7 +1825,7 @@
           <a:p>
             <a:fld id="{F99CC2A7-19B5-4E42-BE7F-6065B714F4C8}" type="datetimeFigureOut">
               <a:rPr lang="en-US" smtClean="0"/>
-              <a:t>9/4/2019</a:t>
+              <a:t>9/5/2019</a:t>
             </a:fld>
             <a:endParaRPr lang="en-US"/>
           </a:p>
@@ -2096,7 +2102,7 @@
           <a:p>
             <a:fld id="{F99CC2A7-19B5-4E42-BE7F-6065B714F4C8}" type="datetimeFigureOut">
               <a:rPr lang="en-US" smtClean="0"/>
-              <a:t>9/4/2019</a:t>
+              <a:t>9/5/2019</a:t>
             </a:fld>
             <a:endParaRPr lang="en-US"/>
           </a:p>
@@ -2353,7 +2359,7 @@
           <a:p>
             <a:fld id="{F99CC2A7-19B5-4E42-BE7F-6065B714F4C8}" type="datetimeFigureOut">
               <a:rPr lang="en-US" smtClean="0"/>
-              <a:t>9/4/2019</a:t>
+              <a:t>9/5/2019</a:t>
             </a:fld>
             <a:endParaRPr lang="en-US"/>
           </a:p>
@@ -2418,9 +2424,39 @@
 <p:sldMaster xmlns:a="http://schemas.openxmlformats.org/drawingml/2006/main" xmlns:r="http://schemas.openxmlformats.org/officeDocument/2006/relationships" xmlns:p="http://schemas.openxmlformats.org/presentationml/2006/main">
   <p:cSld>
     <p:bg>
-      <p:bgRef idx="1001">
-        <a:schemeClr val="bg1"/>
-      </p:bgRef>
+      <p:bgPr>
+        <a:blipFill dpi="0" rotWithShape="1">
+          <a:blip r:embed="rId13">
+            <a:alphaModFix amt="29000"/>
+            <a:duotone>
+              <a:prstClr val="black"/>
+              <a:schemeClr val="accent5">
+                <a:tint val="45000"/>
+                <a:satMod val="400000"/>
+              </a:schemeClr>
+            </a:duotone>
+            <a:extLst>
+              <a:ext uri="{BEBA8EAE-BF5A-486C-A8C5-ECC9F3942E4B}">
+                <a14:imgProps xmlns:a14="http://schemas.microsoft.com/office/drawing/2010/main">
+                  <a14:imgLayer r:embed="rId14">
+                    <a14:imgEffect>
+                      <a14:artisticMarker/>
+                    </a14:imgEffect>
+                  </a14:imgLayer>
+                </a14:imgProps>
+              </a:ext>
+              <a:ext uri="{837473B0-CC2E-450A-ABE3-18F120FF3D39}">
+                <a1611:picAttrSrcUrl xmlns:a1611="http://schemas.microsoft.com/office/drawing/2016/11/main" r:id="rId15"/>
+              </a:ext>
+            </a:extLst>
+          </a:blip>
+          <a:srcRect/>
+          <a:stretch>
+            <a:fillRect t="-17000" b="-17000"/>
+          </a:stretch>
+        </a:blipFill>
+        <a:effectLst/>
+      </p:bgPr>
     </p:bg>
     <p:spTree>
       <p:nvGrpSpPr>
@@ -2566,7 +2602,7 @@
           <a:p>
             <a:fld id="{F99CC2A7-19B5-4E42-BE7F-6065B714F4C8}" type="datetimeFigureOut">
               <a:rPr lang="en-US" smtClean="0"/>
-              <a:t>9/4/2019</a:t>
+              <a:t>9/5/2019</a:t>
             </a:fld>
             <a:endParaRPr lang="en-US"/>
           </a:p>
@@ -2973,6 +3009,136 @@
       </p:grpSpPr>
       <p:sp>
         <p:nvSpPr>
+          <p:cNvPr id="8" name="Rectangle 7">
+            <a:extLst>
+              <a:ext uri="{FF2B5EF4-FFF2-40B4-BE49-F238E27FC236}">
+                <a16:creationId xmlns:a16="http://schemas.microsoft.com/office/drawing/2014/main" id="{23962611-DFD5-4092-AAFD-559E3DFCE2C9}"/>
+              </a:ext>
+              <a:ext uri="{C183D7F6-B498-43B3-948B-1728B52AA6E4}">
+                <adec:decorative xmlns:adec="http://schemas.microsoft.com/office/drawing/2017/decorative" val="1"/>
+              </a:ext>
+            </a:extLst>
+          </p:cNvPr>
+          <p:cNvSpPr>
+            <a:spLocks noGrp="1" noRot="1" noChangeAspect="1" noMove="1" noResize="1" noEditPoints="1" noAdjustHandles="1" noChangeArrowheads="1" noChangeShapeType="1" noTextEdit="1"/>
+          </p:cNvSpPr>
+          <p:nvPr>
+            <p:extLst>
+              <p:ext uri="{386F3935-93C4-4BCD-93E2-E3B085C9AB24}">
+                <p16:designElem xmlns:p16="http://schemas.microsoft.com/office/powerpoint/2015/main" val="1"/>
+              </p:ext>
+            </p:extLst>
+          </p:nvPr>
+        </p:nvSpPr>
+        <p:spPr>
+          <a:xfrm>
+            <a:off x="475488" y="0"/>
+            <a:ext cx="10910292" cy="9144000"/>
+          </a:xfrm>
+          <a:prstGeom prst="rect">
+            <a:avLst/>
+          </a:prstGeom>
+          <a:gradFill>
+            <a:gsLst>
+              <a:gs pos="0">
+                <a:schemeClr val="accent1">
+                  <a:lumMod val="90000"/>
+                </a:schemeClr>
+              </a:gs>
+              <a:gs pos="25000">
+                <a:schemeClr val="accent1">
+                  <a:lumMod val="90000"/>
+                </a:schemeClr>
+              </a:gs>
+              <a:gs pos="94000">
+                <a:schemeClr val="bg2">
+                  <a:lumMod val="25000"/>
+                </a:schemeClr>
+              </a:gs>
+              <a:gs pos="100000">
+                <a:schemeClr val="bg2">
+                  <a:lumMod val="25000"/>
+                </a:schemeClr>
+              </a:gs>
+            </a:gsLst>
+            <a:lin ang="4200000" scaled="0"/>
+          </a:gradFill>
+          <a:ln>
+            <a:noFill/>
+          </a:ln>
+        </p:spPr>
+        <p:style>
+          <a:lnRef idx="2">
+            <a:schemeClr val="accent1">
+              <a:shade val="50000"/>
+            </a:schemeClr>
+          </a:lnRef>
+          <a:fillRef idx="1">
+            <a:schemeClr val="accent1"/>
+          </a:fillRef>
+          <a:effectRef idx="0">
+            <a:schemeClr val="accent1"/>
+          </a:effectRef>
+          <a:fontRef idx="minor">
+            <a:schemeClr val="lt1"/>
+          </a:fontRef>
+        </p:style>
+        <p:txBody>
+          <a:bodyPr rtlCol="0" anchor="ctr"/>
+          <a:lstStyle/>
+          <a:p>
+            <a:pPr algn="ctr"/>
+            <a:endParaRPr lang="en-US"/>
+          </a:p>
+        </p:txBody>
+      </p:sp>
+      <p:pic>
+        <p:nvPicPr>
+          <p:cNvPr id="10" name="Picture 9">
+            <a:extLst>
+              <a:ext uri="{FF2B5EF4-FFF2-40B4-BE49-F238E27FC236}">
+                <a16:creationId xmlns:a16="http://schemas.microsoft.com/office/drawing/2014/main" id="{2270F1FA-0425-408F-9861-80BF5AFB276D}"/>
+              </a:ext>
+              <a:ext uri="{C183D7F6-B498-43B3-948B-1728B52AA6E4}">
+                <adec:decorative xmlns:adec="http://schemas.microsoft.com/office/drawing/2017/decorative" val="1"/>
+              </a:ext>
+            </a:extLst>
+          </p:cNvPr>
+          <p:cNvPicPr>
+            <a:picLocks noGrp="1" noRot="1" noChangeAspect="1" noMove="1" noResize="1" noEditPoints="1" noAdjustHandles="1" noChangeArrowheads="1" noChangeShapeType="1" noCrop="1"/>
+          </p:cNvPicPr>
+          <p:nvPr>
+            <p:extLst>
+              <p:ext uri="{386F3935-93C4-4BCD-93E2-E3B085C9AB24}">
+                <p16:designElem xmlns:p16="http://schemas.microsoft.com/office/powerpoint/2015/main" val="1"/>
+              </p:ext>
+            </p:extLst>
+          </p:nvPr>
+        </p:nvPicPr>
+        <p:blipFill>
+          <a:blip r:embed="rId2">
+            <a:extLst>
+              <a:ext uri="{28A0092B-C50C-407E-A947-70E740481C1C}">
+                <a14:useLocalDpi xmlns:a14="http://schemas.microsoft.com/office/drawing/2010/main" val="0"/>
+              </a:ext>
+            </a:extLst>
+          </a:blip>
+          <a:stretch>
+            <a:fillRect/>
+          </a:stretch>
+        </p:blipFill>
+        <p:spPr>
+          <a:xfrm>
+            <a:off x="0" y="0"/>
+            <a:ext cx="12192000" cy="9144000"/>
+          </a:xfrm>
+          <a:prstGeom prst="rect">
+            <a:avLst/>
+          </a:prstGeom>
+        </p:spPr>
+      </p:pic>
+      <p:sp>
+        <p:nvSpPr>
           <p:cNvPr id="2" name="Title 1">
             <a:extLst>
               <a:ext uri="{FF2B5EF4-FFF2-40B4-BE49-F238E27FC236}">
@@ -2989,8 +3155,8 @@
         </p:nvSpPr>
         <p:spPr>
           <a:xfrm>
-            <a:off x="1524001" y="2394286"/>
-            <a:ext cx="9144000" cy="1380205"/>
+            <a:off x="3045368" y="2724885"/>
+            <a:ext cx="6105194" cy="1739540"/>
           </a:xfrm>
         </p:spPr>
         <p:txBody>
@@ -3001,6 +3167,9 @@
           <a:p>
             <a:r>
               <a:rPr lang="en-US" b="1" dirty="0">
+                <a:solidFill>
+                  <a:srgbClr val="FFFFFF"/>
+                </a:solidFill>
                 <a:latin typeface="Castellar" panose="020A0402060406010301" pitchFamily="18" charset="0"/>
               </a:rPr>
               <a:t>SDV602</a:t>
@@ -3026,18 +3195,21 @@
         </p:nvSpPr>
         <p:spPr>
           <a:xfrm>
-            <a:off x="1860884" y="4572001"/>
-            <a:ext cx="8807116" cy="2177716"/>
+            <a:off x="3045368" y="4572000"/>
+            <a:ext cx="6105194" cy="909439"/>
           </a:xfrm>
         </p:spPr>
         <p:txBody>
           <a:bodyPr>
-            <a:normAutofit/>
+            <a:noAutofit/>
           </a:bodyPr>
           <a:lstStyle/>
           <a:p>
             <a:r>
-              <a:rPr lang="en-US" sz="3600" dirty="0">
+              <a:rPr lang="en-US" sz="2800" dirty="0">
+                <a:solidFill>
+                  <a:srgbClr val="FFFFFF"/>
+                </a:solidFill>
                 <a:latin typeface="Castellar" panose="020A0402060406010301" pitchFamily="18" charset="0"/>
               </a:rPr>
               <a:t>Environment Discussion</a:t>
@@ -3045,7 +3217,10 @@
           </a:p>
           <a:p>
             <a:r>
-              <a:rPr lang="en-US" sz="3600" dirty="0">
+              <a:rPr lang="en-US" sz="2800" dirty="0">
+                <a:solidFill>
+                  <a:srgbClr val="FFFFFF"/>
+                </a:solidFill>
                 <a:latin typeface="Castellar" panose="020A0402060406010301" pitchFamily="18" charset="0"/>
               </a:rPr>
               <a:t>&amp;</a:t>
@@ -3053,7 +3228,10 @@
           </a:p>
           <a:p>
             <a:r>
-              <a:rPr lang="en-US" sz="3600" dirty="0">
+              <a:rPr lang="en-US" sz="2800" dirty="0">
+                <a:solidFill>
+                  <a:srgbClr val="FFFFFF"/>
+                </a:solidFill>
                 <a:latin typeface="Castellar" panose="020A0402060406010301" pitchFamily="18" charset="0"/>
               </a:rPr>
               <a:t>Game Story description</a:t>
@@ -3071,6 +3249,195 @@
   <p:clrMapOvr>
     <a:masterClrMapping/>
   </p:clrMapOvr>
+  <p:timing>
+    <p:tnLst>
+      <p:par>
+        <p:cTn id="1" dur="indefinite" restart="never" nodeType="tmRoot">
+          <p:childTnLst>
+            <p:seq concurrent="1" nextAc="seek">
+              <p:cTn id="2" dur="indefinite" nodeType="mainSeq">
+                <p:childTnLst>
+                  <p:par>
+                    <p:cTn id="3" fill="hold">
+                      <p:stCondLst>
+                        <p:cond delay="indefinite"/>
+                      </p:stCondLst>
+                      <p:childTnLst>
+                        <p:par>
+                          <p:cTn id="4" fill="hold">
+                            <p:stCondLst>
+                              <p:cond delay="0"/>
+                            </p:stCondLst>
+                            <p:childTnLst>
+                              <p:par>
+                                <p:cTn id="5" presetID="1" presetClass="entr" presetSubtype="0" fill="hold" grpId="0" nodeType="clickEffect">
+                                  <p:stCondLst>
+                                    <p:cond delay="0"/>
+                                  </p:stCondLst>
+                                  <p:childTnLst>
+                                    <p:set>
+                                      <p:cBhvr>
+                                        <p:cTn id="6" dur="1" fill="hold">
+                                          <p:stCondLst>
+                                            <p:cond delay="0"/>
+                                          </p:stCondLst>
+                                        </p:cTn>
+                                        <p:tgtEl>
+                                          <p:spTgt spid="2"/>
+                                        </p:tgtEl>
+                                        <p:attrNameLst>
+                                          <p:attrName>style.visibility</p:attrName>
+                                        </p:attrNameLst>
+                                      </p:cBhvr>
+                                      <p:to>
+                                        <p:strVal val="visible"/>
+                                      </p:to>
+                                    </p:set>
+                                  </p:childTnLst>
+                                </p:cTn>
+                              </p:par>
+                            </p:childTnLst>
+                          </p:cTn>
+                        </p:par>
+                      </p:childTnLst>
+                    </p:cTn>
+                  </p:par>
+                  <p:par>
+                    <p:cTn id="7" fill="hold">
+                      <p:stCondLst>
+                        <p:cond delay="indefinite"/>
+                      </p:stCondLst>
+                      <p:childTnLst>
+                        <p:par>
+                          <p:cTn id="8" fill="hold">
+                            <p:stCondLst>
+                              <p:cond delay="0"/>
+                            </p:stCondLst>
+                            <p:childTnLst>
+                              <p:par>
+                                <p:cTn id="9" presetID="1" presetClass="entr" presetSubtype="0" fill="hold" nodeType="clickEffect">
+                                  <p:stCondLst>
+                                    <p:cond delay="0"/>
+                                  </p:stCondLst>
+                                  <p:childTnLst>
+                                    <p:set>
+                                      <p:cBhvr>
+                                        <p:cTn id="10" dur="1" fill="hold">
+                                          <p:stCondLst>
+                                            <p:cond delay="0"/>
+                                          </p:stCondLst>
+                                        </p:cTn>
+                                        <p:tgtEl>
+                                          <p:spTgt spid="3">
+                                            <p:txEl>
+                                              <p:pRg st="0" end="0"/>
+                                            </p:txEl>
+                                          </p:spTgt>
+                                        </p:tgtEl>
+                                        <p:attrNameLst>
+                                          <p:attrName>style.visibility</p:attrName>
+                                        </p:attrNameLst>
+                                      </p:cBhvr>
+                                      <p:to>
+                                        <p:strVal val="visible"/>
+                                      </p:to>
+                                    </p:set>
+                                  </p:childTnLst>
+                                </p:cTn>
+                              </p:par>
+                              <p:par>
+                                <p:cTn id="11" presetID="1" presetClass="entr" presetSubtype="0" fill="hold" nodeType="withEffect">
+                                  <p:stCondLst>
+                                    <p:cond delay="0"/>
+                                  </p:stCondLst>
+                                  <p:childTnLst>
+                                    <p:set>
+                                      <p:cBhvr>
+                                        <p:cTn id="12" dur="1" fill="hold">
+                                          <p:stCondLst>
+                                            <p:cond delay="0"/>
+                                          </p:stCondLst>
+                                        </p:cTn>
+                                        <p:tgtEl>
+                                          <p:spTgt spid="3">
+                                            <p:txEl>
+                                              <p:pRg st="1" end="1"/>
+                                            </p:txEl>
+                                          </p:spTgt>
+                                        </p:tgtEl>
+                                        <p:attrNameLst>
+                                          <p:attrName>style.visibility</p:attrName>
+                                        </p:attrNameLst>
+                                      </p:cBhvr>
+                                      <p:to>
+                                        <p:strVal val="visible"/>
+                                      </p:to>
+                                    </p:set>
+                                  </p:childTnLst>
+                                </p:cTn>
+                              </p:par>
+                              <p:par>
+                                <p:cTn id="13" presetID="1" presetClass="entr" presetSubtype="0" fill="hold" nodeType="withEffect">
+                                  <p:stCondLst>
+                                    <p:cond delay="0"/>
+                                  </p:stCondLst>
+                                  <p:childTnLst>
+                                    <p:set>
+                                      <p:cBhvr>
+                                        <p:cTn id="14" dur="1" fill="hold">
+                                          <p:stCondLst>
+                                            <p:cond delay="0"/>
+                                          </p:stCondLst>
+                                        </p:cTn>
+                                        <p:tgtEl>
+                                          <p:spTgt spid="3">
+                                            <p:txEl>
+                                              <p:pRg st="2" end="2"/>
+                                            </p:txEl>
+                                          </p:spTgt>
+                                        </p:tgtEl>
+                                        <p:attrNameLst>
+                                          <p:attrName>style.visibility</p:attrName>
+                                        </p:attrNameLst>
+                                      </p:cBhvr>
+                                      <p:to>
+                                        <p:strVal val="visible"/>
+                                      </p:to>
+                                    </p:set>
+                                  </p:childTnLst>
+                                </p:cTn>
+                              </p:par>
+                            </p:childTnLst>
+                          </p:cTn>
+                        </p:par>
+                      </p:childTnLst>
+                    </p:cTn>
+                  </p:par>
+                </p:childTnLst>
+              </p:cTn>
+              <p:prevCondLst>
+                <p:cond evt="onPrev" delay="0">
+                  <p:tgtEl>
+                    <p:sldTgt/>
+                  </p:tgtEl>
+                </p:cond>
+              </p:prevCondLst>
+              <p:nextCondLst>
+                <p:cond evt="onNext" delay="0">
+                  <p:tgtEl>
+                    <p:sldTgt/>
+                  </p:tgtEl>
+                </p:cond>
+              </p:nextCondLst>
+            </p:seq>
+          </p:childTnLst>
+        </p:cTn>
+      </p:par>
+    </p:tnLst>
+    <p:bldLst>
+      <p:bldP spid="2" grpId="0"/>
+    </p:bldLst>
+  </p:timing>
 </p:sld>
 </file>
 
@@ -3139,12 +3506,12 @@
         <p:spPr>
           <a:xfrm>
             <a:off x="850049" y="2833690"/>
-            <a:ext cx="4600074" cy="676943"/>
+            <a:ext cx="4600074" cy="933638"/>
           </a:xfrm>
         </p:spPr>
         <p:txBody>
           <a:bodyPr>
-            <a:normAutofit fontScale="77500" lnSpcReduction="20000"/>
+            <a:normAutofit/>
           </a:bodyPr>
           <a:lstStyle/>
           <a:p>
@@ -3152,7 +3519,7 @@
               <a:buNone/>
             </a:pPr>
             <a:r>
-              <a:rPr lang="en-US" dirty="0"/>
+              <a:rPr lang="en-US" sz="2800" b="1" u="sng" dirty="0"/>
               <a:t>Cross platform game engine</a:t>
             </a:r>
           </a:p>
@@ -3172,8 +3539,8 @@
         </p:nvSpPr>
         <p:spPr>
           <a:xfrm>
-            <a:off x="850048" y="3645570"/>
-            <a:ext cx="2959510" cy="4199611"/>
+            <a:off x="850048" y="3630420"/>
+            <a:ext cx="3667088" cy="4938275"/>
           </a:xfrm>
           <a:prstGeom prst="rect">
             <a:avLst/>
@@ -3192,7 +3559,7 @@
               </a:lnSpc>
             </a:pPr>
             <a:r>
-              <a:rPr lang="en-US" sz="2000" b="1" dirty="0"/>
+              <a:rPr lang="en-US" sz="2400" b="1" dirty="0"/>
               <a:t>Important features</a:t>
             </a:r>
           </a:p>
@@ -3205,7 +3572,7 @@
               <a:buChar char="•"/>
             </a:pPr>
             <a:r>
-              <a:rPr lang="en-US" sz="2000" dirty="0"/>
+              <a:rPr lang="en-US" sz="2400" dirty="0"/>
               <a:t>All in one editor</a:t>
             </a:r>
           </a:p>
@@ -3218,7 +3585,7 @@
               <a:buChar char="•"/>
             </a:pPr>
             <a:r>
-              <a:rPr lang="en-US" sz="2000" dirty="0"/>
+              <a:rPr lang="en-US" sz="2400" dirty="0"/>
               <a:t>2D &amp; 3D</a:t>
             </a:r>
           </a:p>
@@ -3231,7 +3598,7 @@
               <a:buChar char="•"/>
             </a:pPr>
             <a:r>
-              <a:rPr lang="en-US" sz="2000" dirty="0"/>
+              <a:rPr lang="en-US" sz="2400" dirty="0"/>
               <a:t>AI pathfinding tools</a:t>
             </a:r>
           </a:p>
@@ -3244,7 +3611,7 @@
               <a:buChar char="•"/>
             </a:pPr>
             <a:r>
-              <a:rPr lang="en-US" sz="2000" dirty="0"/>
+              <a:rPr lang="en-US" sz="2400" dirty="0"/>
               <a:t>Efficient workflows</a:t>
             </a:r>
           </a:p>
@@ -3257,7 +3624,7 @@
               <a:buChar char="•"/>
             </a:pPr>
             <a:r>
-              <a:rPr lang="en-US" sz="2000" dirty="0"/>
+              <a:rPr lang="en-US" sz="2400" dirty="0"/>
               <a:t>User interfaces</a:t>
             </a:r>
           </a:p>
@@ -3270,7 +3637,7 @@
               <a:buChar char="•"/>
             </a:pPr>
             <a:r>
-              <a:rPr lang="en-US" sz="2000" dirty="0"/>
+              <a:rPr lang="en-US" sz="2400" dirty="0"/>
               <a:t>Physics Engine</a:t>
             </a:r>
           </a:p>
@@ -3283,7 +3650,7 @@
               <a:buChar char="•"/>
             </a:pPr>
             <a:r>
-              <a:rPr lang="en-US" sz="2000" dirty="0"/>
+              <a:rPr lang="en-US" sz="2400" dirty="0"/>
               <a:t>Custom tools</a:t>
             </a:r>
           </a:p>
@@ -3311,8 +3678,8 @@
         </p:nvSpPr>
         <p:spPr>
           <a:xfrm>
-            <a:off x="5883288" y="3630420"/>
-            <a:ext cx="3978910" cy="4199611"/>
+            <a:off x="6020791" y="3636109"/>
+            <a:ext cx="5290680" cy="5021055"/>
           </a:xfrm>
           <a:prstGeom prst="rect">
             <a:avLst/>
@@ -3320,7 +3687,7 @@
           <a:noFill/>
         </p:spPr>
         <p:txBody>
-          <a:bodyPr wrap="none" rtlCol="0">
+          <a:bodyPr wrap="square" rtlCol="0">
             <a:spAutoFit/>
           </a:bodyPr>
           <a:lstStyle/>
@@ -3331,7 +3698,7 @@
               </a:lnSpc>
             </a:pPr>
             <a:r>
-              <a:rPr lang="en-US" sz="2000" b="1" dirty="0"/>
+              <a:rPr lang="en-US" sz="2400" b="1" dirty="0"/>
               <a:t>Unity Interface</a:t>
             </a:r>
           </a:p>
@@ -3344,7 +3711,7 @@
               <a:buChar char="•"/>
             </a:pPr>
             <a:r>
-              <a:rPr lang="en-US" sz="2000" dirty="0"/>
+              <a:rPr lang="en-US" sz="2400" dirty="0"/>
               <a:t>Scene view</a:t>
             </a:r>
           </a:p>
@@ -3357,7 +3724,7 @@
               <a:buChar char="•"/>
             </a:pPr>
             <a:r>
-              <a:rPr lang="en-US" sz="2000" dirty="0"/>
+              <a:rPr lang="en-US" sz="2400" dirty="0"/>
               <a:t>Game view</a:t>
             </a:r>
           </a:p>
@@ -3370,7 +3737,7 @@
               <a:buChar char="•"/>
             </a:pPr>
             <a:r>
-              <a:rPr lang="en-US" sz="2000" dirty="0"/>
+              <a:rPr lang="en-US" sz="2400" dirty="0"/>
               <a:t>Hierarchy Window</a:t>
             </a:r>
           </a:p>
@@ -3383,7 +3750,7 @@
               <a:buChar char="•"/>
             </a:pPr>
             <a:r>
-              <a:rPr lang="en-US" sz="2000" dirty="0"/>
+              <a:rPr lang="en-US" sz="2400" dirty="0"/>
               <a:t>Project window</a:t>
             </a:r>
           </a:p>
@@ -3396,7 +3763,7 @@
               <a:buChar char="•"/>
             </a:pPr>
             <a:r>
-              <a:rPr lang="en-US" sz="2000" dirty="0"/>
+              <a:rPr lang="en-US" sz="2400" dirty="0"/>
               <a:t>Inspector window</a:t>
             </a:r>
           </a:p>
@@ -3409,7 +3776,7 @@
               <a:buChar char="•"/>
             </a:pPr>
             <a:r>
-              <a:rPr lang="en-US" sz="2000" dirty="0"/>
+              <a:rPr lang="en-US" sz="2400" dirty="0"/>
               <a:t>Toolbar</a:t>
             </a:r>
           </a:p>
@@ -3422,7 +3789,7 @@
               <a:buChar char="•"/>
             </a:pPr>
             <a:r>
-              <a:rPr lang="en-US" sz="2000" dirty="0"/>
+              <a:rPr lang="en-US" sz="2400" dirty="0"/>
               <a:t>Button area</a:t>
             </a:r>
           </a:p>
@@ -3435,7 +3802,7 @@
               <a:buChar char="•"/>
             </a:pPr>
             <a:r>
-              <a:rPr lang="en-US" sz="2000" dirty="0"/>
+              <a:rPr lang="en-US" sz="2400" dirty="0"/>
               <a:t>Miscellaneous Editor settings</a:t>
             </a:r>
           </a:p>
@@ -3451,12 +3818,947 @@
   <p:clrMapOvr>
     <a:masterClrMapping/>
   </p:clrMapOvr>
+  <p:timing>
+    <p:tnLst>
+      <p:par>
+        <p:cTn id="1" dur="indefinite" restart="never" nodeType="tmRoot">
+          <p:childTnLst>
+            <p:seq concurrent="1" nextAc="seek">
+              <p:cTn id="2" dur="indefinite" nodeType="mainSeq">
+                <p:childTnLst>
+                  <p:par>
+                    <p:cTn id="3" fill="hold">
+                      <p:stCondLst>
+                        <p:cond delay="indefinite"/>
+                      </p:stCondLst>
+                      <p:childTnLst>
+                        <p:par>
+                          <p:cTn id="4" fill="hold">
+                            <p:stCondLst>
+                              <p:cond delay="0"/>
+                            </p:stCondLst>
+                            <p:childTnLst>
+                              <p:par>
+                                <p:cTn id="5" presetID="14" presetClass="entr" presetSubtype="10" fill="hold" grpId="0" nodeType="clickEffect">
+                                  <p:stCondLst>
+                                    <p:cond delay="0"/>
+                                  </p:stCondLst>
+                                  <p:childTnLst>
+                                    <p:set>
+                                      <p:cBhvr>
+                                        <p:cTn id="6" dur="1" fill="hold">
+                                          <p:stCondLst>
+                                            <p:cond delay="0"/>
+                                          </p:stCondLst>
+                                        </p:cTn>
+                                        <p:tgtEl>
+                                          <p:spTgt spid="2"/>
+                                        </p:tgtEl>
+                                        <p:attrNameLst>
+                                          <p:attrName>style.visibility</p:attrName>
+                                        </p:attrNameLst>
+                                      </p:cBhvr>
+                                      <p:to>
+                                        <p:strVal val="visible"/>
+                                      </p:to>
+                                    </p:set>
+                                    <p:animEffect transition="in" filter="randombar(horizontal)">
+                                      <p:cBhvr>
+                                        <p:cTn id="7" dur="500"/>
+                                        <p:tgtEl>
+                                          <p:spTgt spid="2"/>
+                                        </p:tgtEl>
+                                      </p:cBhvr>
+                                    </p:animEffect>
+                                  </p:childTnLst>
+                                </p:cTn>
+                              </p:par>
+                            </p:childTnLst>
+                          </p:cTn>
+                        </p:par>
+                      </p:childTnLst>
+                    </p:cTn>
+                  </p:par>
+                  <p:par>
+                    <p:cTn id="8" fill="hold">
+                      <p:stCondLst>
+                        <p:cond delay="indefinite"/>
+                      </p:stCondLst>
+                      <p:childTnLst>
+                        <p:par>
+                          <p:cTn id="9" fill="hold">
+                            <p:stCondLst>
+                              <p:cond delay="0"/>
+                            </p:stCondLst>
+                            <p:childTnLst>
+                              <p:par>
+                                <p:cTn id="10" presetID="10" presetClass="entr" presetSubtype="0" fill="hold" grpId="0" nodeType="clickEffect">
+                                  <p:stCondLst>
+                                    <p:cond delay="0"/>
+                                  </p:stCondLst>
+                                  <p:childTnLst>
+                                    <p:set>
+                                      <p:cBhvr>
+                                        <p:cTn id="11" dur="1" fill="hold">
+                                          <p:stCondLst>
+                                            <p:cond delay="0"/>
+                                          </p:stCondLst>
+                                        </p:cTn>
+                                        <p:tgtEl>
+                                          <p:spTgt spid="3">
+                                            <p:txEl>
+                                              <p:pRg st="0" end="0"/>
+                                            </p:txEl>
+                                          </p:spTgt>
+                                        </p:tgtEl>
+                                        <p:attrNameLst>
+                                          <p:attrName>style.visibility</p:attrName>
+                                        </p:attrNameLst>
+                                      </p:cBhvr>
+                                      <p:to>
+                                        <p:strVal val="visible"/>
+                                      </p:to>
+                                    </p:set>
+                                    <p:animEffect transition="in" filter="fade">
+                                      <p:cBhvr>
+                                        <p:cTn id="12" dur="250"/>
+                                        <p:tgtEl>
+                                          <p:spTgt spid="3">
+                                            <p:txEl>
+                                              <p:pRg st="0" end="0"/>
+                                            </p:txEl>
+                                          </p:spTgt>
+                                        </p:tgtEl>
+                                      </p:cBhvr>
+                                    </p:animEffect>
+                                  </p:childTnLst>
+                                </p:cTn>
+                              </p:par>
+                            </p:childTnLst>
+                          </p:cTn>
+                        </p:par>
+                      </p:childTnLst>
+                    </p:cTn>
+                  </p:par>
+                  <p:par>
+                    <p:cTn id="13" fill="hold">
+                      <p:stCondLst>
+                        <p:cond delay="indefinite"/>
+                      </p:stCondLst>
+                      <p:childTnLst>
+                        <p:par>
+                          <p:cTn id="14" fill="hold">
+                            <p:stCondLst>
+                              <p:cond delay="0"/>
+                            </p:stCondLst>
+                            <p:childTnLst>
+                              <p:par>
+                                <p:cTn id="15" presetID="10" presetClass="entr" presetSubtype="0" fill="hold" nodeType="clickEffect">
+                                  <p:stCondLst>
+                                    <p:cond delay="0"/>
+                                  </p:stCondLst>
+                                  <p:childTnLst>
+                                    <p:set>
+                                      <p:cBhvr>
+                                        <p:cTn id="16" dur="1" fill="hold">
+                                          <p:stCondLst>
+                                            <p:cond delay="0"/>
+                                          </p:stCondLst>
+                                        </p:cTn>
+                                        <p:tgtEl>
+                                          <p:spTgt spid="4">
+                                            <p:txEl>
+                                              <p:pRg st="0" end="0"/>
+                                            </p:txEl>
+                                          </p:spTgt>
+                                        </p:tgtEl>
+                                        <p:attrNameLst>
+                                          <p:attrName>style.visibility</p:attrName>
+                                        </p:attrNameLst>
+                                      </p:cBhvr>
+                                      <p:to>
+                                        <p:strVal val="visible"/>
+                                      </p:to>
+                                    </p:set>
+                                    <p:animEffect transition="in" filter="fade">
+                                      <p:cBhvr>
+                                        <p:cTn id="17" dur="500"/>
+                                        <p:tgtEl>
+                                          <p:spTgt spid="4">
+                                            <p:txEl>
+                                              <p:pRg st="0" end="0"/>
+                                            </p:txEl>
+                                          </p:spTgt>
+                                        </p:tgtEl>
+                                      </p:cBhvr>
+                                    </p:animEffect>
+                                  </p:childTnLst>
+                                </p:cTn>
+                              </p:par>
+                              <p:par>
+                                <p:cTn id="18" presetID="10" presetClass="entr" presetSubtype="0" fill="hold" nodeType="withEffect">
+                                  <p:stCondLst>
+                                    <p:cond delay="0"/>
+                                  </p:stCondLst>
+                                  <p:childTnLst>
+                                    <p:set>
+                                      <p:cBhvr>
+                                        <p:cTn id="19" dur="1" fill="hold">
+                                          <p:stCondLst>
+                                            <p:cond delay="0"/>
+                                          </p:stCondLst>
+                                        </p:cTn>
+                                        <p:tgtEl>
+                                          <p:spTgt spid="4">
+                                            <p:txEl>
+                                              <p:pRg st="1" end="1"/>
+                                            </p:txEl>
+                                          </p:spTgt>
+                                        </p:tgtEl>
+                                        <p:attrNameLst>
+                                          <p:attrName>style.visibility</p:attrName>
+                                        </p:attrNameLst>
+                                      </p:cBhvr>
+                                      <p:to>
+                                        <p:strVal val="visible"/>
+                                      </p:to>
+                                    </p:set>
+                                    <p:animEffect transition="in" filter="fade">
+                                      <p:cBhvr>
+                                        <p:cTn id="20" dur="500"/>
+                                        <p:tgtEl>
+                                          <p:spTgt spid="4">
+                                            <p:txEl>
+                                              <p:pRg st="1" end="1"/>
+                                            </p:txEl>
+                                          </p:spTgt>
+                                        </p:tgtEl>
+                                      </p:cBhvr>
+                                    </p:animEffect>
+                                  </p:childTnLst>
+                                </p:cTn>
+                              </p:par>
+                              <p:par>
+                                <p:cTn id="21" presetID="10" presetClass="entr" presetSubtype="0" fill="hold" nodeType="withEffect">
+                                  <p:stCondLst>
+                                    <p:cond delay="0"/>
+                                  </p:stCondLst>
+                                  <p:childTnLst>
+                                    <p:set>
+                                      <p:cBhvr>
+                                        <p:cTn id="22" dur="1" fill="hold">
+                                          <p:stCondLst>
+                                            <p:cond delay="0"/>
+                                          </p:stCondLst>
+                                        </p:cTn>
+                                        <p:tgtEl>
+                                          <p:spTgt spid="4">
+                                            <p:txEl>
+                                              <p:pRg st="2" end="2"/>
+                                            </p:txEl>
+                                          </p:spTgt>
+                                        </p:tgtEl>
+                                        <p:attrNameLst>
+                                          <p:attrName>style.visibility</p:attrName>
+                                        </p:attrNameLst>
+                                      </p:cBhvr>
+                                      <p:to>
+                                        <p:strVal val="visible"/>
+                                      </p:to>
+                                    </p:set>
+                                    <p:animEffect transition="in" filter="fade">
+                                      <p:cBhvr>
+                                        <p:cTn id="23" dur="500"/>
+                                        <p:tgtEl>
+                                          <p:spTgt spid="4">
+                                            <p:txEl>
+                                              <p:pRg st="2" end="2"/>
+                                            </p:txEl>
+                                          </p:spTgt>
+                                        </p:tgtEl>
+                                      </p:cBhvr>
+                                    </p:animEffect>
+                                  </p:childTnLst>
+                                </p:cTn>
+                              </p:par>
+                              <p:par>
+                                <p:cTn id="24" presetID="10" presetClass="entr" presetSubtype="0" fill="hold" nodeType="withEffect">
+                                  <p:stCondLst>
+                                    <p:cond delay="0"/>
+                                  </p:stCondLst>
+                                  <p:childTnLst>
+                                    <p:set>
+                                      <p:cBhvr>
+                                        <p:cTn id="25" dur="1" fill="hold">
+                                          <p:stCondLst>
+                                            <p:cond delay="0"/>
+                                          </p:stCondLst>
+                                        </p:cTn>
+                                        <p:tgtEl>
+                                          <p:spTgt spid="4">
+                                            <p:txEl>
+                                              <p:pRg st="3" end="3"/>
+                                            </p:txEl>
+                                          </p:spTgt>
+                                        </p:tgtEl>
+                                        <p:attrNameLst>
+                                          <p:attrName>style.visibility</p:attrName>
+                                        </p:attrNameLst>
+                                      </p:cBhvr>
+                                      <p:to>
+                                        <p:strVal val="visible"/>
+                                      </p:to>
+                                    </p:set>
+                                    <p:animEffect transition="in" filter="fade">
+                                      <p:cBhvr>
+                                        <p:cTn id="26" dur="500"/>
+                                        <p:tgtEl>
+                                          <p:spTgt spid="4">
+                                            <p:txEl>
+                                              <p:pRg st="3" end="3"/>
+                                            </p:txEl>
+                                          </p:spTgt>
+                                        </p:tgtEl>
+                                      </p:cBhvr>
+                                    </p:animEffect>
+                                  </p:childTnLst>
+                                </p:cTn>
+                              </p:par>
+                              <p:par>
+                                <p:cTn id="27" presetID="10" presetClass="entr" presetSubtype="0" fill="hold" nodeType="withEffect">
+                                  <p:stCondLst>
+                                    <p:cond delay="0"/>
+                                  </p:stCondLst>
+                                  <p:childTnLst>
+                                    <p:set>
+                                      <p:cBhvr>
+                                        <p:cTn id="28" dur="1" fill="hold">
+                                          <p:stCondLst>
+                                            <p:cond delay="0"/>
+                                          </p:stCondLst>
+                                        </p:cTn>
+                                        <p:tgtEl>
+                                          <p:spTgt spid="4">
+                                            <p:txEl>
+                                              <p:pRg st="4" end="4"/>
+                                            </p:txEl>
+                                          </p:spTgt>
+                                        </p:tgtEl>
+                                        <p:attrNameLst>
+                                          <p:attrName>style.visibility</p:attrName>
+                                        </p:attrNameLst>
+                                      </p:cBhvr>
+                                      <p:to>
+                                        <p:strVal val="visible"/>
+                                      </p:to>
+                                    </p:set>
+                                    <p:animEffect transition="in" filter="fade">
+                                      <p:cBhvr>
+                                        <p:cTn id="29" dur="500"/>
+                                        <p:tgtEl>
+                                          <p:spTgt spid="4">
+                                            <p:txEl>
+                                              <p:pRg st="4" end="4"/>
+                                            </p:txEl>
+                                          </p:spTgt>
+                                        </p:tgtEl>
+                                      </p:cBhvr>
+                                    </p:animEffect>
+                                  </p:childTnLst>
+                                </p:cTn>
+                              </p:par>
+                              <p:par>
+                                <p:cTn id="30" presetID="10" presetClass="entr" presetSubtype="0" fill="hold" nodeType="withEffect">
+                                  <p:stCondLst>
+                                    <p:cond delay="0"/>
+                                  </p:stCondLst>
+                                  <p:childTnLst>
+                                    <p:set>
+                                      <p:cBhvr>
+                                        <p:cTn id="31" dur="1" fill="hold">
+                                          <p:stCondLst>
+                                            <p:cond delay="0"/>
+                                          </p:stCondLst>
+                                        </p:cTn>
+                                        <p:tgtEl>
+                                          <p:spTgt spid="4">
+                                            <p:txEl>
+                                              <p:pRg st="5" end="5"/>
+                                            </p:txEl>
+                                          </p:spTgt>
+                                        </p:tgtEl>
+                                        <p:attrNameLst>
+                                          <p:attrName>style.visibility</p:attrName>
+                                        </p:attrNameLst>
+                                      </p:cBhvr>
+                                      <p:to>
+                                        <p:strVal val="visible"/>
+                                      </p:to>
+                                    </p:set>
+                                    <p:animEffect transition="in" filter="fade">
+                                      <p:cBhvr>
+                                        <p:cTn id="32" dur="500"/>
+                                        <p:tgtEl>
+                                          <p:spTgt spid="4">
+                                            <p:txEl>
+                                              <p:pRg st="5" end="5"/>
+                                            </p:txEl>
+                                          </p:spTgt>
+                                        </p:tgtEl>
+                                      </p:cBhvr>
+                                    </p:animEffect>
+                                  </p:childTnLst>
+                                </p:cTn>
+                              </p:par>
+                              <p:par>
+                                <p:cTn id="33" presetID="10" presetClass="entr" presetSubtype="0" fill="hold" nodeType="withEffect">
+                                  <p:stCondLst>
+                                    <p:cond delay="0"/>
+                                  </p:stCondLst>
+                                  <p:childTnLst>
+                                    <p:set>
+                                      <p:cBhvr>
+                                        <p:cTn id="34" dur="1" fill="hold">
+                                          <p:stCondLst>
+                                            <p:cond delay="0"/>
+                                          </p:stCondLst>
+                                        </p:cTn>
+                                        <p:tgtEl>
+                                          <p:spTgt spid="4">
+                                            <p:txEl>
+                                              <p:pRg st="6" end="6"/>
+                                            </p:txEl>
+                                          </p:spTgt>
+                                        </p:tgtEl>
+                                        <p:attrNameLst>
+                                          <p:attrName>style.visibility</p:attrName>
+                                        </p:attrNameLst>
+                                      </p:cBhvr>
+                                      <p:to>
+                                        <p:strVal val="visible"/>
+                                      </p:to>
+                                    </p:set>
+                                    <p:animEffect transition="in" filter="fade">
+                                      <p:cBhvr>
+                                        <p:cTn id="35" dur="500"/>
+                                        <p:tgtEl>
+                                          <p:spTgt spid="4">
+                                            <p:txEl>
+                                              <p:pRg st="6" end="6"/>
+                                            </p:txEl>
+                                          </p:spTgt>
+                                        </p:tgtEl>
+                                      </p:cBhvr>
+                                    </p:animEffect>
+                                  </p:childTnLst>
+                                </p:cTn>
+                              </p:par>
+                              <p:par>
+                                <p:cTn id="36" presetID="10" presetClass="entr" presetSubtype="0" fill="hold" nodeType="withEffect">
+                                  <p:stCondLst>
+                                    <p:cond delay="0"/>
+                                  </p:stCondLst>
+                                  <p:childTnLst>
+                                    <p:set>
+                                      <p:cBhvr>
+                                        <p:cTn id="37" dur="1" fill="hold">
+                                          <p:stCondLst>
+                                            <p:cond delay="0"/>
+                                          </p:stCondLst>
+                                        </p:cTn>
+                                        <p:tgtEl>
+                                          <p:spTgt spid="4">
+                                            <p:txEl>
+                                              <p:pRg st="7" end="7"/>
+                                            </p:txEl>
+                                          </p:spTgt>
+                                        </p:tgtEl>
+                                        <p:attrNameLst>
+                                          <p:attrName>style.visibility</p:attrName>
+                                        </p:attrNameLst>
+                                      </p:cBhvr>
+                                      <p:to>
+                                        <p:strVal val="visible"/>
+                                      </p:to>
+                                    </p:set>
+                                    <p:animEffect transition="in" filter="fade">
+                                      <p:cBhvr>
+                                        <p:cTn id="38" dur="500"/>
+                                        <p:tgtEl>
+                                          <p:spTgt spid="4">
+                                            <p:txEl>
+                                              <p:pRg st="7" end="7"/>
+                                            </p:txEl>
+                                          </p:spTgt>
+                                        </p:tgtEl>
+                                      </p:cBhvr>
+                                    </p:animEffect>
+                                  </p:childTnLst>
+                                </p:cTn>
+                              </p:par>
+                            </p:childTnLst>
+                          </p:cTn>
+                        </p:par>
+                      </p:childTnLst>
+                    </p:cTn>
+                  </p:par>
+                  <p:par>
+                    <p:cTn id="39" fill="hold">
+                      <p:stCondLst>
+                        <p:cond delay="indefinite"/>
+                      </p:stCondLst>
+                      <p:childTnLst>
+                        <p:par>
+                          <p:cTn id="40" fill="hold">
+                            <p:stCondLst>
+                              <p:cond delay="0"/>
+                            </p:stCondLst>
+                            <p:childTnLst>
+                              <p:par>
+                                <p:cTn id="41" presetID="10" presetClass="entr" presetSubtype="0" fill="hold" nodeType="clickEffect">
+                                  <p:stCondLst>
+                                    <p:cond delay="0"/>
+                                  </p:stCondLst>
+                                  <p:childTnLst>
+                                    <p:set>
+                                      <p:cBhvr>
+                                        <p:cTn id="42" dur="1" fill="hold">
+                                          <p:stCondLst>
+                                            <p:cond delay="0"/>
+                                          </p:stCondLst>
+                                        </p:cTn>
+                                        <p:tgtEl>
+                                          <p:spTgt spid="5">
+                                            <p:txEl>
+                                              <p:pRg st="0" end="0"/>
+                                            </p:txEl>
+                                          </p:spTgt>
+                                        </p:tgtEl>
+                                        <p:attrNameLst>
+                                          <p:attrName>style.visibility</p:attrName>
+                                        </p:attrNameLst>
+                                      </p:cBhvr>
+                                      <p:to>
+                                        <p:strVal val="visible"/>
+                                      </p:to>
+                                    </p:set>
+                                    <p:animEffect transition="in" filter="fade">
+                                      <p:cBhvr>
+                                        <p:cTn id="43" dur="500"/>
+                                        <p:tgtEl>
+                                          <p:spTgt spid="5">
+                                            <p:txEl>
+                                              <p:pRg st="0" end="0"/>
+                                            </p:txEl>
+                                          </p:spTgt>
+                                        </p:tgtEl>
+                                      </p:cBhvr>
+                                    </p:animEffect>
+                                  </p:childTnLst>
+                                </p:cTn>
+                              </p:par>
+                              <p:par>
+                                <p:cTn id="44" presetID="10" presetClass="entr" presetSubtype="0" fill="hold" nodeType="withEffect">
+                                  <p:stCondLst>
+                                    <p:cond delay="0"/>
+                                  </p:stCondLst>
+                                  <p:childTnLst>
+                                    <p:set>
+                                      <p:cBhvr>
+                                        <p:cTn id="45" dur="1" fill="hold">
+                                          <p:stCondLst>
+                                            <p:cond delay="0"/>
+                                          </p:stCondLst>
+                                        </p:cTn>
+                                        <p:tgtEl>
+                                          <p:spTgt spid="5">
+                                            <p:txEl>
+                                              <p:pRg st="1" end="1"/>
+                                            </p:txEl>
+                                          </p:spTgt>
+                                        </p:tgtEl>
+                                        <p:attrNameLst>
+                                          <p:attrName>style.visibility</p:attrName>
+                                        </p:attrNameLst>
+                                      </p:cBhvr>
+                                      <p:to>
+                                        <p:strVal val="visible"/>
+                                      </p:to>
+                                    </p:set>
+                                    <p:animEffect transition="in" filter="fade">
+                                      <p:cBhvr>
+                                        <p:cTn id="46" dur="500"/>
+                                        <p:tgtEl>
+                                          <p:spTgt spid="5">
+                                            <p:txEl>
+                                              <p:pRg st="1" end="1"/>
+                                            </p:txEl>
+                                          </p:spTgt>
+                                        </p:tgtEl>
+                                      </p:cBhvr>
+                                    </p:animEffect>
+                                  </p:childTnLst>
+                                </p:cTn>
+                              </p:par>
+                              <p:par>
+                                <p:cTn id="47" presetID="10" presetClass="entr" presetSubtype="0" fill="hold" nodeType="withEffect">
+                                  <p:stCondLst>
+                                    <p:cond delay="0"/>
+                                  </p:stCondLst>
+                                  <p:childTnLst>
+                                    <p:set>
+                                      <p:cBhvr>
+                                        <p:cTn id="48" dur="1" fill="hold">
+                                          <p:stCondLst>
+                                            <p:cond delay="0"/>
+                                          </p:stCondLst>
+                                        </p:cTn>
+                                        <p:tgtEl>
+                                          <p:spTgt spid="5">
+                                            <p:txEl>
+                                              <p:pRg st="2" end="2"/>
+                                            </p:txEl>
+                                          </p:spTgt>
+                                        </p:tgtEl>
+                                        <p:attrNameLst>
+                                          <p:attrName>style.visibility</p:attrName>
+                                        </p:attrNameLst>
+                                      </p:cBhvr>
+                                      <p:to>
+                                        <p:strVal val="visible"/>
+                                      </p:to>
+                                    </p:set>
+                                    <p:animEffect transition="in" filter="fade">
+                                      <p:cBhvr>
+                                        <p:cTn id="49" dur="500"/>
+                                        <p:tgtEl>
+                                          <p:spTgt spid="5">
+                                            <p:txEl>
+                                              <p:pRg st="2" end="2"/>
+                                            </p:txEl>
+                                          </p:spTgt>
+                                        </p:tgtEl>
+                                      </p:cBhvr>
+                                    </p:animEffect>
+                                  </p:childTnLst>
+                                </p:cTn>
+                              </p:par>
+                              <p:par>
+                                <p:cTn id="50" presetID="10" presetClass="entr" presetSubtype="0" fill="hold" nodeType="withEffect">
+                                  <p:stCondLst>
+                                    <p:cond delay="0"/>
+                                  </p:stCondLst>
+                                  <p:childTnLst>
+                                    <p:set>
+                                      <p:cBhvr>
+                                        <p:cTn id="51" dur="1" fill="hold">
+                                          <p:stCondLst>
+                                            <p:cond delay="0"/>
+                                          </p:stCondLst>
+                                        </p:cTn>
+                                        <p:tgtEl>
+                                          <p:spTgt spid="5">
+                                            <p:txEl>
+                                              <p:pRg st="3" end="3"/>
+                                            </p:txEl>
+                                          </p:spTgt>
+                                        </p:tgtEl>
+                                        <p:attrNameLst>
+                                          <p:attrName>style.visibility</p:attrName>
+                                        </p:attrNameLst>
+                                      </p:cBhvr>
+                                      <p:to>
+                                        <p:strVal val="visible"/>
+                                      </p:to>
+                                    </p:set>
+                                    <p:animEffect transition="in" filter="fade">
+                                      <p:cBhvr>
+                                        <p:cTn id="52" dur="500"/>
+                                        <p:tgtEl>
+                                          <p:spTgt spid="5">
+                                            <p:txEl>
+                                              <p:pRg st="3" end="3"/>
+                                            </p:txEl>
+                                          </p:spTgt>
+                                        </p:tgtEl>
+                                      </p:cBhvr>
+                                    </p:animEffect>
+                                  </p:childTnLst>
+                                </p:cTn>
+                              </p:par>
+                              <p:par>
+                                <p:cTn id="53" presetID="10" presetClass="entr" presetSubtype="0" fill="hold" nodeType="withEffect">
+                                  <p:stCondLst>
+                                    <p:cond delay="0"/>
+                                  </p:stCondLst>
+                                  <p:childTnLst>
+                                    <p:set>
+                                      <p:cBhvr>
+                                        <p:cTn id="54" dur="1" fill="hold">
+                                          <p:stCondLst>
+                                            <p:cond delay="0"/>
+                                          </p:stCondLst>
+                                        </p:cTn>
+                                        <p:tgtEl>
+                                          <p:spTgt spid="5">
+                                            <p:txEl>
+                                              <p:pRg st="4" end="4"/>
+                                            </p:txEl>
+                                          </p:spTgt>
+                                        </p:tgtEl>
+                                        <p:attrNameLst>
+                                          <p:attrName>style.visibility</p:attrName>
+                                        </p:attrNameLst>
+                                      </p:cBhvr>
+                                      <p:to>
+                                        <p:strVal val="visible"/>
+                                      </p:to>
+                                    </p:set>
+                                    <p:animEffect transition="in" filter="fade">
+                                      <p:cBhvr>
+                                        <p:cTn id="55" dur="500"/>
+                                        <p:tgtEl>
+                                          <p:spTgt spid="5">
+                                            <p:txEl>
+                                              <p:pRg st="4" end="4"/>
+                                            </p:txEl>
+                                          </p:spTgt>
+                                        </p:tgtEl>
+                                      </p:cBhvr>
+                                    </p:animEffect>
+                                  </p:childTnLst>
+                                </p:cTn>
+                              </p:par>
+                              <p:par>
+                                <p:cTn id="56" presetID="10" presetClass="entr" presetSubtype="0" fill="hold" nodeType="withEffect">
+                                  <p:stCondLst>
+                                    <p:cond delay="0"/>
+                                  </p:stCondLst>
+                                  <p:childTnLst>
+                                    <p:set>
+                                      <p:cBhvr>
+                                        <p:cTn id="57" dur="1" fill="hold">
+                                          <p:stCondLst>
+                                            <p:cond delay="0"/>
+                                          </p:stCondLst>
+                                        </p:cTn>
+                                        <p:tgtEl>
+                                          <p:spTgt spid="5">
+                                            <p:txEl>
+                                              <p:pRg st="5" end="5"/>
+                                            </p:txEl>
+                                          </p:spTgt>
+                                        </p:tgtEl>
+                                        <p:attrNameLst>
+                                          <p:attrName>style.visibility</p:attrName>
+                                        </p:attrNameLst>
+                                      </p:cBhvr>
+                                      <p:to>
+                                        <p:strVal val="visible"/>
+                                      </p:to>
+                                    </p:set>
+                                    <p:animEffect transition="in" filter="fade">
+                                      <p:cBhvr>
+                                        <p:cTn id="58" dur="500"/>
+                                        <p:tgtEl>
+                                          <p:spTgt spid="5">
+                                            <p:txEl>
+                                              <p:pRg st="5" end="5"/>
+                                            </p:txEl>
+                                          </p:spTgt>
+                                        </p:tgtEl>
+                                      </p:cBhvr>
+                                    </p:animEffect>
+                                  </p:childTnLst>
+                                </p:cTn>
+                              </p:par>
+                              <p:par>
+                                <p:cTn id="59" presetID="10" presetClass="entr" presetSubtype="0" fill="hold" nodeType="withEffect">
+                                  <p:stCondLst>
+                                    <p:cond delay="0"/>
+                                  </p:stCondLst>
+                                  <p:childTnLst>
+                                    <p:set>
+                                      <p:cBhvr>
+                                        <p:cTn id="60" dur="1" fill="hold">
+                                          <p:stCondLst>
+                                            <p:cond delay="0"/>
+                                          </p:stCondLst>
+                                        </p:cTn>
+                                        <p:tgtEl>
+                                          <p:spTgt spid="5">
+                                            <p:txEl>
+                                              <p:pRg st="6" end="6"/>
+                                            </p:txEl>
+                                          </p:spTgt>
+                                        </p:tgtEl>
+                                        <p:attrNameLst>
+                                          <p:attrName>style.visibility</p:attrName>
+                                        </p:attrNameLst>
+                                      </p:cBhvr>
+                                      <p:to>
+                                        <p:strVal val="visible"/>
+                                      </p:to>
+                                    </p:set>
+                                    <p:animEffect transition="in" filter="fade">
+                                      <p:cBhvr>
+                                        <p:cTn id="61" dur="500"/>
+                                        <p:tgtEl>
+                                          <p:spTgt spid="5">
+                                            <p:txEl>
+                                              <p:pRg st="6" end="6"/>
+                                            </p:txEl>
+                                          </p:spTgt>
+                                        </p:tgtEl>
+                                      </p:cBhvr>
+                                    </p:animEffect>
+                                  </p:childTnLst>
+                                </p:cTn>
+                              </p:par>
+                              <p:par>
+                                <p:cTn id="62" presetID="10" presetClass="entr" presetSubtype="0" fill="hold" nodeType="withEffect">
+                                  <p:stCondLst>
+                                    <p:cond delay="0"/>
+                                  </p:stCondLst>
+                                  <p:childTnLst>
+                                    <p:set>
+                                      <p:cBhvr>
+                                        <p:cTn id="63" dur="1" fill="hold">
+                                          <p:stCondLst>
+                                            <p:cond delay="0"/>
+                                          </p:stCondLst>
+                                        </p:cTn>
+                                        <p:tgtEl>
+                                          <p:spTgt spid="5">
+                                            <p:txEl>
+                                              <p:pRg st="7" end="7"/>
+                                            </p:txEl>
+                                          </p:spTgt>
+                                        </p:tgtEl>
+                                        <p:attrNameLst>
+                                          <p:attrName>style.visibility</p:attrName>
+                                        </p:attrNameLst>
+                                      </p:cBhvr>
+                                      <p:to>
+                                        <p:strVal val="visible"/>
+                                      </p:to>
+                                    </p:set>
+                                    <p:animEffect transition="in" filter="fade">
+                                      <p:cBhvr>
+                                        <p:cTn id="64" dur="500"/>
+                                        <p:tgtEl>
+                                          <p:spTgt spid="5">
+                                            <p:txEl>
+                                              <p:pRg st="7" end="7"/>
+                                            </p:txEl>
+                                          </p:spTgt>
+                                        </p:tgtEl>
+                                      </p:cBhvr>
+                                    </p:animEffect>
+                                  </p:childTnLst>
+                                </p:cTn>
+                              </p:par>
+                              <p:par>
+                                <p:cTn id="65" presetID="10" presetClass="entr" presetSubtype="0" fill="hold" nodeType="withEffect">
+                                  <p:stCondLst>
+                                    <p:cond delay="0"/>
+                                  </p:stCondLst>
+                                  <p:childTnLst>
+                                    <p:set>
+                                      <p:cBhvr>
+                                        <p:cTn id="66" dur="1" fill="hold">
+                                          <p:stCondLst>
+                                            <p:cond delay="0"/>
+                                          </p:stCondLst>
+                                        </p:cTn>
+                                        <p:tgtEl>
+                                          <p:spTgt spid="5">
+                                            <p:txEl>
+                                              <p:pRg st="8" end="8"/>
+                                            </p:txEl>
+                                          </p:spTgt>
+                                        </p:tgtEl>
+                                        <p:attrNameLst>
+                                          <p:attrName>style.visibility</p:attrName>
+                                        </p:attrNameLst>
+                                      </p:cBhvr>
+                                      <p:to>
+                                        <p:strVal val="visible"/>
+                                      </p:to>
+                                    </p:set>
+                                    <p:animEffect transition="in" filter="fade">
+                                      <p:cBhvr>
+                                        <p:cTn id="67" dur="500"/>
+                                        <p:tgtEl>
+                                          <p:spTgt spid="5">
+                                            <p:txEl>
+                                              <p:pRg st="8" end="8"/>
+                                            </p:txEl>
+                                          </p:spTgt>
+                                        </p:tgtEl>
+                                      </p:cBhvr>
+                                    </p:animEffect>
+                                  </p:childTnLst>
+                                </p:cTn>
+                              </p:par>
+                            </p:childTnLst>
+                          </p:cTn>
+                        </p:par>
+                      </p:childTnLst>
+                    </p:cTn>
+                  </p:par>
+                </p:childTnLst>
+              </p:cTn>
+              <p:prevCondLst>
+                <p:cond evt="onPrev" delay="0">
+                  <p:tgtEl>
+                    <p:sldTgt/>
+                  </p:tgtEl>
+                </p:cond>
+              </p:prevCondLst>
+              <p:nextCondLst>
+                <p:cond evt="onNext" delay="0">
+                  <p:tgtEl>
+                    <p:sldTgt/>
+                  </p:tgtEl>
+                </p:cond>
+              </p:nextCondLst>
+            </p:seq>
+          </p:childTnLst>
+        </p:cTn>
+      </p:par>
+    </p:tnLst>
+    <p:bldLst>
+      <p:bldP spid="2" grpId="0"/>
+      <p:bldP spid="3" grpId="0" build="p"/>
+    </p:bldLst>
+  </p:timing>
 </p:sld>
 </file>
 
 <file path=ppt/slides/slide3.xml><?xml version="1.0" encoding="utf-8"?>
 <p:sld xmlns:a="http://schemas.openxmlformats.org/drawingml/2006/main" xmlns:r="http://schemas.openxmlformats.org/officeDocument/2006/relationships" xmlns:p="http://schemas.openxmlformats.org/presentationml/2006/main">
   <p:cSld>
+    <p:bg>
+      <p:bgPr>
+        <a:blipFill dpi="0" rotWithShape="1">
+          <a:blip r:embed="rId2">
+            <a:alphaModFix amt="39000"/>
+            <a:lum/>
+            <a:extLst>
+              <a:ext uri="{837473B0-CC2E-450A-ABE3-18F120FF3D39}">
+                <a1611:picAttrSrcUrl xmlns:a1611="http://schemas.microsoft.com/office/drawing/2016/11/main" r:id="rId3"/>
+              </a:ext>
+            </a:extLst>
+          </a:blip>
+          <a:srcRect/>
+          <a:stretch>
+            <a:fillRect/>
+          </a:stretch>
+        </a:blipFill>
+        <a:effectLst/>
+      </p:bgPr>
+    </p:bg>
     <p:spTree>
       <p:nvGrpSpPr>
         <p:cNvPr id="1" name=""/>
@@ -3505,7 +4807,13 @@
               </a:lnSpc>
             </a:pPr>
             <a:r>
-              <a:rPr lang="en-US" b="1" dirty="0"/>
+              <a:rPr lang="en-US" b="1" dirty="0">
+                <a:solidFill>
+                  <a:schemeClr val="tx2">
+                    <a:lumMod val="75000"/>
+                  </a:schemeClr>
+                </a:solidFill>
+              </a:rPr>
               <a:t>Scripting in Unity	</a:t>
             </a:r>
           </a:p>
@@ -3526,7 +4834,7 @@
         <p:spPr>
           <a:xfrm>
             <a:off x="5358066" y="2173250"/>
-            <a:ext cx="5915526" cy="1711366"/>
+            <a:ext cx="6474270" cy="2398750"/>
           </a:xfrm>
           <a:prstGeom prst="rect">
             <a:avLst/>
@@ -3539,46 +4847,70 @@
           </a:bodyPr>
           <a:lstStyle/>
           <a:p>
-            <a:pPr algn="just">
+            <a:pPr>
               <a:lnSpc>
                 <a:spcPct val="150000"/>
               </a:lnSpc>
             </a:pPr>
             <a:r>
-              <a:rPr lang="en-US" dirty="0"/>
+              <a:rPr lang="en-US" sz="2000" dirty="0">
+                <a:solidFill>
+                  <a:schemeClr val="tx2">
+                    <a:lumMod val="75000"/>
+                  </a:schemeClr>
+                </a:solidFill>
+              </a:rPr>
               <a:t>Scripting in unity is different from normal pure programming.</a:t>
             </a:r>
           </a:p>
           <a:p>
-            <a:pPr algn="just">
+            <a:pPr>
               <a:lnSpc>
                 <a:spcPct val="150000"/>
               </a:lnSpc>
             </a:pPr>
             <a:r>
-              <a:rPr lang="en-US" dirty="0"/>
+              <a:rPr lang="en-US" sz="2000" dirty="0">
+                <a:solidFill>
+                  <a:schemeClr val="tx2">
+                    <a:lumMod val="75000"/>
+                  </a:schemeClr>
+                </a:solidFill>
+              </a:rPr>
               <a:t>Unlike pure programming Unity itself runs the application.</a:t>
             </a:r>
           </a:p>
           <a:p>
-            <a:pPr algn="just">
+            <a:pPr>
               <a:lnSpc>
                 <a:spcPct val="150000"/>
               </a:lnSpc>
             </a:pPr>
             <a:r>
-              <a:rPr lang="en-US" dirty="0"/>
+              <a:rPr lang="en-US" sz="2000" dirty="0">
+                <a:solidFill>
+                  <a:schemeClr val="tx2">
+                    <a:lumMod val="75000"/>
+                  </a:schemeClr>
+                </a:solidFill>
+              </a:rPr>
               <a:t>Developer just need to focus on the gameplay in scripts.</a:t>
             </a:r>
           </a:p>
           <a:p>
-            <a:pPr algn="just">
+            <a:pPr>
               <a:lnSpc>
                 <a:spcPct val="150000"/>
               </a:lnSpc>
             </a:pPr>
             <a:r>
-              <a:rPr lang="en-US" dirty="0"/>
+              <a:rPr lang="en-US" sz="2000" dirty="0">
+                <a:solidFill>
+                  <a:schemeClr val="tx2">
+                    <a:lumMod val="75000"/>
+                  </a:schemeClr>
+                </a:solidFill>
+              </a:rPr>
               <a:t>Script must be attached with Game Object</a:t>
             </a:r>
           </a:p>
@@ -3598,8 +4930,8 @@
         </p:nvSpPr>
         <p:spPr>
           <a:xfrm>
-            <a:off x="732723" y="2173250"/>
-            <a:ext cx="4327358" cy="1711366"/>
+            <a:off x="512065" y="2173250"/>
+            <a:ext cx="4626864" cy="1891287"/>
           </a:xfrm>
           <a:prstGeom prst="rect">
             <a:avLst/>
@@ -3618,7 +4950,13 @@
               </a:lnSpc>
             </a:pPr>
             <a:r>
-              <a:rPr lang="en-US" dirty="0"/>
+              <a:rPr lang="en-US" sz="2000" dirty="0">
+                <a:solidFill>
+                  <a:schemeClr val="tx2">
+                    <a:lumMod val="75000"/>
+                  </a:schemeClr>
+                </a:solidFill>
+              </a:rPr>
               <a:t>Way to communicate with Game Objects</a:t>
             </a:r>
           </a:p>
@@ -3629,7 +4967,13 @@
               </a:lnSpc>
             </a:pPr>
             <a:r>
-              <a:rPr lang="en-US" dirty="0"/>
+              <a:rPr lang="en-US" sz="2000" dirty="0">
+                <a:solidFill>
+                  <a:schemeClr val="tx2">
+                    <a:lumMod val="75000"/>
+                  </a:schemeClr>
+                </a:solidFill>
+              </a:rPr>
               <a:t>It tell game objects</a:t>
             </a:r>
           </a:p>
@@ -3642,7 +4986,13 @@
               <a:buChar char="•"/>
             </a:pPr>
             <a:r>
-              <a:rPr lang="en-US" dirty="0"/>
+              <a:rPr lang="en-US" sz="2000" dirty="0">
+                <a:solidFill>
+                  <a:schemeClr val="tx2">
+                    <a:lumMod val="75000"/>
+                  </a:schemeClr>
+                </a:solidFill>
+              </a:rPr>
               <a:t>How to behave</a:t>
             </a:r>
           </a:p>
@@ -3655,7 +5005,13 @@
               <a:buChar char="•"/>
             </a:pPr>
             <a:r>
-              <a:rPr lang="en-US" dirty="0"/>
+              <a:rPr lang="en-US" sz="2000" dirty="0">
+                <a:solidFill>
+                  <a:schemeClr val="tx2">
+                    <a:lumMod val="75000"/>
+                  </a:schemeClr>
+                </a:solidFill>
+              </a:rPr>
               <a:t>How to interact</a:t>
             </a:r>
           </a:p>
@@ -3675,8 +5031,8 @@
         </p:nvSpPr>
         <p:spPr>
           <a:xfrm>
-            <a:off x="693821" y="4518994"/>
-            <a:ext cx="3461084" cy="3373359"/>
+            <a:off x="512065" y="4572000"/>
+            <a:ext cx="4114799" cy="3737946"/>
           </a:xfrm>
           <a:prstGeom prst="rect">
             <a:avLst/>
@@ -3695,7 +5051,13 @@
               </a:lnSpc>
             </a:pPr>
             <a:r>
-              <a:rPr lang="en-US" b="1" dirty="0"/>
+              <a:rPr lang="en-US" sz="2000" b="1" u="sng" dirty="0">
+                <a:solidFill>
+                  <a:schemeClr val="tx2">
+                    <a:lumMod val="75000"/>
+                  </a:schemeClr>
+                </a:solidFill>
+              </a:rPr>
               <a:t>Scripts supported by Unity</a:t>
             </a:r>
           </a:p>
@@ -3708,7 +5070,13 @@
               <a:buChar char="•"/>
             </a:pPr>
             <a:r>
-              <a:rPr lang="en-US" dirty="0"/>
+              <a:rPr lang="en-US" sz="2000" dirty="0">
+                <a:solidFill>
+                  <a:schemeClr val="tx2">
+                    <a:lumMod val="75000"/>
+                  </a:schemeClr>
+                </a:solidFill>
+              </a:rPr>
               <a:t>C# - best choice</a:t>
             </a:r>
           </a:p>
@@ -3721,7 +5089,13 @@
               <a:buChar char="•"/>
             </a:pPr>
             <a:r>
-              <a:rPr lang="en-US" dirty="0"/>
+              <a:rPr lang="en-US" sz="2000" dirty="0">
+                <a:solidFill>
+                  <a:schemeClr val="tx2">
+                    <a:lumMod val="75000"/>
+                  </a:schemeClr>
+                </a:solidFill>
+              </a:rPr>
               <a:t>JavaScript - alternative</a:t>
             </a:r>
           </a:p>
@@ -3734,7 +5108,13 @@
               <a:buChar char="•"/>
             </a:pPr>
             <a:r>
-              <a:rPr lang="en-US" dirty="0"/>
+              <a:rPr lang="en-US" sz="2000" dirty="0">
+                <a:solidFill>
+                  <a:schemeClr val="tx2">
+                    <a:lumMod val="75000"/>
+                  </a:schemeClr>
+                </a:solidFill>
+              </a:rPr>
               <a:t>Boo – Old choice</a:t>
             </a:r>
           </a:p>
@@ -3747,7 +5127,13 @@
               <a:buChar char="•"/>
             </a:pPr>
             <a:r>
-              <a:rPr lang="en-US" dirty="0"/>
+              <a:rPr lang="en-US" sz="2000" dirty="0">
+                <a:solidFill>
+                  <a:schemeClr val="tx2">
+                    <a:lumMod val="75000"/>
+                  </a:schemeClr>
+                </a:solidFill>
+              </a:rPr>
               <a:t>Iron Python – odd choice</a:t>
             </a:r>
           </a:p>
@@ -3760,7 +5146,13 @@
               <a:buChar char="•"/>
             </a:pPr>
             <a:r>
-              <a:rPr lang="en-US" dirty="0"/>
+              <a:rPr lang="en-US" sz="2000" dirty="0">
+                <a:solidFill>
+                  <a:schemeClr val="tx2">
+                    <a:lumMod val="75000"/>
+                  </a:schemeClr>
+                </a:solidFill>
+              </a:rPr>
               <a:t>Lua – Interesting choice</a:t>
             </a:r>
           </a:p>
@@ -3773,7 +5165,13 @@
               <a:buChar char="•"/>
             </a:pPr>
             <a:r>
-              <a:rPr lang="en-US" dirty="0"/>
+              <a:rPr lang="en-US" sz="2000" dirty="0">
+                <a:solidFill>
+                  <a:schemeClr val="tx2">
+                    <a:lumMod val="75000"/>
+                  </a:schemeClr>
+                </a:solidFill>
+              </a:rPr>
               <a:t>C/C++ -  For plugins</a:t>
             </a:r>
           </a:p>
@@ -3786,7 +5184,13 @@
               <a:buChar char="•"/>
             </a:pPr>
             <a:r>
-              <a:rPr lang="en-US" dirty="0"/>
+              <a:rPr lang="en-US" sz="2000" dirty="0">
+                <a:solidFill>
+                  <a:schemeClr val="tx2">
+                    <a:lumMod val="75000"/>
+                  </a:schemeClr>
+                </a:solidFill>
+              </a:rPr>
               <a:t>Rust – For plugins</a:t>
             </a:r>
           </a:p>
@@ -3806,16 +5210,23 @@
         </p:nvSpPr>
         <p:spPr>
           <a:xfrm>
-            <a:off x="5358066" y="4518993"/>
-            <a:ext cx="3001143" cy="3373359"/>
+            <a:off x="5358066" y="4572000"/>
+            <a:ext cx="4992941" cy="3737946"/>
           </a:xfrm>
           <a:prstGeom prst="rect">
             <a:avLst/>
           </a:prstGeom>
           <a:noFill/>
+          <a:effectLst>
+            <a:glow rad="190500">
+              <a:schemeClr val="accent1">
+                <a:alpha val="40000"/>
+              </a:schemeClr>
+            </a:glow>
+          </a:effectLst>
         </p:spPr>
         <p:txBody>
-          <a:bodyPr wrap="none" rtlCol="0">
+          <a:bodyPr wrap="square" rtlCol="0">
             <a:spAutoFit/>
           </a:bodyPr>
           <a:lstStyle/>
@@ -3826,7 +5237,13 @@
               </a:lnSpc>
             </a:pPr>
             <a:r>
-              <a:rPr lang="en-US" b="1" dirty="0"/>
+              <a:rPr lang="en-US" sz="2000" b="1" u="sng" dirty="0">
+                <a:solidFill>
+                  <a:schemeClr val="tx2">
+                    <a:lumMod val="75000"/>
+                  </a:schemeClr>
+                </a:solidFill>
+              </a:rPr>
               <a:t>Parts of a Script – using C#</a:t>
             </a:r>
           </a:p>
@@ -3839,7 +5256,13 @@
               <a:buChar char="•"/>
             </a:pPr>
             <a:r>
-              <a:rPr lang="en-US" dirty="0"/>
+              <a:rPr lang="en-US" sz="2000" dirty="0">
+                <a:solidFill>
+                  <a:schemeClr val="tx2">
+                    <a:lumMod val="75000"/>
+                  </a:schemeClr>
+                </a:solidFill>
+              </a:rPr>
               <a:t>Variables</a:t>
             </a:r>
           </a:p>
@@ -3852,7 +5275,13 @@
               <a:buChar char="•"/>
             </a:pPr>
             <a:r>
-              <a:rPr lang="en-US" dirty="0"/>
+              <a:rPr lang="en-US" sz="2000" dirty="0">
+                <a:solidFill>
+                  <a:schemeClr val="tx2">
+                    <a:lumMod val="75000"/>
+                  </a:schemeClr>
+                </a:solidFill>
+              </a:rPr>
               <a:t>Functions</a:t>
             </a:r>
           </a:p>
@@ -3865,7 +5294,13 @@
               <a:buChar char="•"/>
             </a:pPr>
             <a:r>
-              <a:rPr lang="en-US" dirty="0"/>
+              <a:rPr lang="en-US" sz="2000" dirty="0">
+                <a:solidFill>
+                  <a:schemeClr val="tx2">
+                    <a:lumMod val="75000"/>
+                  </a:schemeClr>
+                </a:solidFill>
+              </a:rPr>
               <a:t>Classes</a:t>
             </a:r>
           </a:p>
@@ -3878,7 +5313,13 @@
               <a:buChar char="•"/>
             </a:pPr>
             <a:r>
-              <a:rPr lang="en-US" dirty="0"/>
+              <a:rPr lang="en-US" sz="2000" dirty="0">
+                <a:solidFill>
+                  <a:schemeClr val="tx2">
+                    <a:lumMod val="75000"/>
+                  </a:schemeClr>
+                </a:solidFill>
+              </a:rPr>
               <a:t>In-built functionalities</a:t>
             </a:r>
           </a:p>
@@ -3891,7 +5332,13 @@
               <a:buChar char="•"/>
             </a:pPr>
             <a:r>
-              <a:rPr lang="en-US" dirty="0"/>
+              <a:rPr lang="en-US" sz="2000" dirty="0">
+                <a:solidFill>
+                  <a:schemeClr val="tx2">
+                    <a:lumMod val="75000"/>
+                  </a:schemeClr>
+                </a:solidFill>
+              </a:rPr>
               <a:t>Start</a:t>
             </a:r>
           </a:p>
@@ -3904,7 +5351,13 @@
               <a:buChar char="•"/>
             </a:pPr>
             <a:r>
-              <a:rPr lang="en-US" dirty="0"/>
+              <a:rPr lang="en-US" sz="2000" dirty="0">
+                <a:solidFill>
+                  <a:schemeClr val="tx2">
+                    <a:lumMod val="75000"/>
+                  </a:schemeClr>
+                </a:solidFill>
+              </a:rPr>
               <a:t>Update</a:t>
             </a:r>
           </a:p>
@@ -3917,7 +5370,13 @@
               <a:buChar char="•"/>
             </a:pPr>
             <a:r>
-              <a:rPr lang="en-US" dirty="0"/>
+              <a:rPr lang="en-US" sz="2000" dirty="0">
+                <a:solidFill>
+                  <a:schemeClr val="tx2">
+                    <a:lumMod val="75000"/>
+                  </a:schemeClr>
+                </a:solidFill>
+              </a:rPr>
               <a:t>Awake</a:t>
             </a:r>
           </a:p>
@@ -3933,12 +5392,2278 @@
   <p:clrMapOvr>
     <a:masterClrMapping/>
   </p:clrMapOvr>
+  <p:timing>
+    <p:tnLst>
+      <p:par>
+        <p:cTn id="1" dur="indefinite" restart="never" nodeType="tmRoot">
+          <p:childTnLst>
+            <p:seq concurrent="1" nextAc="seek">
+              <p:cTn id="2" dur="indefinite" nodeType="mainSeq">
+                <p:childTnLst>
+                  <p:par>
+                    <p:cTn id="3" fill="hold">
+                      <p:stCondLst>
+                        <p:cond delay="indefinite"/>
+                      </p:stCondLst>
+                      <p:childTnLst>
+                        <p:par>
+                          <p:cTn id="4" fill="hold">
+                            <p:stCondLst>
+                              <p:cond delay="0"/>
+                            </p:stCondLst>
+                            <p:childTnLst>
+                              <p:par>
+                                <p:cTn id="5" presetID="10" presetClass="entr" presetSubtype="0" fill="hold" grpId="0" nodeType="clickEffect">
+                                  <p:stCondLst>
+                                    <p:cond delay="0"/>
+                                  </p:stCondLst>
+                                  <p:childTnLst>
+                                    <p:set>
+                                      <p:cBhvr>
+                                        <p:cTn id="6" dur="1" fill="hold">
+                                          <p:stCondLst>
+                                            <p:cond delay="0"/>
+                                          </p:stCondLst>
+                                        </p:cTn>
+                                        <p:tgtEl>
+                                          <p:spTgt spid="2"/>
+                                        </p:tgtEl>
+                                        <p:attrNameLst>
+                                          <p:attrName>style.visibility</p:attrName>
+                                        </p:attrNameLst>
+                                      </p:cBhvr>
+                                      <p:to>
+                                        <p:strVal val="visible"/>
+                                      </p:to>
+                                    </p:set>
+                                    <p:animEffect transition="in" filter="fade">
+                                      <p:cBhvr>
+                                        <p:cTn id="7" dur="500"/>
+                                        <p:tgtEl>
+                                          <p:spTgt spid="2"/>
+                                        </p:tgtEl>
+                                      </p:cBhvr>
+                                    </p:animEffect>
+                                  </p:childTnLst>
+                                </p:cTn>
+                              </p:par>
+                            </p:childTnLst>
+                          </p:cTn>
+                        </p:par>
+                      </p:childTnLst>
+                    </p:cTn>
+                  </p:par>
+                  <p:par>
+                    <p:cTn id="8" fill="hold">
+                      <p:stCondLst>
+                        <p:cond delay="indefinite"/>
+                      </p:stCondLst>
+                      <p:childTnLst>
+                        <p:par>
+                          <p:cTn id="9" fill="hold">
+                            <p:stCondLst>
+                              <p:cond delay="0"/>
+                            </p:stCondLst>
+                            <p:childTnLst>
+                              <p:par>
+                                <p:cTn id="10" presetID="42" presetClass="entr" presetSubtype="0" fill="hold" nodeType="clickEffect">
+                                  <p:stCondLst>
+                                    <p:cond delay="0"/>
+                                  </p:stCondLst>
+                                  <p:childTnLst>
+                                    <p:set>
+                                      <p:cBhvr>
+                                        <p:cTn id="11" dur="1" fill="hold">
+                                          <p:stCondLst>
+                                            <p:cond delay="0"/>
+                                          </p:stCondLst>
+                                        </p:cTn>
+                                        <p:tgtEl>
+                                          <p:spTgt spid="5">
+                                            <p:txEl>
+                                              <p:pRg st="0" end="0"/>
+                                            </p:txEl>
+                                          </p:spTgt>
+                                        </p:tgtEl>
+                                        <p:attrNameLst>
+                                          <p:attrName>style.visibility</p:attrName>
+                                        </p:attrNameLst>
+                                      </p:cBhvr>
+                                      <p:to>
+                                        <p:strVal val="visible"/>
+                                      </p:to>
+                                    </p:set>
+                                    <p:animEffect transition="in" filter="fade">
+                                      <p:cBhvr>
+                                        <p:cTn id="12" dur="1000"/>
+                                        <p:tgtEl>
+                                          <p:spTgt spid="5">
+                                            <p:txEl>
+                                              <p:pRg st="0" end="0"/>
+                                            </p:txEl>
+                                          </p:spTgt>
+                                        </p:tgtEl>
+                                      </p:cBhvr>
+                                    </p:animEffect>
+                                    <p:anim calcmode="lin" valueType="num">
+                                      <p:cBhvr>
+                                        <p:cTn id="13" dur="1000" fill="hold"/>
+                                        <p:tgtEl>
+                                          <p:spTgt spid="5">
+                                            <p:txEl>
+                                              <p:pRg st="0" end="0"/>
+                                            </p:txEl>
+                                          </p:spTgt>
+                                        </p:tgtEl>
+                                        <p:attrNameLst>
+                                          <p:attrName>ppt_x</p:attrName>
+                                        </p:attrNameLst>
+                                      </p:cBhvr>
+                                      <p:tavLst>
+                                        <p:tav tm="0">
+                                          <p:val>
+                                            <p:strVal val="#ppt_x"/>
+                                          </p:val>
+                                        </p:tav>
+                                        <p:tav tm="100000">
+                                          <p:val>
+                                            <p:strVal val="#ppt_x"/>
+                                          </p:val>
+                                        </p:tav>
+                                      </p:tavLst>
+                                    </p:anim>
+                                    <p:anim calcmode="lin" valueType="num">
+                                      <p:cBhvr>
+                                        <p:cTn id="14" dur="1000" fill="hold"/>
+                                        <p:tgtEl>
+                                          <p:spTgt spid="5">
+                                            <p:txEl>
+                                              <p:pRg st="0" end="0"/>
+                                            </p:txEl>
+                                          </p:spTgt>
+                                        </p:tgtEl>
+                                        <p:attrNameLst>
+                                          <p:attrName>ppt_y</p:attrName>
+                                        </p:attrNameLst>
+                                      </p:cBhvr>
+                                      <p:tavLst>
+                                        <p:tav tm="0">
+                                          <p:val>
+                                            <p:strVal val="#ppt_y+.1"/>
+                                          </p:val>
+                                        </p:tav>
+                                        <p:tav tm="100000">
+                                          <p:val>
+                                            <p:strVal val="#ppt_y"/>
+                                          </p:val>
+                                        </p:tav>
+                                      </p:tavLst>
+                                    </p:anim>
+                                  </p:childTnLst>
+                                </p:cTn>
+                              </p:par>
+                              <p:par>
+                                <p:cTn id="15" presetID="42" presetClass="entr" presetSubtype="0" fill="hold" nodeType="withEffect">
+                                  <p:stCondLst>
+                                    <p:cond delay="0"/>
+                                  </p:stCondLst>
+                                  <p:childTnLst>
+                                    <p:set>
+                                      <p:cBhvr>
+                                        <p:cTn id="16" dur="1" fill="hold">
+                                          <p:stCondLst>
+                                            <p:cond delay="0"/>
+                                          </p:stCondLst>
+                                        </p:cTn>
+                                        <p:tgtEl>
+                                          <p:spTgt spid="5">
+                                            <p:txEl>
+                                              <p:pRg st="1" end="1"/>
+                                            </p:txEl>
+                                          </p:spTgt>
+                                        </p:tgtEl>
+                                        <p:attrNameLst>
+                                          <p:attrName>style.visibility</p:attrName>
+                                        </p:attrNameLst>
+                                      </p:cBhvr>
+                                      <p:to>
+                                        <p:strVal val="visible"/>
+                                      </p:to>
+                                    </p:set>
+                                    <p:animEffect transition="in" filter="fade">
+                                      <p:cBhvr>
+                                        <p:cTn id="17" dur="1000"/>
+                                        <p:tgtEl>
+                                          <p:spTgt spid="5">
+                                            <p:txEl>
+                                              <p:pRg st="1" end="1"/>
+                                            </p:txEl>
+                                          </p:spTgt>
+                                        </p:tgtEl>
+                                      </p:cBhvr>
+                                    </p:animEffect>
+                                    <p:anim calcmode="lin" valueType="num">
+                                      <p:cBhvr>
+                                        <p:cTn id="18" dur="1000" fill="hold"/>
+                                        <p:tgtEl>
+                                          <p:spTgt spid="5">
+                                            <p:txEl>
+                                              <p:pRg st="1" end="1"/>
+                                            </p:txEl>
+                                          </p:spTgt>
+                                        </p:tgtEl>
+                                        <p:attrNameLst>
+                                          <p:attrName>ppt_x</p:attrName>
+                                        </p:attrNameLst>
+                                      </p:cBhvr>
+                                      <p:tavLst>
+                                        <p:tav tm="0">
+                                          <p:val>
+                                            <p:strVal val="#ppt_x"/>
+                                          </p:val>
+                                        </p:tav>
+                                        <p:tav tm="100000">
+                                          <p:val>
+                                            <p:strVal val="#ppt_x"/>
+                                          </p:val>
+                                        </p:tav>
+                                      </p:tavLst>
+                                    </p:anim>
+                                    <p:anim calcmode="lin" valueType="num">
+                                      <p:cBhvr>
+                                        <p:cTn id="19" dur="1000" fill="hold"/>
+                                        <p:tgtEl>
+                                          <p:spTgt spid="5">
+                                            <p:txEl>
+                                              <p:pRg st="1" end="1"/>
+                                            </p:txEl>
+                                          </p:spTgt>
+                                        </p:tgtEl>
+                                        <p:attrNameLst>
+                                          <p:attrName>ppt_y</p:attrName>
+                                        </p:attrNameLst>
+                                      </p:cBhvr>
+                                      <p:tavLst>
+                                        <p:tav tm="0">
+                                          <p:val>
+                                            <p:strVal val="#ppt_y+.1"/>
+                                          </p:val>
+                                        </p:tav>
+                                        <p:tav tm="100000">
+                                          <p:val>
+                                            <p:strVal val="#ppt_y"/>
+                                          </p:val>
+                                        </p:tav>
+                                      </p:tavLst>
+                                    </p:anim>
+                                  </p:childTnLst>
+                                </p:cTn>
+                              </p:par>
+                              <p:par>
+                                <p:cTn id="20" presetID="42" presetClass="entr" presetSubtype="0" fill="hold" nodeType="withEffect">
+                                  <p:stCondLst>
+                                    <p:cond delay="0"/>
+                                  </p:stCondLst>
+                                  <p:childTnLst>
+                                    <p:set>
+                                      <p:cBhvr>
+                                        <p:cTn id="21" dur="1" fill="hold">
+                                          <p:stCondLst>
+                                            <p:cond delay="0"/>
+                                          </p:stCondLst>
+                                        </p:cTn>
+                                        <p:tgtEl>
+                                          <p:spTgt spid="5">
+                                            <p:txEl>
+                                              <p:pRg st="2" end="2"/>
+                                            </p:txEl>
+                                          </p:spTgt>
+                                        </p:tgtEl>
+                                        <p:attrNameLst>
+                                          <p:attrName>style.visibility</p:attrName>
+                                        </p:attrNameLst>
+                                      </p:cBhvr>
+                                      <p:to>
+                                        <p:strVal val="visible"/>
+                                      </p:to>
+                                    </p:set>
+                                    <p:animEffect transition="in" filter="fade">
+                                      <p:cBhvr>
+                                        <p:cTn id="22" dur="1000"/>
+                                        <p:tgtEl>
+                                          <p:spTgt spid="5">
+                                            <p:txEl>
+                                              <p:pRg st="2" end="2"/>
+                                            </p:txEl>
+                                          </p:spTgt>
+                                        </p:tgtEl>
+                                      </p:cBhvr>
+                                    </p:animEffect>
+                                    <p:anim calcmode="lin" valueType="num">
+                                      <p:cBhvr>
+                                        <p:cTn id="23" dur="1000" fill="hold"/>
+                                        <p:tgtEl>
+                                          <p:spTgt spid="5">
+                                            <p:txEl>
+                                              <p:pRg st="2" end="2"/>
+                                            </p:txEl>
+                                          </p:spTgt>
+                                        </p:tgtEl>
+                                        <p:attrNameLst>
+                                          <p:attrName>ppt_x</p:attrName>
+                                        </p:attrNameLst>
+                                      </p:cBhvr>
+                                      <p:tavLst>
+                                        <p:tav tm="0">
+                                          <p:val>
+                                            <p:strVal val="#ppt_x"/>
+                                          </p:val>
+                                        </p:tav>
+                                        <p:tav tm="100000">
+                                          <p:val>
+                                            <p:strVal val="#ppt_x"/>
+                                          </p:val>
+                                        </p:tav>
+                                      </p:tavLst>
+                                    </p:anim>
+                                    <p:anim calcmode="lin" valueType="num">
+                                      <p:cBhvr>
+                                        <p:cTn id="24" dur="1000" fill="hold"/>
+                                        <p:tgtEl>
+                                          <p:spTgt spid="5">
+                                            <p:txEl>
+                                              <p:pRg st="2" end="2"/>
+                                            </p:txEl>
+                                          </p:spTgt>
+                                        </p:tgtEl>
+                                        <p:attrNameLst>
+                                          <p:attrName>ppt_y</p:attrName>
+                                        </p:attrNameLst>
+                                      </p:cBhvr>
+                                      <p:tavLst>
+                                        <p:tav tm="0">
+                                          <p:val>
+                                            <p:strVal val="#ppt_y+.1"/>
+                                          </p:val>
+                                        </p:tav>
+                                        <p:tav tm="100000">
+                                          <p:val>
+                                            <p:strVal val="#ppt_y"/>
+                                          </p:val>
+                                        </p:tav>
+                                      </p:tavLst>
+                                    </p:anim>
+                                  </p:childTnLst>
+                                </p:cTn>
+                              </p:par>
+                              <p:par>
+                                <p:cTn id="25" presetID="42" presetClass="entr" presetSubtype="0" fill="hold" nodeType="withEffect">
+                                  <p:stCondLst>
+                                    <p:cond delay="0"/>
+                                  </p:stCondLst>
+                                  <p:childTnLst>
+                                    <p:set>
+                                      <p:cBhvr>
+                                        <p:cTn id="26" dur="1" fill="hold">
+                                          <p:stCondLst>
+                                            <p:cond delay="0"/>
+                                          </p:stCondLst>
+                                        </p:cTn>
+                                        <p:tgtEl>
+                                          <p:spTgt spid="5">
+                                            <p:txEl>
+                                              <p:pRg st="3" end="3"/>
+                                            </p:txEl>
+                                          </p:spTgt>
+                                        </p:tgtEl>
+                                        <p:attrNameLst>
+                                          <p:attrName>style.visibility</p:attrName>
+                                        </p:attrNameLst>
+                                      </p:cBhvr>
+                                      <p:to>
+                                        <p:strVal val="visible"/>
+                                      </p:to>
+                                    </p:set>
+                                    <p:animEffect transition="in" filter="fade">
+                                      <p:cBhvr>
+                                        <p:cTn id="27" dur="1000"/>
+                                        <p:tgtEl>
+                                          <p:spTgt spid="5">
+                                            <p:txEl>
+                                              <p:pRg st="3" end="3"/>
+                                            </p:txEl>
+                                          </p:spTgt>
+                                        </p:tgtEl>
+                                      </p:cBhvr>
+                                    </p:animEffect>
+                                    <p:anim calcmode="lin" valueType="num">
+                                      <p:cBhvr>
+                                        <p:cTn id="28" dur="1000" fill="hold"/>
+                                        <p:tgtEl>
+                                          <p:spTgt spid="5">
+                                            <p:txEl>
+                                              <p:pRg st="3" end="3"/>
+                                            </p:txEl>
+                                          </p:spTgt>
+                                        </p:tgtEl>
+                                        <p:attrNameLst>
+                                          <p:attrName>ppt_x</p:attrName>
+                                        </p:attrNameLst>
+                                      </p:cBhvr>
+                                      <p:tavLst>
+                                        <p:tav tm="0">
+                                          <p:val>
+                                            <p:strVal val="#ppt_x"/>
+                                          </p:val>
+                                        </p:tav>
+                                        <p:tav tm="100000">
+                                          <p:val>
+                                            <p:strVal val="#ppt_x"/>
+                                          </p:val>
+                                        </p:tav>
+                                      </p:tavLst>
+                                    </p:anim>
+                                    <p:anim calcmode="lin" valueType="num">
+                                      <p:cBhvr>
+                                        <p:cTn id="29" dur="1000" fill="hold"/>
+                                        <p:tgtEl>
+                                          <p:spTgt spid="5">
+                                            <p:txEl>
+                                              <p:pRg st="3" end="3"/>
+                                            </p:txEl>
+                                          </p:spTgt>
+                                        </p:tgtEl>
+                                        <p:attrNameLst>
+                                          <p:attrName>ppt_y</p:attrName>
+                                        </p:attrNameLst>
+                                      </p:cBhvr>
+                                      <p:tavLst>
+                                        <p:tav tm="0">
+                                          <p:val>
+                                            <p:strVal val="#ppt_y+.1"/>
+                                          </p:val>
+                                        </p:tav>
+                                        <p:tav tm="100000">
+                                          <p:val>
+                                            <p:strVal val="#ppt_y"/>
+                                          </p:val>
+                                        </p:tav>
+                                      </p:tavLst>
+                                    </p:anim>
+                                  </p:childTnLst>
+                                </p:cTn>
+                              </p:par>
+                            </p:childTnLst>
+                          </p:cTn>
+                        </p:par>
+                      </p:childTnLst>
+                    </p:cTn>
+                  </p:par>
+                  <p:par>
+                    <p:cTn id="30" fill="hold">
+                      <p:stCondLst>
+                        <p:cond delay="indefinite"/>
+                      </p:stCondLst>
+                      <p:childTnLst>
+                        <p:par>
+                          <p:cTn id="31" fill="hold">
+                            <p:stCondLst>
+                              <p:cond delay="0"/>
+                            </p:stCondLst>
+                            <p:childTnLst>
+                              <p:par>
+                                <p:cTn id="32" presetID="2" presetClass="entr" presetSubtype="4" fill="hold" nodeType="clickEffect">
+                                  <p:stCondLst>
+                                    <p:cond delay="0"/>
+                                  </p:stCondLst>
+                                  <p:childTnLst>
+                                    <p:set>
+                                      <p:cBhvr>
+                                        <p:cTn id="33" dur="1" fill="hold">
+                                          <p:stCondLst>
+                                            <p:cond delay="0"/>
+                                          </p:stCondLst>
+                                        </p:cTn>
+                                        <p:tgtEl>
+                                          <p:spTgt spid="4">
+                                            <p:txEl>
+                                              <p:pRg st="0" end="0"/>
+                                            </p:txEl>
+                                          </p:spTgt>
+                                        </p:tgtEl>
+                                        <p:attrNameLst>
+                                          <p:attrName>style.visibility</p:attrName>
+                                        </p:attrNameLst>
+                                      </p:cBhvr>
+                                      <p:to>
+                                        <p:strVal val="visible"/>
+                                      </p:to>
+                                    </p:set>
+                                    <p:anim calcmode="lin" valueType="num">
+                                      <p:cBhvr additive="base">
+                                        <p:cTn id="34" dur="500" fill="hold"/>
+                                        <p:tgtEl>
+                                          <p:spTgt spid="4">
+                                            <p:txEl>
+                                              <p:pRg st="0" end="0"/>
+                                            </p:txEl>
+                                          </p:spTgt>
+                                        </p:tgtEl>
+                                        <p:attrNameLst>
+                                          <p:attrName>ppt_x</p:attrName>
+                                        </p:attrNameLst>
+                                      </p:cBhvr>
+                                      <p:tavLst>
+                                        <p:tav tm="0">
+                                          <p:val>
+                                            <p:strVal val="#ppt_x"/>
+                                          </p:val>
+                                        </p:tav>
+                                        <p:tav tm="100000">
+                                          <p:val>
+                                            <p:strVal val="#ppt_x"/>
+                                          </p:val>
+                                        </p:tav>
+                                      </p:tavLst>
+                                    </p:anim>
+                                    <p:anim calcmode="lin" valueType="num">
+                                      <p:cBhvr additive="base">
+                                        <p:cTn id="35" dur="500" fill="hold"/>
+                                        <p:tgtEl>
+                                          <p:spTgt spid="4">
+                                            <p:txEl>
+                                              <p:pRg st="0" end="0"/>
+                                            </p:txEl>
+                                          </p:spTgt>
+                                        </p:tgtEl>
+                                        <p:attrNameLst>
+                                          <p:attrName>ppt_y</p:attrName>
+                                        </p:attrNameLst>
+                                      </p:cBhvr>
+                                      <p:tavLst>
+                                        <p:tav tm="0">
+                                          <p:val>
+                                            <p:strVal val="1+#ppt_h/2"/>
+                                          </p:val>
+                                        </p:tav>
+                                        <p:tav tm="100000">
+                                          <p:val>
+                                            <p:strVal val="#ppt_y"/>
+                                          </p:val>
+                                        </p:tav>
+                                      </p:tavLst>
+                                    </p:anim>
+                                  </p:childTnLst>
+                                </p:cTn>
+                              </p:par>
+                              <p:par>
+                                <p:cTn id="36" presetID="2" presetClass="entr" presetSubtype="4" fill="hold" nodeType="withEffect">
+                                  <p:stCondLst>
+                                    <p:cond delay="0"/>
+                                  </p:stCondLst>
+                                  <p:childTnLst>
+                                    <p:set>
+                                      <p:cBhvr>
+                                        <p:cTn id="37" dur="1" fill="hold">
+                                          <p:stCondLst>
+                                            <p:cond delay="0"/>
+                                          </p:stCondLst>
+                                        </p:cTn>
+                                        <p:tgtEl>
+                                          <p:spTgt spid="4">
+                                            <p:txEl>
+                                              <p:pRg st="1" end="1"/>
+                                            </p:txEl>
+                                          </p:spTgt>
+                                        </p:tgtEl>
+                                        <p:attrNameLst>
+                                          <p:attrName>style.visibility</p:attrName>
+                                        </p:attrNameLst>
+                                      </p:cBhvr>
+                                      <p:to>
+                                        <p:strVal val="visible"/>
+                                      </p:to>
+                                    </p:set>
+                                    <p:anim calcmode="lin" valueType="num">
+                                      <p:cBhvr additive="base">
+                                        <p:cTn id="38" dur="500" fill="hold"/>
+                                        <p:tgtEl>
+                                          <p:spTgt spid="4">
+                                            <p:txEl>
+                                              <p:pRg st="1" end="1"/>
+                                            </p:txEl>
+                                          </p:spTgt>
+                                        </p:tgtEl>
+                                        <p:attrNameLst>
+                                          <p:attrName>ppt_x</p:attrName>
+                                        </p:attrNameLst>
+                                      </p:cBhvr>
+                                      <p:tavLst>
+                                        <p:tav tm="0">
+                                          <p:val>
+                                            <p:strVal val="#ppt_x"/>
+                                          </p:val>
+                                        </p:tav>
+                                        <p:tav tm="100000">
+                                          <p:val>
+                                            <p:strVal val="#ppt_x"/>
+                                          </p:val>
+                                        </p:tav>
+                                      </p:tavLst>
+                                    </p:anim>
+                                    <p:anim calcmode="lin" valueType="num">
+                                      <p:cBhvr additive="base">
+                                        <p:cTn id="39" dur="500" fill="hold"/>
+                                        <p:tgtEl>
+                                          <p:spTgt spid="4">
+                                            <p:txEl>
+                                              <p:pRg st="1" end="1"/>
+                                            </p:txEl>
+                                          </p:spTgt>
+                                        </p:tgtEl>
+                                        <p:attrNameLst>
+                                          <p:attrName>ppt_y</p:attrName>
+                                        </p:attrNameLst>
+                                      </p:cBhvr>
+                                      <p:tavLst>
+                                        <p:tav tm="0">
+                                          <p:val>
+                                            <p:strVal val="1+#ppt_h/2"/>
+                                          </p:val>
+                                        </p:tav>
+                                        <p:tav tm="100000">
+                                          <p:val>
+                                            <p:strVal val="#ppt_y"/>
+                                          </p:val>
+                                        </p:tav>
+                                      </p:tavLst>
+                                    </p:anim>
+                                  </p:childTnLst>
+                                </p:cTn>
+                              </p:par>
+                              <p:par>
+                                <p:cTn id="40" presetID="2" presetClass="entr" presetSubtype="4" fill="hold" nodeType="withEffect">
+                                  <p:stCondLst>
+                                    <p:cond delay="0"/>
+                                  </p:stCondLst>
+                                  <p:childTnLst>
+                                    <p:set>
+                                      <p:cBhvr>
+                                        <p:cTn id="41" dur="1" fill="hold">
+                                          <p:stCondLst>
+                                            <p:cond delay="0"/>
+                                          </p:stCondLst>
+                                        </p:cTn>
+                                        <p:tgtEl>
+                                          <p:spTgt spid="4">
+                                            <p:txEl>
+                                              <p:pRg st="2" end="2"/>
+                                            </p:txEl>
+                                          </p:spTgt>
+                                        </p:tgtEl>
+                                        <p:attrNameLst>
+                                          <p:attrName>style.visibility</p:attrName>
+                                        </p:attrNameLst>
+                                      </p:cBhvr>
+                                      <p:to>
+                                        <p:strVal val="visible"/>
+                                      </p:to>
+                                    </p:set>
+                                    <p:anim calcmode="lin" valueType="num">
+                                      <p:cBhvr additive="base">
+                                        <p:cTn id="42" dur="500" fill="hold"/>
+                                        <p:tgtEl>
+                                          <p:spTgt spid="4">
+                                            <p:txEl>
+                                              <p:pRg st="2" end="2"/>
+                                            </p:txEl>
+                                          </p:spTgt>
+                                        </p:tgtEl>
+                                        <p:attrNameLst>
+                                          <p:attrName>ppt_x</p:attrName>
+                                        </p:attrNameLst>
+                                      </p:cBhvr>
+                                      <p:tavLst>
+                                        <p:tav tm="0">
+                                          <p:val>
+                                            <p:strVal val="#ppt_x"/>
+                                          </p:val>
+                                        </p:tav>
+                                        <p:tav tm="100000">
+                                          <p:val>
+                                            <p:strVal val="#ppt_x"/>
+                                          </p:val>
+                                        </p:tav>
+                                      </p:tavLst>
+                                    </p:anim>
+                                    <p:anim calcmode="lin" valueType="num">
+                                      <p:cBhvr additive="base">
+                                        <p:cTn id="43" dur="500" fill="hold"/>
+                                        <p:tgtEl>
+                                          <p:spTgt spid="4">
+                                            <p:txEl>
+                                              <p:pRg st="2" end="2"/>
+                                            </p:txEl>
+                                          </p:spTgt>
+                                        </p:tgtEl>
+                                        <p:attrNameLst>
+                                          <p:attrName>ppt_y</p:attrName>
+                                        </p:attrNameLst>
+                                      </p:cBhvr>
+                                      <p:tavLst>
+                                        <p:tav tm="0">
+                                          <p:val>
+                                            <p:strVal val="1+#ppt_h/2"/>
+                                          </p:val>
+                                        </p:tav>
+                                        <p:tav tm="100000">
+                                          <p:val>
+                                            <p:strVal val="#ppt_y"/>
+                                          </p:val>
+                                        </p:tav>
+                                      </p:tavLst>
+                                    </p:anim>
+                                  </p:childTnLst>
+                                </p:cTn>
+                              </p:par>
+                              <p:par>
+                                <p:cTn id="44" presetID="2" presetClass="entr" presetSubtype="4" fill="hold" nodeType="withEffect">
+                                  <p:stCondLst>
+                                    <p:cond delay="0"/>
+                                  </p:stCondLst>
+                                  <p:childTnLst>
+                                    <p:set>
+                                      <p:cBhvr>
+                                        <p:cTn id="45" dur="1" fill="hold">
+                                          <p:stCondLst>
+                                            <p:cond delay="0"/>
+                                          </p:stCondLst>
+                                        </p:cTn>
+                                        <p:tgtEl>
+                                          <p:spTgt spid="4">
+                                            <p:txEl>
+                                              <p:pRg st="3" end="3"/>
+                                            </p:txEl>
+                                          </p:spTgt>
+                                        </p:tgtEl>
+                                        <p:attrNameLst>
+                                          <p:attrName>style.visibility</p:attrName>
+                                        </p:attrNameLst>
+                                      </p:cBhvr>
+                                      <p:to>
+                                        <p:strVal val="visible"/>
+                                      </p:to>
+                                    </p:set>
+                                    <p:anim calcmode="lin" valueType="num">
+                                      <p:cBhvr additive="base">
+                                        <p:cTn id="46" dur="500" fill="hold"/>
+                                        <p:tgtEl>
+                                          <p:spTgt spid="4">
+                                            <p:txEl>
+                                              <p:pRg st="3" end="3"/>
+                                            </p:txEl>
+                                          </p:spTgt>
+                                        </p:tgtEl>
+                                        <p:attrNameLst>
+                                          <p:attrName>ppt_x</p:attrName>
+                                        </p:attrNameLst>
+                                      </p:cBhvr>
+                                      <p:tavLst>
+                                        <p:tav tm="0">
+                                          <p:val>
+                                            <p:strVal val="#ppt_x"/>
+                                          </p:val>
+                                        </p:tav>
+                                        <p:tav tm="100000">
+                                          <p:val>
+                                            <p:strVal val="#ppt_x"/>
+                                          </p:val>
+                                        </p:tav>
+                                      </p:tavLst>
+                                    </p:anim>
+                                    <p:anim calcmode="lin" valueType="num">
+                                      <p:cBhvr additive="base">
+                                        <p:cTn id="47" dur="500" fill="hold"/>
+                                        <p:tgtEl>
+                                          <p:spTgt spid="4">
+                                            <p:txEl>
+                                              <p:pRg st="3" end="3"/>
+                                            </p:txEl>
+                                          </p:spTgt>
+                                        </p:tgtEl>
+                                        <p:attrNameLst>
+                                          <p:attrName>ppt_y</p:attrName>
+                                        </p:attrNameLst>
+                                      </p:cBhvr>
+                                      <p:tavLst>
+                                        <p:tav tm="0">
+                                          <p:val>
+                                            <p:strVal val="1+#ppt_h/2"/>
+                                          </p:val>
+                                        </p:tav>
+                                        <p:tav tm="100000">
+                                          <p:val>
+                                            <p:strVal val="#ppt_y"/>
+                                          </p:val>
+                                        </p:tav>
+                                      </p:tavLst>
+                                    </p:anim>
+                                  </p:childTnLst>
+                                </p:cTn>
+                              </p:par>
+                            </p:childTnLst>
+                          </p:cTn>
+                        </p:par>
+                      </p:childTnLst>
+                    </p:cTn>
+                  </p:par>
+                  <p:par>
+                    <p:cTn id="48" fill="hold">
+                      <p:stCondLst>
+                        <p:cond delay="indefinite"/>
+                      </p:stCondLst>
+                      <p:childTnLst>
+                        <p:par>
+                          <p:cTn id="49" fill="hold">
+                            <p:stCondLst>
+                              <p:cond delay="0"/>
+                            </p:stCondLst>
+                            <p:childTnLst>
+                              <p:par>
+                                <p:cTn id="50" presetID="2" presetClass="entr" presetSubtype="4" fill="hold" nodeType="clickEffect">
+                                  <p:stCondLst>
+                                    <p:cond delay="0"/>
+                                  </p:stCondLst>
+                                  <p:childTnLst>
+                                    <p:set>
+                                      <p:cBhvr>
+                                        <p:cTn id="51" dur="1" fill="hold">
+                                          <p:stCondLst>
+                                            <p:cond delay="0"/>
+                                          </p:stCondLst>
+                                        </p:cTn>
+                                        <p:tgtEl>
+                                          <p:spTgt spid="6">
+                                            <p:txEl>
+                                              <p:pRg st="0" end="0"/>
+                                            </p:txEl>
+                                          </p:spTgt>
+                                        </p:tgtEl>
+                                        <p:attrNameLst>
+                                          <p:attrName>style.visibility</p:attrName>
+                                        </p:attrNameLst>
+                                      </p:cBhvr>
+                                      <p:to>
+                                        <p:strVal val="visible"/>
+                                      </p:to>
+                                    </p:set>
+                                    <p:anim calcmode="lin" valueType="num">
+                                      <p:cBhvr additive="base">
+                                        <p:cTn id="52" dur="500" fill="hold"/>
+                                        <p:tgtEl>
+                                          <p:spTgt spid="6">
+                                            <p:txEl>
+                                              <p:pRg st="0" end="0"/>
+                                            </p:txEl>
+                                          </p:spTgt>
+                                        </p:tgtEl>
+                                        <p:attrNameLst>
+                                          <p:attrName>ppt_x</p:attrName>
+                                        </p:attrNameLst>
+                                      </p:cBhvr>
+                                      <p:tavLst>
+                                        <p:tav tm="0">
+                                          <p:val>
+                                            <p:strVal val="#ppt_x"/>
+                                          </p:val>
+                                        </p:tav>
+                                        <p:tav tm="100000">
+                                          <p:val>
+                                            <p:strVal val="#ppt_x"/>
+                                          </p:val>
+                                        </p:tav>
+                                      </p:tavLst>
+                                    </p:anim>
+                                    <p:anim calcmode="lin" valueType="num">
+                                      <p:cBhvr additive="base">
+                                        <p:cTn id="53" dur="500" fill="hold"/>
+                                        <p:tgtEl>
+                                          <p:spTgt spid="6">
+                                            <p:txEl>
+                                              <p:pRg st="0" end="0"/>
+                                            </p:txEl>
+                                          </p:spTgt>
+                                        </p:tgtEl>
+                                        <p:attrNameLst>
+                                          <p:attrName>ppt_y</p:attrName>
+                                        </p:attrNameLst>
+                                      </p:cBhvr>
+                                      <p:tavLst>
+                                        <p:tav tm="0">
+                                          <p:val>
+                                            <p:strVal val="1+#ppt_h/2"/>
+                                          </p:val>
+                                        </p:tav>
+                                        <p:tav tm="100000">
+                                          <p:val>
+                                            <p:strVal val="#ppt_y"/>
+                                          </p:val>
+                                        </p:tav>
+                                      </p:tavLst>
+                                    </p:anim>
+                                  </p:childTnLst>
+                                </p:cTn>
+                              </p:par>
+                              <p:par>
+                                <p:cTn id="54" presetID="2" presetClass="entr" presetSubtype="4" fill="hold" nodeType="withEffect">
+                                  <p:stCondLst>
+                                    <p:cond delay="0"/>
+                                  </p:stCondLst>
+                                  <p:childTnLst>
+                                    <p:set>
+                                      <p:cBhvr>
+                                        <p:cTn id="55" dur="1" fill="hold">
+                                          <p:stCondLst>
+                                            <p:cond delay="0"/>
+                                          </p:stCondLst>
+                                        </p:cTn>
+                                        <p:tgtEl>
+                                          <p:spTgt spid="6">
+                                            <p:txEl>
+                                              <p:pRg st="1" end="1"/>
+                                            </p:txEl>
+                                          </p:spTgt>
+                                        </p:tgtEl>
+                                        <p:attrNameLst>
+                                          <p:attrName>style.visibility</p:attrName>
+                                        </p:attrNameLst>
+                                      </p:cBhvr>
+                                      <p:to>
+                                        <p:strVal val="visible"/>
+                                      </p:to>
+                                    </p:set>
+                                    <p:anim calcmode="lin" valueType="num">
+                                      <p:cBhvr additive="base">
+                                        <p:cTn id="56" dur="500" fill="hold"/>
+                                        <p:tgtEl>
+                                          <p:spTgt spid="6">
+                                            <p:txEl>
+                                              <p:pRg st="1" end="1"/>
+                                            </p:txEl>
+                                          </p:spTgt>
+                                        </p:tgtEl>
+                                        <p:attrNameLst>
+                                          <p:attrName>ppt_x</p:attrName>
+                                        </p:attrNameLst>
+                                      </p:cBhvr>
+                                      <p:tavLst>
+                                        <p:tav tm="0">
+                                          <p:val>
+                                            <p:strVal val="#ppt_x"/>
+                                          </p:val>
+                                        </p:tav>
+                                        <p:tav tm="100000">
+                                          <p:val>
+                                            <p:strVal val="#ppt_x"/>
+                                          </p:val>
+                                        </p:tav>
+                                      </p:tavLst>
+                                    </p:anim>
+                                    <p:anim calcmode="lin" valueType="num">
+                                      <p:cBhvr additive="base">
+                                        <p:cTn id="57" dur="500" fill="hold"/>
+                                        <p:tgtEl>
+                                          <p:spTgt spid="6">
+                                            <p:txEl>
+                                              <p:pRg st="1" end="1"/>
+                                            </p:txEl>
+                                          </p:spTgt>
+                                        </p:tgtEl>
+                                        <p:attrNameLst>
+                                          <p:attrName>ppt_y</p:attrName>
+                                        </p:attrNameLst>
+                                      </p:cBhvr>
+                                      <p:tavLst>
+                                        <p:tav tm="0">
+                                          <p:val>
+                                            <p:strVal val="1+#ppt_h/2"/>
+                                          </p:val>
+                                        </p:tav>
+                                        <p:tav tm="100000">
+                                          <p:val>
+                                            <p:strVal val="#ppt_y"/>
+                                          </p:val>
+                                        </p:tav>
+                                      </p:tavLst>
+                                    </p:anim>
+                                  </p:childTnLst>
+                                </p:cTn>
+                              </p:par>
+                              <p:par>
+                                <p:cTn id="58" presetID="2" presetClass="entr" presetSubtype="4" fill="hold" nodeType="withEffect">
+                                  <p:stCondLst>
+                                    <p:cond delay="0"/>
+                                  </p:stCondLst>
+                                  <p:childTnLst>
+                                    <p:set>
+                                      <p:cBhvr>
+                                        <p:cTn id="59" dur="1" fill="hold">
+                                          <p:stCondLst>
+                                            <p:cond delay="0"/>
+                                          </p:stCondLst>
+                                        </p:cTn>
+                                        <p:tgtEl>
+                                          <p:spTgt spid="6">
+                                            <p:txEl>
+                                              <p:pRg st="2" end="2"/>
+                                            </p:txEl>
+                                          </p:spTgt>
+                                        </p:tgtEl>
+                                        <p:attrNameLst>
+                                          <p:attrName>style.visibility</p:attrName>
+                                        </p:attrNameLst>
+                                      </p:cBhvr>
+                                      <p:to>
+                                        <p:strVal val="visible"/>
+                                      </p:to>
+                                    </p:set>
+                                    <p:anim calcmode="lin" valueType="num">
+                                      <p:cBhvr additive="base">
+                                        <p:cTn id="60" dur="500" fill="hold"/>
+                                        <p:tgtEl>
+                                          <p:spTgt spid="6">
+                                            <p:txEl>
+                                              <p:pRg st="2" end="2"/>
+                                            </p:txEl>
+                                          </p:spTgt>
+                                        </p:tgtEl>
+                                        <p:attrNameLst>
+                                          <p:attrName>ppt_x</p:attrName>
+                                        </p:attrNameLst>
+                                      </p:cBhvr>
+                                      <p:tavLst>
+                                        <p:tav tm="0">
+                                          <p:val>
+                                            <p:strVal val="#ppt_x"/>
+                                          </p:val>
+                                        </p:tav>
+                                        <p:tav tm="100000">
+                                          <p:val>
+                                            <p:strVal val="#ppt_x"/>
+                                          </p:val>
+                                        </p:tav>
+                                      </p:tavLst>
+                                    </p:anim>
+                                    <p:anim calcmode="lin" valueType="num">
+                                      <p:cBhvr additive="base">
+                                        <p:cTn id="61" dur="500" fill="hold"/>
+                                        <p:tgtEl>
+                                          <p:spTgt spid="6">
+                                            <p:txEl>
+                                              <p:pRg st="2" end="2"/>
+                                            </p:txEl>
+                                          </p:spTgt>
+                                        </p:tgtEl>
+                                        <p:attrNameLst>
+                                          <p:attrName>ppt_y</p:attrName>
+                                        </p:attrNameLst>
+                                      </p:cBhvr>
+                                      <p:tavLst>
+                                        <p:tav tm="0">
+                                          <p:val>
+                                            <p:strVal val="1+#ppt_h/2"/>
+                                          </p:val>
+                                        </p:tav>
+                                        <p:tav tm="100000">
+                                          <p:val>
+                                            <p:strVal val="#ppt_y"/>
+                                          </p:val>
+                                        </p:tav>
+                                      </p:tavLst>
+                                    </p:anim>
+                                  </p:childTnLst>
+                                </p:cTn>
+                              </p:par>
+                              <p:par>
+                                <p:cTn id="62" presetID="2" presetClass="entr" presetSubtype="4" fill="hold" nodeType="withEffect">
+                                  <p:stCondLst>
+                                    <p:cond delay="0"/>
+                                  </p:stCondLst>
+                                  <p:childTnLst>
+                                    <p:set>
+                                      <p:cBhvr>
+                                        <p:cTn id="63" dur="1" fill="hold">
+                                          <p:stCondLst>
+                                            <p:cond delay="0"/>
+                                          </p:stCondLst>
+                                        </p:cTn>
+                                        <p:tgtEl>
+                                          <p:spTgt spid="6">
+                                            <p:txEl>
+                                              <p:pRg st="3" end="3"/>
+                                            </p:txEl>
+                                          </p:spTgt>
+                                        </p:tgtEl>
+                                        <p:attrNameLst>
+                                          <p:attrName>style.visibility</p:attrName>
+                                        </p:attrNameLst>
+                                      </p:cBhvr>
+                                      <p:to>
+                                        <p:strVal val="visible"/>
+                                      </p:to>
+                                    </p:set>
+                                    <p:anim calcmode="lin" valueType="num">
+                                      <p:cBhvr additive="base">
+                                        <p:cTn id="64" dur="500" fill="hold"/>
+                                        <p:tgtEl>
+                                          <p:spTgt spid="6">
+                                            <p:txEl>
+                                              <p:pRg st="3" end="3"/>
+                                            </p:txEl>
+                                          </p:spTgt>
+                                        </p:tgtEl>
+                                        <p:attrNameLst>
+                                          <p:attrName>ppt_x</p:attrName>
+                                        </p:attrNameLst>
+                                      </p:cBhvr>
+                                      <p:tavLst>
+                                        <p:tav tm="0">
+                                          <p:val>
+                                            <p:strVal val="#ppt_x"/>
+                                          </p:val>
+                                        </p:tav>
+                                        <p:tav tm="100000">
+                                          <p:val>
+                                            <p:strVal val="#ppt_x"/>
+                                          </p:val>
+                                        </p:tav>
+                                      </p:tavLst>
+                                    </p:anim>
+                                    <p:anim calcmode="lin" valueType="num">
+                                      <p:cBhvr additive="base">
+                                        <p:cTn id="65" dur="500" fill="hold"/>
+                                        <p:tgtEl>
+                                          <p:spTgt spid="6">
+                                            <p:txEl>
+                                              <p:pRg st="3" end="3"/>
+                                            </p:txEl>
+                                          </p:spTgt>
+                                        </p:tgtEl>
+                                        <p:attrNameLst>
+                                          <p:attrName>ppt_y</p:attrName>
+                                        </p:attrNameLst>
+                                      </p:cBhvr>
+                                      <p:tavLst>
+                                        <p:tav tm="0">
+                                          <p:val>
+                                            <p:strVal val="1+#ppt_h/2"/>
+                                          </p:val>
+                                        </p:tav>
+                                        <p:tav tm="100000">
+                                          <p:val>
+                                            <p:strVal val="#ppt_y"/>
+                                          </p:val>
+                                        </p:tav>
+                                      </p:tavLst>
+                                    </p:anim>
+                                  </p:childTnLst>
+                                </p:cTn>
+                              </p:par>
+                              <p:par>
+                                <p:cTn id="66" presetID="2" presetClass="entr" presetSubtype="4" fill="hold" nodeType="withEffect">
+                                  <p:stCondLst>
+                                    <p:cond delay="0"/>
+                                  </p:stCondLst>
+                                  <p:childTnLst>
+                                    <p:set>
+                                      <p:cBhvr>
+                                        <p:cTn id="67" dur="1" fill="hold">
+                                          <p:stCondLst>
+                                            <p:cond delay="0"/>
+                                          </p:stCondLst>
+                                        </p:cTn>
+                                        <p:tgtEl>
+                                          <p:spTgt spid="6">
+                                            <p:txEl>
+                                              <p:pRg st="4" end="4"/>
+                                            </p:txEl>
+                                          </p:spTgt>
+                                        </p:tgtEl>
+                                        <p:attrNameLst>
+                                          <p:attrName>style.visibility</p:attrName>
+                                        </p:attrNameLst>
+                                      </p:cBhvr>
+                                      <p:to>
+                                        <p:strVal val="visible"/>
+                                      </p:to>
+                                    </p:set>
+                                    <p:anim calcmode="lin" valueType="num">
+                                      <p:cBhvr additive="base">
+                                        <p:cTn id="68" dur="500" fill="hold"/>
+                                        <p:tgtEl>
+                                          <p:spTgt spid="6">
+                                            <p:txEl>
+                                              <p:pRg st="4" end="4"/>
+                                            </p:txEl>
+                                          </p:spTgt>
+                                        </p:tgtEl>
+                                        <p:attrNameLst>
+                                          <p:attrName>ppt_x</p:attrName>
+                                        </p:attrNameLst>
+                                      </p:cBhvr>
+                                      <p:tavLst>
+                                        <p:tav tm="0">
+                                          <p:val>
+                                            <p:strVal val="#ppt_x"/>
+                                          </p:val>
+                                        </p:tav>
+                                        <p:tav tm="100000">
+                                          <p:val>
+                                            <p:strVal val="#ppt_x"/>
+                                          </p:val>
+                                        </p:tav>
+                                      </p:tavLst>
+                                    </p:anim>
+                                    <p:anim calcmode="lin" valueType="num">
+                                      <p:cBhvr additive="base">
+                                        <p:cTn id="69" dur="500" fill="hold"/>
+                                        <p:tgtEl>
+                                          <p:spTgt spid="6">
+                                            <p:txEl>
+                                              <p:pRg st="4" end="4"/>
+                                            </p:txEl>
+                                          </p:spTgt>
+                                        </p:tgtEl>
+                                        <p:attrNameLst>
+                                          <p:attrName>ppt_y</p:attrName>
+                                        </p:attrNameLst>
+                                      </p:cBhvr>
+                                      <p:tavLst>
+                                        <p:tav tm="0">
+                                          <p:val>
+                                            <p:strVal val="1+#ppt_h/2"/>
+                                          </p:val>
+                                        </p:tav>
+                                        <p:tav tm="100000">
+                                          <p:val>
+                                            <p:strVal val="#ppt_y"/>
+                                          </p:val>
+                                        </p:tav>
+                                      </p:tavLst>
+                                    </p:anim>
+                                  </p:childTnLst>
+                                </p:cTn>
+                              </p:par>
+                              <p:par>
+                                <p:cTn id="70" presetID="2" presetClass="entr" presetSubtype="4" fill="hold" nodeType="withEffect">
+                                  <p:stCondLst>
+                                    <p:cond delay="0"/>
+                                  </p:stCondLst>
+                                  <p:childTnLst>
+                                    <p:set>
+                                      <p:cBhvr>
+                                        <p:cTn id="71" dur="1" fill="hold">
+                                          <p:stCondLst>
+                                            <p:cond delay="0"/>
+                                          </p:stCondLst>
+                                        </p:cTn>
+                                        <p:tgtEl>
+                                          <p:spTgt spid="6">
+                                            <p:txEl>
+                                              <p:pRg st="5" end="5"/>
+                                            </p:txEl>
+                                          </p:spTgt>
+                                        </p:tgtEl>
+                                        <p:attrNameLst>
+                                          <p:attrName>style.visibility</p:attrName>
+                                        </p:attrNameLst>
+                                      </p:cBhvr>
+                                      <p:to>
+                                        <p:strVal val="visible"/>
+                                      </p:to>
+                                    </p:set>
+                                    <p:anim calcmode="lin" valueType="num">
+                                      <p:cBhvr additive="base">
+                                        <p:cTn id="72" dur="500" fill="hold"/>
+                                        <p:tgtEl>
+                                          <p:spTgt spid="6">
+                                            <p:txEl>
+                                              <p:pRg st="5" end="5"/>
+                                            </p:txEl>
+                                          </p:spTgt>
+                                        </p:tgtEl>
+                                        <p:attrNameLst>
+                                          <p:attrName>ppt_x</p:attrName>
+                                        </p:attrNameLst>
+                                      </p:cBhvr>
+                                      <p:tavLst>
+                                        <p:tav tm="0">
+                                          <p:val>
+                                            <p:strVal val="#ppt_x"/>
+                                          </p:val>
+                                        </p:tav>
+                                        <p:tav tm="100000">
+                                          <p:val>
+                                            <p:strVal val="#ppt_x"/>
+                                          </p:val>
+                                        </p:tav>
+                                      </p:tavLst>
+                                    </p:anim>
+                                    <p:anim calcmode="lin" valueType="num">
+                                      <p:cBhvr additive="base">
+                                        <p:cTn id="73" dur="500" fill="hold"/>
+                                        <p:tgtEl>
+                                          <p:spTgt spid="6">
+                                            <p:txEl>
+                                              <p:pRg st="5" end="5"/>
+                                            </p:txEl>
+                                          </p:spTgt>
+                                        </p:tgtEl>
+                                        <p:attrNameLst>
+                                          <p:attrName>ppt_y</p:attrName>
+                                        </p:attrNameLst>
+                                      </p:cBhvr>
+                                      <p:tavLst>
+                                        <p:tav tm="0">
+                                          <p:val>
+                                            <p:strVal val="1+#ppt_h/2"/>
+                                          </p:val>
+                                        </p:tav>
+                                        <p:tav tm="100000">
+                                          <p:val>
+                                            <p:strVal val="#ppt_y"/>
+                                          </p:val>
+                                        </p:tav>
+                                      </p:tavLst>
+                                    </p:anim>
+                                  </p:childTnLst>
+                                </p:cTn>
+                              </p:par>
+                              <p:par>
+                                <p:cTn id="74" presetID="2" presetClass="entr" presetSubtype="4" fill="hold" nodeType="withEffect">
+                                  <p:stCondLst>
+                                    <p:cond delay="0"/>
+                                  </p:stCondLst>
+                                  <p:childTnLst>
+                                    <p:set>
+                                      <p:cBhvr>
+                                        <p:cTn id="75" dur="1" fill="hold">
+                                          <p:stCondLst>
+                                            <p:cond delay="0"/>
+                                          </p:stCondLst>
+                                        </p:cTn>
+                                        <p:tgtEl>
+                                          <p:spTgt spid="6">
+                                            <p:txEl>
+                                              <p:pRg st="6" end="6"/>
+                                            </p:txEl>
+                                          </p:spTgt>
+                                        </p:tgtEl>
+                                        <p:attrNameLst>
+                                          <p:attrName>style.visibility</p:attrName>
+                                        </p:attrNameLst>
+                                      </p:cBhvr>
+                                      <p:to>
+                                        <p:strVal val="visible"/>
+                                      </p:to>
+                                    </p:set>
+                                    <p:anim calcmode="lin" valueType="num">
+                                      <p:cBhvr additive="base">
+                                        <p:cTn id="76" dur="500" fill="hold"/>
+                                        <p:tgtEl>
+                                          <p:spTgt spid="6">
+                                            <p:txEl>
+                                              <p:pRg st="6" end="6"/>
+                                            </p:txEl>
+                                          </p:spTgt>
+                                        </p:tgtEl>
+                                        <p:attrNameLst>
+                                          <p:attrName>ppt_x</p:attrName>
+                                        </p:attrNameLst>
+                                      </p:cBhvr>
+                                      <p:tavLst>
+                                        <p:tav tm="0">
+                                          <p:val>
+                                            <p:strVal val="#ppt_x"/>
+                                          </p:val>
+                                        </p:tav>
+                                        <p:tav tm="100000">
+                                          <p:val>
+                                            <p:strVal val="#ppt_x"/>
+                                          </p:val>
+                                        </p:tav>
+                                      </p:tavLst>
+                                    </p:anim>
+                                    <p:anim calcmode="lin" valueType="num">
+                                      <p:cBhvr additive="base">
+                                        <p:cTn id="77" dur="500" fill="hold"/>
+                                        <p:tgtEl>
+                                          <p:spTgt spid="6">
+                                            <p:txEl>
+                                              <p:pRg st="6" end="6"/>
+                                            </p:txEl>
+                                          </p:spTgt>
+                                        </p:tgtEl>
+                                        <p:attrNameLst>
+                                          <p:attrName>ppt_y</p:attrName>
+                                        </p:attrNameLst>
+                                      </p:cBhvr>
+                                      <p:tavLst>
+                                        <p:tav tm="0">
+                                          <p:val>
+                                            <p:strVal val="1+#ppt_h/2"/>
+                                          </p:val>
+                                        </p:tav>
+                                        <p:tav tm="100000">
+                                          <p:val>
+                                            <p:strVal val="#ppt_y"/>
+                                          </p:val>
+                                        </p:tav>
+                                      </p:tavLst>
+                                    </p:anim>
+                                  </p:childTnLst>
+                                </p:cTn>
+                              </p:par>
+                              <p:par>
+                                <p:cTn id="78" presetID="2" presetClass="entr" presetSubtype="4" fill="hold" nodeType="withEffect">
+                                  <p:stCondLst>
+                                    <p:cond delay="0"/>
+                                  </p:stCondLst>
+                                  <p:childTnLst>
+                                    <p:set>
+                                      <p:cBhvr>
+                                        <p:cTn id="79" dur="1" fill="hold">
+                                          <p:stCondLst>
+                                            <p:cond delay="0"/>
+                                          </p:stCondLst>
+                                        </p:cTn>
+                                        <p:tgtEl>
+                                          <p:spTgt spid="6">
+                                            <p:txEl>
+                                              <p:pRg st="7" end="7"/>
+                                            </p:txEl>
+                                          </p:spTgt>
+                                        </p:tgtEl>
+                                        <p:attrNameLst>
+                                          <p:attrName>style.visibility</p:attrName>
+                                        </p:attrNameLst>
+                                      </p:cBhvr>
+                                      <p:to>
+                                        <p:strVal val="visible"/>
+                                      </p:to>
+                                    </p:set>
+                                    <p:anim calcmode="lin" valueType="num">
+                                      <p:cBhvr additive="base">
+                                        <p:cTn id="80" dur="500" fill="hold"/>
+                                        <p:tgtEl>
+                                          <p:spTgt spid="6">
+                                            <p:txEl>
+                                              <p:pRg st="7" end="7"/>
+                                            </p:txEl>
+                                          </p:spTgt>
+                                        </p:tgtEl>
+                                        <p:attrNameLst>
+                                          <p:attrName>ppt_x</p:attrName>
+                                        </p:attrNameLst>
+                                      </p:cBhvr>
+                                      <p:tavLst>
+                                        <p:tav tm="0">
+                                          <p:val>
+                                            <p:strVal val="#ppt_x"/>
+                                          </p:val>
+                                        </p:tav>
+                                        <p:tav tm="100000">
+                                          <p:val>
+                                            <p:strVal val="#ppt_x"/>
+                                          </p:val>
+                                        </p:tav>
+                                      </p:tavLst>
+                                    </p:anim>
+                                    <p:anim calcmode="lin" valueType="num">
+                                      <p:cBhvr additive="base">
+                                        <p:cTn id="81" dur="500" fill="hold"/>
+                                        <p:tgtEl>
+                                          <p:spTgt spid="6">
+                                            <p:txEl>
+                                              <p:pRg st="7" end="7"/>
+                                            </p:txEl>
+                                          </p:spTgt>
+                                        </p:tgtEl>
+                                        <p:attrNameLst>
+                                          <p:attrName>ppt_y</p:attrName>
+                                        </p:attrNameLst>
+                                      </p:cBhvr>
+                                      <p:tavLst>
+                                        <p:tav tm="0">
+                                          <p:val>
+                                            <p:strVal val="1+#ppt_h/2"/>
+                                          </p:val>
+                                        </p:tav>
+                                        <p:tav tm="100000">
+                                          <p:val>
+                                            <p:strVal val="#ppt_y"/>
+                                          </p:val>
+                                        </p:tav>
+                                      </p:tavLst>
+                                    </p:anim>
+                                  </p:childTnLst>
+                                </p:cTn>
+                              </p:par>
+                            </p:childTnLst>
+                          </p:cTn>
+                        </p:par>
+                      </p:childTnLst>
+                    </p:cTn>
+                  </p:par>
+                  <p:par>
+                    <p:cTn id="82" fill="hold">
+                      <p:stCondLst>
+                        <p:cond delay="indefinite"/>
+                      </p:stCondLst>
+                      <p:childTnLst>
+                        <p:par>
+                          <p:cTn id="83" fill="hold">
+                            <p:stCondLst>
+                              <p:cond delay="0"/>
+                            </p:stCondLst>
+                            <p:childTnLst>
+                              <p:par>
+                                <p:cTn id="84" presetID="2" presetClass="entr" presetSubtype="4" fill="hold" nodeType="clickEffect">
+                                  <p:stCondLst>
+                                    <p:cond delay="0"/>
+                                  </p:stCondLst>
+                                  <p:childTnLst>
+                                    <p:set>
+                                      <p:cBhvr>
+                                        <p:cTn id="85" dur="1" fill="hold">
+                                          <p:stCondLst>
+                                            <p:cond delay="0"/>
+                                          </p:stCondLst>
+                                        </p:cTn>
+                                        <p:tgtEl>
+                                          <p:spTgt spid="8">
+                                            <p:txEl>
+                                              <p:pRg st="0" end="0"/>
+                                            </p:txEl>
+                                          </p:spTgt>
+                                        </p:tgtEl>
+                                        <p:attrNameLst>
+                                          <p:attrName>style.visibility</p:attrName>
+                                        </p:attrNameLst>
+                                      </p:cBhvr>
+                                      <p:to>
+                                        <p:strVal val="visible"/>
+                                      </p:to>
+                                    </p:set>
+                                    <p:anim calcmode="lin" valueType="num">
+                                      <p:cBhvr additive="base">
+                                        <p:cTn id="86" dur="500" fill="hold"/>
+                                        <p:tgtEl>
+                                          <p:spTgt spid="8">
+                                            <p:txEl>
+                                              <p:pRg st="0" end="0"/>
+                                            </p:txEl>
+                                          </p:spTgt>
+                                        </p:tgtEl>
+                                        <p:attrNameLst>
+                                          <p:attrName>ppt_x</p:attrName>
+                                        </p:attrNameLst>
+                                      </p:cBhvr>
+                                      <p:tavLst>
+                                        <p:tav tm="0">
+                                          <p:val>
+                                            <p:strVal val="#ppt_x"/>
+                                          </p:val>
+                                        </p:tav>
+                                        <p:tav tm="100000">
+                                          <p:val>
+                                            <p:strVal val="#ppt_x"/>
+                                          </p:val>
+                                        </p:tav>
+                                      </p:tavLst>
+                                    </p:anim>
+                                    <p:anim calcmode="lin" valueType="num">
+                                      <p:cBhvr additive="base">
+                                        <p:cTn id="87" dur="500" fill="hold"/>
+                                        <p:tgtEl>
+                                          <p:spTgt spid="8">
+                                            <p:txEl>
+                                              <p:pRg st="0" end="0"/>
+                                            </p:txEl>
+                                          </p:spTgt>
+                                        </p:tgtEl>
+                                        <p:attrNameLst>
+                                          <p:attrName>ppt_y</p:attrName>
+                                        </p:attrNameLst>
+                                      </p:cBhvr>
+                                      <p:tavLst>
+                                        <p:tav tm="0">
+                                          <p:val>
+                                            <p:strVal val="1+#ppt_h/2"/>
+                                          </p:val>
+                                        </p:tav>
+                                        <p:tav tm="100000">
+                                          <p:val>
+                                            <p:strVal val="#ppt_y"/>
+                                          </p:val>
+                                        </p:tav>
+                                      </p:tavLst>
+                                    </p:anim>
+                                  </p:childTnLst>
+                                </p:cTn>
+                              </p:par>
+                              <p:par>
+                                <p:cTn id="88" presetID="2" presetClass="entr" presetSubtype="4" fill="hold" nodeType="withEffect">
+                                  <p:stCondLst>
+                                    <p:cond delay="0"/>
+                                  </p:stCondLst>
+                                  <p:childTnLst>
+                                    <p:set>
+                                      <p:cBhvr>
+                                        <p:cTn id="89" dur="1" fill="hold">
+                                          <p:stCondLst>
+                                            <p:cond delay="0"/>
+                                          </p:stCondLst>
+                                        </p:cTn>
+                                        <p:tgtEl>
+                                          <p:spTgt spid="8">
+                                            <p:txEl>
+                                              <p:pRg st="1" end="1"/>
+                                            </p:txEl>
+                                          </p:spTgt>
+                                        </p:tgtEl>
+                                        <p:attrNameLst>
+                                          <p:attrName>style.visibility</p:attrName>
+                                        </p:attrNameLst>
+                                      </p:cBhvr>
+                                      <p:to>
+                                        <p:strVal val="visible"/>
+                                      </p:to>
+                                    </p:set>
+                                    <p:anim calcmode="lin" valueType="num">
+                                      <p:cBhvr additive="base">
+                                        <p:cTn id="90" dur="500" fill="hold"/>
+                                        <p:tgtEl>
+                                          <p:spTgt spid="8">
+                                            <p:txEl>
+                                              <p:pRg st="1" end="1"/>
+                                            </p:txEl>
+                                          </p:spTgt>
+                                        </p:tgtEl>
+                                        <p:attrNameLst>
+                                          <p:attrName>ppt_x</p:attrName>
+                                        </p:attrNameLst>
+                                      </p:cBhvr>
+                                      <p:tavLst>
+                                        <p:tav tm="0">
+                                          <p:val>
+                                            <p:strVal val="#ppt_x"/>
+                                          </p:val>
+                                        </p:tav>
+                                        <p:tav tm="100000">
+                                          <p:val>
+                                            <p:strVal val="#ppt_x"/>
+                                          </p:val>
+                                        </p:tav>
+                                      </p:tavLst>
+                                    </p:anim>
+                                    <p:anim calcmode="lin" valueType="num">
+                                      <p:cBhvr additive="base">
+                                        <p:cTn id="91" dur="500" fill="hold"/>
+                                        <p:tgtEl>
+                                          <p:spTgt spid="8">
+                                            <p:txEl>
+                                              <p:pRg st="1" end="1"/>
+                                            </p:txEl>
+                                          </p:spTgt>
+                                        </p:tgtEl>
+                                        <p:attrNameLst>
+                                          <p:attrName>ppt_y</p:attrName>
+                                        </p:attrNameLst>
+                                      </p:cBhvr>
+                                      <p:tavLst>
+                                        <p:tav tm="0">
+                                          <p:val>
+                                            <p:strVal val="1+#ppt_h/2"/>
+                                          </p:val>
+                                        </p:tav>
+                                        <p:tav tm="100000">
+                                          <p:val>
+                                            <p:strVal val="#ppt_y"/>
+                                          </p:val>
+                                        </p:tav>
+                                      </p:tavLst>
+                                    </p:anim>
+                                  </p:childTnLst>
+                                </p:cTn>
+                              </p:par>
+                              <p:par>
+                                <p:cTn id="92" presetID="2" presetClass="entr" presetSubtype="4" fill="hold" nodeType="withEffect">
+                                  <p:stCondLst>
+                                    <p:cond delay="0"/>
+                                  </p:stCondLst>
+                                  <p:childTnLst>
+                                    <p:set>
+                                      <p:cBhvr>
+                                        <p:cTn id="93" dur="1" fill="hold">
+                                          <p:stCondLst>
+                                            <p:cond delay="0"/>
+                                          </p:stCondLst>
+                                        </p:cTn>
+                                        <p:tgtEl>
+                                          <p:spTgt spid="8">
+                                            <p:txEl>
+                                              <p:pRg st="2" end="2"/>
+                                            </p:txEl>
+                                          </p:spTgt>
+                                        </p:tgtEl>
+                                        <p:attrNameLst>
+                                          <p:attrName>style.visibility</p:attrName>
+                                        </p:attrNameLst>
+                                      </p:cBhvr>
+                                      <p:to>
+                                        <p:strVal val="visible"/>
+                                      </p:to>
+                                    </p:set>
+                                    <p:anim calcmode="lin" valueType="num">
+                                      <p:cBhvr additive="base">
+                                        <p:cTn id="94" dur="500" fill="hold"/>
+                                        <p:tgtEl>
+                                          <p:spTgt spid="8">
+                                            <p:txEl>
+                                              <p:pRg st="2" end="2"/>
+                                            </p:txEl>
+                                          </p:spTgt>
+                                        </p:tgtEl>
+                                        <p:attrNameLst>
+                                          <p:attrName>ppt_x</p:attrName>
+                                        </p:attrNameLst>
+                                      </p:cBhvr>
+                                      <p:tavLst>
+                                        <p:tav tm="0">
+                                          <p:val>
+                                            <p:strVal val="#ppt_x"/>
+                                          </p:val>
+                                        </p:tav>
+                                        <p:tav tm="100000">
+                                          <p:val>
+                                            <p:strVal val="#ppt_x"/>
+                                          </p:val>
+                                        </p:tav>
+                                      </p:tavLst>
+                                    </p:anim>
+                                    <p:anim calcmode="lin" valueType="num">
+                                      <p:cBhvr additive="base">
+                                        <p:cTn id="95" dur="500" fill="hold"/>
+                                        <p:tgtEl>
+                                          <p:spTgt spid="8">
+                                            <p:txEl>
+                                              <p:pRg st="2" end="2"/>
+                                            </p:txEl>
+                                          </p:spTgt>
+                                        </p:tgtEl>
+                                        <p:attrNameLst>
+                                          <p:attrName>ppt_y</p:attrName>
+                                        </p:attrNameLst>
+                                      </p:cBhvr>
+                                      <p:tavLst>
+                                        <p:tav tm="0">
+                                          <p:val>
+                                            <p:strVal val="1+#ppt_h/2"/>
+                                          </p:val>
+                                        </p:tav>
+                                        <p:tav tm="100000">
+                                          <p:val>
+                                            <p:strVal val="#ppt_y"/>
+                                          </p:val>
+                                        </p:tav>
+                                      </p:tavLst>
+                                    </p:anim>
+                                  </p:childTnLst>
+                                </p:cTn>
+                              </p:par>
+                              <p:par>
+                                <p:cTn id="96" presetID="2" presetClass="entr" presetSubtype="4" fill="hold" nodeType="withEffect">
+                                  <p:stCondLst>
+                                    <p:cond delay="0"/>
+                                  </p:stCondLst>
+                                  <p:childTnLst>
+                                    <p:set>
+                                      <p:cBhvr>
+                                        <p:cTn id="97" dur="1" fill="hold">
+                                          <p:stCondLst>
+                                            <p:cond delay="0"/>
+                                          </p:stCondLst>
+                                        </p:cTn>
+                                        <p:tgtEl>
+                                          <p:spTgt spid="8">
+                                            <p:txEl>
+                                              <p:pRg st="3" end="3"/>
+                                            </p:txEl>
+                                          </p:spTgt>
+                                        </p:tgtEl>
+                                        <p:attrNameLst>
+                                          <p:attrName>style.visibility</p:attrName>
+                                        </p:attrNameLst>
+                                      </p:cBhvr>
+                                      <p:to>
+                                        <p:strVal val="visible"/>
+                                      </p:to>
+                                    </p:set>
+                                    <p:anim calcmode="lin" valueType="num">
+                                      <p:cBhvr additive="base">
+                                        <p:cTn id="98" dur="500" fill="hold"/>
+                                        <p:tgtEl>
+                                          <p:spTgt spid="8">
+                                            <p:txEl>
+                                              <p:pRg st="3" end="3"/>
+                                            </p:txEl>
+                                          </p:spTgt>
+                                        </p:tgtEl>
+                                        <p:attrNameLst>
+                                          <p:attrName>ppt_x</p:attrName>
+                                        </p:attrNameLst>
+                                      </p:cBhvr>
+                                      <p:tavLst>
+                                        <p:tav tm="0">
+                                          <p:val>
+                                            <p:strVal val="#ppt_x"/>
+                                          </p:val>
+                                        </p:tav>
+                                        <p:tav tm="100000">
+                                          <p:val>
+                                            <p:strVal val="#ppt_x"/>
+                                          </p:val>
+                                        </p:tav>
+                                      </p:tavLst>
+                                    </p:anim>
+                                    <p:anim calcmode="lin" valueType="num">
+                                      <p:cBhvr additive="base">
+                                        <p:cTn id="99" dur="500" fill="hold"/>
+                                        <p:tgtEl>
+                                          <p:spTgt spid="8">
+                                            <p:txEl>
+                                              <p:pRg st="3" end="3"/>
+                                            </p:txEl>
+                                          </p:spTgt>
+                                        </p:tgtEl>
+                                        <p:attrNameLst>
+                                          <p:attrName>ppt_y</p:attrName>
+                                        </p:attrNameLst>
+                                      </p:cBhvr>
+                                      <p:tavLst>
+                                        <p:tav tm="0">
+                                          <p:val>
+                                            <p:strVal val="1+#ppt_h/2"/>
+                                          </p:val>
+                                        </p:tav>
+                                        <p:tav tm="100000">
+                                          <p:val>
+                                            <p:strVal val="#ppt_y"/>
+                                          </p:val>
+                                        </p:tav>
+                                      </p:tavLst>
+                                    </p:anim>
+                                  </p:childTnLst>
+                                </p:cTn>
+                              </p:par>
+                              <p:par>
+                                <p:cTn id="100" presetID="2" presetClass="entr" presetSubtype="4" fill="hold" nodeType="withEffect">
+                                  <p:stCondLst>
+                                    <p:cond delay="0"/>
+                                  </p:stCondLst>
+                                  <p:childTnLst>
+                                    <p:set>
+                                      <p:cBhvr>
+                                        <p:cTn id="101" dur="1" fill="hold">
+                                          <p:stCondLst>
+                                            <p:cond delay="0"/>
+                                          </p:stCondLst>
+                                        </p:cTn>
+                                        <p:tgtEl>
+                                          <p:spTgt spid="8">
+                                            <p:txEl>
+                                              <p:pRg st="4" end="4"/>
+                                            </p:txEl>
+                                          </p:spTgt>
+                                        </p:tgtEl>
+                                        <p:attrNameLst>
+                                          <p:attrName>style.visibility</p:attrName>
+                                        </p:attrNameLst>
+                                      </p:cBhvr>
+                                      <p:to>
+                                        <p:strVal val="visible"/>
+                                      </p:to>
+                                    </p:set>
+                                    <p:anim calcmode="lin" valueType="num">
+                                      <p:cBhvr additive="base">
+                                        <p:cTn id="102" dur="500" fill="hold"/>
+                                        <p:tgtEl>
+                                          <p:spTgt spid="8">
+                                            <p:txEl>
+                                              <p:pRg st="4" end="4"/>
+                                            </p:txEl>
+                                          </p:spTgt>
+                                        </p:tgtEl>
+                                        <p:attrNameLst>
+                                          <p:attrName>ppt_x</p:attrName>
+                                        </p:attrNameLst>
+                                      </p:cBhvr>
+                                      <p:tavLst>
+                                        <p:tav tm="0">
+                                          <p:val>
+                                            <p:strVal val="#ppt_x"/>
+                                          </p:val>
+                                        </p:tav>
+                                        <p:tav tm="100000">
+                                          <p:val>
+                                            <p:strVal val="#ppt_x"/>
+                                          </p:val>
+                                        </p:tav>
+                                      </p:tavLst>
+                                    </p:anim>
+                                    <p:anim calcmode="lin" valueType="num">
+                                      <p:cBhvr additive="base">
+                                        <p:cTn id="103" dur="500" fill="hold"/>
+                                        <p:tgtEl>
+                                          <p:spTgt spid="8">
+                                            <p:txEl>
+                                              <p:pRg st="4" end="4"/>
+                                            </p:txEl>
+                                          </p:spTgt>
+                                        </p:tgtEl>
+                                        <p:attrNameLst>
+                                          <p:attrName>ppt_y</p:attrName>
+                                        </p:attrNameLst>
+                                      </p:cBhvr>
+                                      <p:tavLst>
+                                        <p:tav tm="0">
+                                          <p:val>
+                                            <p:strVal val="1+#ppt_h/2"/>
+                                          </p:val>
+                                        </p:tav>
+                                        <p:tav tm="100000">
+                                          <p:val>
+                                            <p:strVal val="#ppt_y"/>
+                                          </p:val>
+                                        </p:tav>
+                                      </p:tavLst>
+                                    </p:anim>
+                                  </p:childTnLst>
+                                </p:cTn>
+                              </p:par>
+                              <p:par>
+                                <p:cTn id="104" presetID="2" presetClass="entr" presetSubtype="4" fill="hold" nodeType="withEffect">
+                                  <p:stCondLst>
+                                    <p:cond delay="0"/>
+                                  </p:stCondLst>
+                                  <p:childTnLst>
+                                    <p:set>
+                                      <p:cBhvr>
+                                        <p:cTn id="105" dur="1" fill="hold">
+                                          <p:stCondLst>
+                                            <p:cond delay="0"/>
+                                          </p:stCondLst>
+                                        </p:cTn>
+                                        <p:tgtEl>
+                                          <p:spTgt spid="8">
+                                            <p:txEl>
+                                              <p:pRg st="5" end="5"/>
+                                            </p:txEl>
+                                          </p:spTgt>
+                                        </p:tgtEl>
+                                        <p:attrNameLst>
+                                          <p:attrName>style.visibility</p:attrName>
+                                        </p:attrNameLst>
+                                      </p:cBhvr>
+                                      <p:to>
+                                        <p:strVal val="visible"/>
+                                      </p:to>
+                                    </p:set>
+                                    <p:anim calcmode="lin" valueType="num">
+                                      <p:cBhvr additive="base">
+                                        <p:cTn id="106" dur="500" fill="hold"/>
+                                        <p:tgtEl>
+                                          <p:spTgt spid="8">
+                                            <p:txEl>
+                                              <p:pRg st="5" end="5"/>
+                                            </p:txEl>
+                                          </p:spTgt>
+                                        </p:tgtEl>
+                                        <p:attrNameLst>
+                                          <p:attrName>ppt_x</p:attrName>
+                                        </p:attrNameLst>
+                                      </p:cBhvr>
+                                      <p:tavLst>
+                                        <p:tav tm="0">
+                                          <p:val>
+                                            <p:strVal val="#ppt_x"/>
+                                          </p:val>
+                                        </p:tav>
+                                        <p:tav tm="100000">
+                                          <p:val>
+                                            <p:strVal val="#ppt_x"/>
+                                          </p:val>
+                                        </p:tav>
+                                      </p:tavLst>
+                                    </p:anim>
+                                    <p:anim calcmode="lin" valueType="num">
+                                      <p:cBhvr additive="base">
+                                        <p:cTn id="107" dur="500" fill="hold"/>
+                                        <p:tgtEl>
+                                          <p:spTgt spid="8">
+                                            <p:txEl>
+                                              <p:pRg st="5" end="5"/>
+                                            </p:txEl>
+                                          </p:spTgt>
+                                        </p:tgtEl>
+                                        <p:attrNameLst>
+                                          <p:attrName>ppt_y</p:attrName>
+                                        </p:attrNameLst>
+                                      </p:cBhvr>
+                                      <p:tavLst>
+                                        <p:tav tm="0">
+                                          <p:val>
+                                            <p:strVal val="1+#ppt_h/2"/>
+                                          </p:val>
+                                        </p:tav>
+                                        <p:tav tm="100000">
+                                          <p:val>
+                                            <p:strVal val="#ppt_y"/>
+                                          </p:val>
+                                        </p:tav>
+                                      </p:tavLst>
+                                    </p:anim>
+                                  </p:childTnLst>
+                                </p:cTn>
+                              </p:par>
+                              <p:par>
+                                <p:cTn id="108" presetID="2" presetClass="entr" presetSubtype="4" fill="hold" nodeType="withEffect">
+                                  <p:stCondLst>
+                                    <p:cond delay="0"/>
+                                  </p:stCondLst>
+                                  <p:childTnLst>
+                                    <p:set>
+                                      <p:cBhvr>
+                                        <p:cTn id="109" dur="1" fill="hold">
+                                          <p:stCondLst>
+                                            <p:cond delay="0"/>
+                                          </p:stCondLst>
+                                        </p:cTn>
+                                        <p:tgtEl>
+                                          <p:spTgt spid="8">
+                                            <p:txEl>
+                                              <p:pRg st="6" end="6"/>
+                                            </p:txEl>
+                                          </p:spTgt>
+                                        </p:tgtEl>
+                                        <p:attrNameLst>
+                                          <p:attrName>style.visibility</p:attrName>
+                                        </p:attrNameLst>
+                                      </p:cBhvr>
+                                      <p:to>
+                                        <p:strVal val="visible"/>
+                                      </p:to>
+                                    </p:set>
+                                    <p:anim calcmode="lin" valueType="num">
+                                      <p:cBhvr additive="base">
+                                        <p:cTn id="110" dur="500" fill="hold"/>
+                                        <p:tgtEl>
+                                          <p:spTgt spid="8">
+                                            <p:txEl>
+                                              <p:pRg st="6" end="6"/>
+                                            </p:txEl>
+                                          </p:spTgt>
+                                        </p:tgtEl>
+                                        <p:attrNameLst>
+                                          <p:attrName>ppt_x</p:attrName>
+                                        </p:attrNameLst>
+                                      </p:cBhvr>
+                                      <p:tavLst>
+                                        <p:tav tm="0">
+                                          <p:val>
+                                            <p:strVal val="#ppt_x"/>
+                                          </p:val>
+                                        </p:tav>
+                                        <p:tav tm="100000">
+                                          <p:val>
+                                            <p:strVal val="#ppt_x"/>
+                                          </p:val>
+                                        </p:tav>
+                                      </p:tavLst>
+                                    </p:anim>
+                                    <p:anim calcmode="lin" valueType="num">
+                                      <p:cBhvr additive="base">
+                                        <p:cTn id="111" dur="500" fill="hold"/>
+                                        <p:tgtEl>
+                                          <p:spTgt spid="8">
+                                            <p:txEl>
+                                              <p:pRg st="6" end="6"/>
+                                            </p:txEl>
+                                          </p:spTgt>
+                                        </p:tgtEl>
+                                        <p:attrNameLst>
+                                          <p:attrName>ppt_y</p:attrName>
+                                        </p:attrNameLst>
+                                      </p:cBhvr>
+                                      <p:tavLst>
+                                        <p:tav tm="0">
+                                          <p:val>
+                                            <p:strVal val="1+#ppt_h/2"/>
+                                          </p:val>
+                                        </p:tav>
+                                        <p:tav tm="100000">
+                                          <p:val>
+                                            <p:strVal val="#ppt_y"/>
+                                          </p:val>
+                                        </p:tav>
+                                      </p:tavLst>
+                                    </p:anim>
+                                  </p:childTnLst>
+                                </p:cTn>
+                              </p:par>
+                              <p:par>
+                                <p:cTn id="112" presetID="2" presetClass="entr" presetSubtype="4" fill="hold" nodeType="withEffect">
+                                  <p:stCondLst>
+                                    <p:cond delay="0"/>
+                                  </p:stCondLst>
+                                  <p:childTnLst>
+                                    <p:set>
+                                      <p:cBhvr>
+                                        <p:cTn id="113" dur="1" fill="hold">
+                                          <p:stCondLst>
+                                            <p:cond delay="0"/>
+                                          </p:stCondLst>
+                                        </p:cTn>
+                                        <p:tgtEl>
+                                          <p:spTgt spid="8">
+                                            <p:txEl>
+                                              <p:pRg st="7" end="7"/>
+                                            </p:txEl>
+                                          </p:spTgt>
+                                        </p:tgtEl>
+                                        <p:attrNameLst>
+                                          <p:attrName>style.visibility</p:attrName>
+                                        </p:attrNameLst>
+                                      </p:cBhvr>
+                                      <p:to>
+                                        <p:strVal val="visible"/>
+                                      </p:to>
+                                    </p:set>
+                                    <p:anim calcmode="lin" valueType="num">
+                                      <p:cBhvr additive="base">
+                                        <p:cTn id="114" dur="500" fill="hold"/>
+                                        <p:tgtEl>
+                                          <p:spTgt spid="8">
+                                            <p:txEl>
+                                              <p:pRg st="7" end="7"/>
+                                            </p:txEl>
+                                          </p:spTgt>
+                                        </p:tgtEl>
+                                        <p:attrNameLst>
+                                          <p:attrName>ppt_x</p:attrName>
+                                        </p:attrNameLst>
+                                      </p:cBhvr>
+                                      <p:tavLst>
+                                        <p:tav tm="0">
+                                          <p:val>
+                                            <p:strVal val="#ppt_x"/>
+                                          </p:val>
+                                        </p:tav>
+                                        <p:tav tm="100000">
+                                          <p:val>
+                                            <p:strVal val="#ppt_x"/>
+                                          </p:val>
+                                        </p:tav>
+                                      </p:tavLst>
+                                    </p:anim>
+                                    <p:anim calcmode="lin" valueType="num">
+                                      <p:cBhvr additive="base">
+                                        <p:cTn id="115" dur="500" fill="hold"/>
+                                        <p:tgtEl>
+                                          <p:spTgt spid="8">
+                                            <p:txEl>
+                                              <p:pRg st="7" end="7"/>
+                                            </p:txEl>
+                                          </p:spTgt>
+                                        </p:tgtEl>
+                                        <p:attrNameLst>
+                                          <p:attrName>ppt_y</p:attrName>
+                                        </p:attrNameLst>
+                                      </p:cBhvr>
+                                      <p:tavLst>
+                                        <p:tav tm="0">
+                                          <p:val>
+                                            <p:strVal val="1+#ppt_h/2"/>
+                                          </p:val>
+                                        </p:tav>
+                                        <p:tav tm="100000">
+                                          <p:val>
+                                            <p:strVal val="#ppt_y"/>
+                                          </p:val>
+                                        </p:tav>
+                                      </p:tavLst>
+                                    </p:anim>
+                                  </p:childTnLst>
+                                </p:cTn>
+                              </p:par>
+                            </p:childTnLst>
+                          </p:cTn>
+                        </p:par>
+                      </p:childTnLst>
+                    </p:cTn>
+                  </p:par>
+                </p:childTnLst>
+              </p:cTn>
+              <p:prevCondLst>
+                <p:cond evt="onPrev" delay="0">
+                  <p:tgtEl>
+                    <p:sldTgt/>
+                  </p:tgtEl>
+                </p:cond>
+              </p:prevCondLst>
+              <p:nextCondLst>
+                <p:cond evt="onNext" delay="0">
+                  <p:tgtEl>
+                    <p:sldTgt/>
+                  </p:tgtEl>
+                </p:cond>
+              </p:nextCondLst>
+            </p:seq>
+          </p:childTnLst>
+        </p:cTn>
+      </p:par>
+    </p:tnLst>
+    <p:bldLst>
+      <p:bldP spid="2" grpId="0"/>
+    </p:bldLst>
+  </p:timing>
 </p:sld>
 </file>
 
 <file path=ppt/slides/slide4.xml><?xml version="1.0" encoding="utf-8"?>
 <p:sld xmlns:a="http://schemas.openxmlformats.org/drawingml/2006/main" xmlns:r="http://schemas.openxmlformats.org/officeDocument/2006/relationships" xmlns:p="http://schemas.openxmlformats.org/presentationml/2006/main">
   <p:cSld>
+    <p:bg>
+      <p:bgPr>
+        <a:blipFill dpi="0" rotWithShape="1">
+          <a:blip r:embed="rId2">
+            <a:alphaModFix amt="86000"/>
+            <a:lum/>
+            <a:extLst>
+              <a:ext uri="{837473B0-CC2E-450A-ABE3-18F120FF3D39}">
+                <a1611:picAttrSrcUrl xmlns:a1611="http://schemas.microsoft.com/office/drawing/2016/11/main" r:id="rId3"/>
+              </a:ext>
+            </a:extLst>
+          </a:blip>
+          <a:srcRect/>
+          <a:stretch>
+            <a:fillRect l="-6000" r="-6000"/>
+          </a:stretch>
+        </a:blipFill>
+        <a:effectLst/>
+      </p:bgPr>
+    </p:bg>
     <p:spTree>
       <p:nvGrpSpPr>
         <p:cNvPr id="1" name=""/>
@@ -3955,40 +7680,6 @@
       </p:grpSpPr>
       <p:sp>
         <p:nvSpPr>
-          <p:cNvPr id="2" name="Title 1">
-            <a:extLst>
-              <a:ext uri="{FF2B5EF4-FFF2-40B4-BE49-F238E27FC236}">
-                <a16:creationId xmlns:a16="http://schemas.microsoft.com/office/drawing/2014/main" id="{0372744C-E078-4C1A-8536-0EA225A4B4A5}"/>
-              </a:ext>
-            </a:extLst>
-          </p:cNvPr>
-          <p:cNvSpPr>
-            <a:spLocks noGrp="1"/>
-          </p:cNvSpPr>
-          <p:nvPr>
-            <p:ph type="title"/>
-          </p:nvPr>
-        </p:nvSpPr>
-        <p:spPr>
-          <a:xfrm>
-            <a:off x="838200" y="1005207"/>
-            <a:ext cx="10515600" cy="1126791"/>
-          </a:xfrm>
-        </p:spPr>
-        <p:txBody>
-          <a:bodyPr/>
-          <a:lstStyle/>
-          <a:p>
-            <a:pPr algn="ctr"/>
-            <a:r>
-              <a:rPr lang="en-US" b="1" dirty="0"/>
-              <a:t>Pros and Cons of Unity</a:t>
-            </a:r>
-          </a:p>
-        </p:txBody>
-      </p:sp>
-      <p:sp>
-        <p:nvSpPr>
           <p:cNvPr id="4" name="TextBox 3">
             <a:extLst>
               <a:ext uri="{FF2B5EF4-FFF2-40B4-BE49-F238E27FC236}">
@@ -4002,7 +7693,7 @@
         <p:spPr>
           <a:xfrm>
             <a:off x="533401" y="2831437"/>
-            <a:ext cx="4085493" cy="3737946"/>
+            <a:ext cx="4879847" cy="6230937"/>
           </a:xfrm>
           <a:prstGeom prst="rect">
             <a:avLst/>
@@ -4020,10 +7711,7 @@
                 <a:spcPct val="150000"/>
               </a:lnSpc>
             </a:pPr>
-            <a:r>
-              <a:rPr lang="en-US" sz="2000" b="1" dirty="0"/>
-              <a:t>Pros</a:t>
-            </a:r>
+            <a:endParaRPr lang="en-US" sz="2400" b="1" dirty="0"/>
           </a:p>
           <a:p>
             <a:pPr marL="743035" lvl="1" indent="-285782">
@@ -4034,7 +7722,11 @@
               <a:buChar char="•"/>
             </a:pPr>
             <a:r>
-              <a:rPr lang="en-US" sz="2000" dirty="0"/>
+              <a:rPr lang="en-US" sz="2800" dirty="0">
+                <a:solidFill>
+                  <a:schemeClr val="bg1"/>
+                </a:solidFill>
+              </a:rPr>
               <a:t>Cross platform development</a:t>
             </a:r>
           </a:p>
@@ -4047,7 +7739,11 @@
               <a:buChar char="•"/>
             </a:pPr>
             <a:r>
-              <a:rPr lang="en-US" sz="2000" dirty="0"/>
+              <a:rPr lang="en-US" sz="2800" dirty="0">
+                <a:solidFill>
+                  <a:schemeClr val="bg1"/>
+                </a:solidFill>
+              </a:rPr>
               <a:t>Effective for 2D rendering</a:t>
             </a:r>
           </a:p>
@@ -4060,7 +7756,11 @@
               <a:buChar char="•"/>
             </a:pPr>
             <a:r>
-              <a:rPr lang="en-US" sz="2000" dirty="0"/>
+              <a:rPr lang="en-US" sz="2800" dirty="0">
+                <a:solidFill>
+                  <a:schemeClr val="bg1"/>
+                </a:solidFill>
+              </a:rPr>
               <a:t>Great asset store</a:t>
             </a:r>
           </a:p>
@@ -4073,7 +7773,11 @@
               <a:buChar char="•"/>
             </a:pPr>
             <a:r>
-              <a:rPr lang="en-US" sz="2000" dirty="0"/>
+              <a:rPr lang="en-US" sz="2800" dirty="0">
+                <a:solidFill>
+                  <a:schemeClr val="bg1"/>
+                </a:solidFill>
+              </a:rPr>
               <a:t>Easy to use interface</a:t>
             </a:r>
           </a:p>
@@ -4086,7 +7790,11 @@
               <a:buChar char="•"/>
             </a:pPr>
             <a:r>
-              <a:rPr lang="en-US" sz="2000" dirty="0"/>
+              <a:rPr lang="en-US" sz="2800" dirty="0">
+                <a:solidFill>
+                  <a:schemeClr val="bg1"/>
+                </a:solidFill>
+              </a:rPr>
               <a:t>Less expensive</a:t>
             </a:r>
           </a:p>
@@ -4099,7 +7807,11 @@
               <a:buChar char="•"/>
             </a:pPr>
             <a:r>
-              <a:rPr lang="en-US" sz="2000" dirty="0"/>
+              <a:rPr lang="en-US" sz="2800" dirty="0">
+                <a:solidFill>
+                  <a:schemeClr val="bg1"/>
+                </a:solidFill>
+              </a:rPr>
               <a:t>Large availability of tutorials</a:t>
             </a:r>
           </a:p>
@@ -4129,8 +7841,8 @@
         </p:nvSpPr>
         <p:spPr>
           <a:xfrm>
-            <a:off x="5611189" y="2831438"/>
-            <a:ext cx="6354112" cy="3276282"/>
+            <a:off x="5728502" y="3384282"/>
+            <a:ext cx="6463498" cy="5113387"/>
           </a:xfrm>
           <a:prstGeom prst="rect">
             <a:avLst/>
@@ -4138,21 +7850,10 @@
           <a:noFill/>
         </p:spPr>
         <p:txBody>
-          <a:bodyPr wrap="none" rtlCol="0">
+          <a:bodyPr wrap="square" rtlCol="0">
             <a:spAutoFit/>
           </a:bodyPr>
           <a:lstStyle/>
-          <a:p>
-            <a:pPr>
-              <a:lnSpc>
-                <a:spcPct val="150000"/>
-              </a:lnSpc>
-            </a:pPr>
-            <a:r>
-              <a:rPr lang="en-US" sz="2000" b="1" dirty="0"/>
-              <a:t>Cons</a:t>
-            </a:r>
-          </a:p>
           <a:p>
             <a:pPr marL="743035" lvl="1" indent="-285782">
               <a:lnSpc>
@@ -4162,8 +7863,12 @@
               <a:buChar char="•"/>
             </a:pPr>
             <a:r>
-              <a:rPr lang="en-US" sz="2000" dirty="0"/>
-              <a:t>Very much back in track comparing to other engines</a:t>
+              <a:rPr lang="en-US" sz="2800" dirty="0">
+                <a:solidFill>
+                  <a:schemeClr val="bg1"/>
+                </a:solidFill>
+              </a:rPr>
+              <a:t>Lot of the facilities provided by other engines are still in development stage</a:t>
             </a:r>
           </a:p>
           <a:p>
@@ -4175,7 +7880,11 @@
               <a:buChar char="•"/>
             </a:pPr>
             <a:r>
-              <a:rPr lang="en-US" sz="2000" dirty="0"/>
+              <a:rPr lang="en-US" sz="2800" dirty="0">
+                <a:solidFill>
+                  <a:schemeClr val="bg1"/>
+                </a:solidFill>
+              </a:rPr>
               <a:t>High memory consumption</a:t>
             </a:r>
           </a:p>
@@ -4188,7 +7897,11 @@
               <a:buChar char="•"/>
             </a:pPr>
             <a:r>
-              <a:rPr lang="en-US" sz="2000" dirty="0"/>
+              <a:rPr lang="en-US" sz="2800" dirty="0">
+                <a:solidFill>
+                  <a:schemeClr val="bg1"/>
+                </a:solidFill>
+              </a:rPr>
               <a:t>Out of date documentation</a:t>
             </a:r>
           </a:p>
@@ -4201,19 +7914,12 @@
               <a:buChar char="•"/>
             </a:pPr>
             <a:r>
-              <a:rPr lang="en-US" sz="2000" dirty="0"/>
-              <a:t>Some of the free features of other engines are not </a:t>
-            </a:r>
-          </a:p>
-          <a:p>
-            <a:pPr lvl="1">
-              <a:lnSpc>
-                <a:spcPct val="150000"/>
-              </a:lnSpc>
-            </a:pPr>
-            <a:r>
-              <a:rPr lang="en-US" sz="2000" dirty="0"/>
-              <a:t>	free in unity</a:t>
+              <a:rPr lang="en-US" sz="2800" dirty="0">
+                <a:solidFill>
+                  <a:schemeClr val="bg1"/>
+                </a:solidFill>
+              </a:rPr>
+              <a:t>Free features of other engines are not available here without paying</a:t>
             </a:r>
           </a:p>
           <a:p>
@@ -4225,9 +7931,21 @@
               <a:buChar char="•"/>
             </a:pPr>
             <a:r>
-              <a:rPr lang="en-US" sz="2000" dirty="0"/>
+              <a:rPr lang="en-US" sz="2800" dirty="0">
+                <a:solidFill>
+                  <a:schemeClr val="bg1"/>
+                </a:solidFill>
+              </a:rPr>
               <a:t>Need extra license for pro mobile</a:t>
             </a:r>
+          </a:p>
+          <a:p>
+            <a:pPr>
+              <a:lnSpc>
+                <a:spcPct val="150000"/>
+              </a:lnSpc>
+            </a:pPr>
+            <a:endParaRPr lang="en-US" sz="2400" b="1" dirty="0"/>
           </a:p>
         </p:txBody>
       </p:sp>
@@ -4241,6 +7959,527 @@
   <p:clrMapOvr>
     <a:masterClrMapping/>
   </p:clrMapOvr>
+  <p:timing>
+    <p:tnLst>
+      <p:par>
+        <p:cTn id="1" dur="indefinite" restart="never" nodeType="tmRoot">
+          <p:childTnLst>
+            <p:seq concurrent="1" nextAc="seek">
+              <p:cTn id="2" dur="indefinite" nodeType="mainSeq">
+                <p:childTnLst>
+                  <p:par>
+                    <p:cTn id="3" fill="hold">
+                      <p:stCondLst>
+                        <p:cond delay="indefinite"/>
+                      </p:stCondLst>
+                      <p:childTnLst>
+                        <p:par>
+                          <p:cTn id="4" fill="hold">
+                            <p:stCondLst>
+                              <p:cond delay="0"/>
+                            </p:stCondLst>
+                            <p:childTnLst>
+                              <p:par>
+                                <p:cTn id="5" presetID="10" presetClass="entr" presetSubtype="0" fill="hold" nodeType="clickEffect">
+                                  <p:stCondLst>
+                                    <p:cond delay="0"/>
+                                  </p:stCondLst>
+                                  <p:childTnLst>
+                                    <p:set>
+                                      <p:cBhvr>
+                                        <p:cTn id="6" dur="1" fill="hold">
+                                          <p:stCondLst>
+                                            <p:cond delay="0"/>
+                                          </p:stCondLst>
+                                        </p:cTn>
+                                        <p:tgtEl>
+                                          <p:spTgt spid="4">
+                                            <p:txEl>
+                                              <p:pRg st="1" end="1"/>
+                                            </p:txEl>
+                                          </p:spTgt>
+                                        </p:tgtEl>
+                                        <p:attrNameLst>
+                                          <p:attrName>style.visibility</p:attrName>
+                                        </p:attrNameLst>
+                                      </p:cBhvr>
+                                      <p:to>
+                                        <p:strVal val="visible"/>
+                                      </p:to>
+                                    </p:set>
+                                    <p:animEffect transition="in" filter="fade">
+                                      <p:cBhvr>
+                                        <p:cTn id="7" dur="500"/>
+                                        <p:tgtEl>
+                                          <p:spTgt spid="4">
+                                            <p:txEl>
+                                              <p:pRg st="1" end="1"/>
+                                            </p:txEl>
+                                          </p:spTgt>
+                                        </p:tgtEl>
+                                      </p:cBhvr>
+                                    </p:animEffect>
+                                  </p:childTnLst>
+                                </p:cTn>
+                              </p:par>
+                              <p:par>
+                                <p:cTn id="8" presetID="10" presetClass="entr" presetSubtype="0" fill="hold" nodeType="withEffect">
+                                  <p:stCondLst>
+                                    <p:cond delay="0"/>
+                                  </p:stCondLst>
+                                  <p:childTnLst>
+                                    <p:set>
+                                      <p:cBhvr>
+                                        <p:cTn id="9" dur="1" fill="hold">
+                                          <p:stCondLst>
+                                            <p:cond delay="0"/>
+                                          </p:stCondLst>
+                                        </p:cTn>
+                                        <p:tgtEl>
+                                          <p:spTgt spid="4">
+                                            <p:txEl>
+                                              <p:pRg st="2" end="2"/>
+                                            </p:txEl>
+                                          </p:spTgt>
+                                        </p:tgtEl>
+                                        <p:attrNameLst>
+                                          <p:attrName>style.visibility</p:attrName>
+                                        </p:attrNameLst>
+                                      </p:cBhvr>
+                                      <p:to>
+                                        <p:strVal val="visible"/>
+                                      </p:to>
+                                    </p:set>
+                                    <p:animEffect transition="in" filter="fade">
+                                      <p:cBhvr>
+                                        <p:cTn id="10" dur="500"/>
+                                        <p:tgtEl>
+                                          <p:spTgt spid="4">
+                                            <p:txEl>
+                                              <p:pRg st="2" end="2"/>
+                                            </p:txEl>
+                                          </p:spTgt>
+                                        </p:tgtEl>
+                                      </p:cBhvr>
+                                    </p:animEffect>
+                                  </p:childTnLst>
+                                </p:cTn>
+                              </p:par>
+                              <p:par>
+                                <p:cTn id="11" presetID="10" presetClass="entr" presetSubtype="0" fill="hold" nodeType="withEffect">
+                                  <p:stCondLst>
+                                    <p:cond delay="0"/>
+                                  </p:stCondLst>
+                                  <p:childTnLst>
+                                    <p:set>
+                                      <p:cBhvr>
+                                        <p:cTn id="12" dur="1" fill="hold">
+                                          <p:stCondLst>
+                                            <p:cond delay="0"/>
+                                          </p:stCondLst>
+                                        </p:cTn>
+                                        <p:tgtEl>
+                                          <p:spTgt spid="4">
+                                            <p:txEl>
+                                              <p:pRg st="3" end="3"/>
+                                            </p:txEl>
+                                          </p:spTgt>
+                                        </p:tgtEl>
+                                        <p:attrNameLst>
+                                          <p:attrName>style.visibility</p:attrName>
+                                        </p:attrNameLst>
+                                      </p:cBhvr>
+                                      <p:to>
+                                        <p:strVal val="visible"/>
+                                      </p:to>
+                                    </p:set>
+                                    <p:animEffect transition="in" filter="fade">
+                                      <p:cBhvr>
+                                        <p:cTn id="13" dur="500"/>
+                                        <p:tgtEl>
+                                          <p:spTgt spid="4">
+                                            <p:txEl>
+                                              <p:pRg st="3" end="3"/>
+                                            </p:txEl>
+                                          </p:spTgt>
+                                        </p:tgtEl>
+                                      </p:cBhvr>
+                                    </p:animEffect>
+                                  </p:childTnLst>
+                                </p:cTn>
+                              </p:par>
+                              <p:par>
+                                <p:cTn id="14" presetID="10" presetClass="entr" presetSubtype="0" fill="hold" nodeType="withEffect">
+                                  <p:stCondLst>
+                                    <p:cond delay="0"/>
+                                  </p:stCondLst>
+                                  <p:childTnLst>
+                                    <p:set>
+                                      <p:cBhvr>
+                                        <p:cTn id="15" dur="1" fill="hold">
+                                          <p:stCondLst>
+                                            <p:cond delay="0"/>
+                                          </p:stCondLst>
+                                        </p:cTn>
+                                        <p:tgtEl>
+                                          <p:spTgt spid="4">
+                                            <p:txEl>
+                                              <p:pRg st="4" end="4"/>
+                                            </p:txEl>
+                                          </p:spTgt>
+                                        </p:tgtEl>
+                                        <p:attrNameLst>
+                                          <p:attrName>style.visibility</p:attrName>
+                                        </p:attrNameLst>
+                                      </p:cBhvr>
+                                      <p:to>
+                                        <p:strVal val="visible"/>
+                                      </p:to>
+                                    </p:set>
+                                    <p:animEffect transition="in" filter="fade">
+                                      <p:cBhvr>
+                                        <p:cTn id="16" dur="500"/>
+                                        <p:tgtEl>
+                                          <p:spTgt spid="4">
+                                            <p:txEl>
+                                              <p:pRg st="4" end="4"/>
+                                            </p:txEl>
+                                          </p:spTgt>
+                                        </p:tgtEl>
+                                      </p:cBhvr>
+                                    </p:animEffect>
+                                  </p:childTnLst>
+                                </p:cTn>
+                              </p:par>
+                              <p:par>
+                                <p:cTn id="17" presetID="10" presetClass="entr" presetSubtype="0" fill="hold" nodeType="withEffect">
+                                  <p:stCondLst>
+                                    <p:cond delay="0"/>
+                                  </p:stCondLst>
+                                  <p:childTnLst>
+                                    <p:set>
+                                      <p:cBhvr>
+                                        <p:cTn id="18" dur="1" fill="hold">
+                                          <p:stCondLst>
+                                            <p:cond delay="0"/>
+                                          </p:stCondLst>
+                                        </p:cTn>
+                                        <p:tgtEl>
+                                          <p:spTgt spid="4">
+                                            <p:txEl>
+                                              <p:pRg st="5" end="5"/>
+                                            </p:txEl>
+                                          </p:spTgt>
+                                        </p:tgtEl>
+                                        <p:attrNameLst>
+                                          <p:attrName>style.visibility</p:attrName>
+                                        </p:attrNameLst>
+                                      </p:cBhvr>
+                                      <p:to>
+                                        <p:strVal val="visible"/>
+                                      </p:to>
+                                    </p:set>
+                                    <p:animEffect transition="in" filter="fade">
+                                      <p:cBhvr>
+                                        <p:cTn id="19" dur="500"/>
+                                        <p:tgtEl>
+                                          <p:spTgt spid="4">
+                                            <p:txEl>
+                                              <p:pRg st="5" end="5"/>
+                                            </p:txEl>
+                                          </p:spTgt>
+                                        </p:tgtEl>
+                                      </p:cBhvr>
+                                    </p:animEffect>
+                                  </p:childTnLst>
+                                </p:cTn>
+                              </p:par>
+                              <p:par>
+                                <p:cTn id="20" presetID="10" presetClass="entr" presetSubtype="0" fill="hold" nodeType="withEffect">
+                                  <p:stCondLst>
+                                    <p:cond delay="0"/>
+                                  </p:stCondLst>
+                                  <p:childTnLst>
+                                    <p:set>
+                                      <p:cBhvr>
+                                        <p:cTn id="21" dur="1" fill="hold">
+                                          <p:stCondLst>
+                                            <p:cond delay="0"/>
+                                          </p:stCondLst>
+                                        </p:cTn>
+                                        <p:tgtEl>
+                                          <p:spTgt spid="4">
+                                            <p:txEl>
+                                              <p:pRg st="6" end="6"/>
+                                            </p:txEl>
+                                          </p:spTgt>
+                                        </p:tgtEl>
+                                        <p:attrNameLst>
+                                          <p:attrName>style.visibility</p:attrName>
+                                        </p:attrNameLst>
+                                      </p:cBhvr>
+                                      <p:to>
+                                        <p:strVal val="visible"/>
+                                      </p:to>
+                                    </p:set>
+                                    <p:animEffect transition="in" filter="fade">
+                                      <p:cBhvr>
+                                        <p:cTn id="22" dur="500"/>
+                                        <p:tgtEl>
+                                          <p:spTgt spid="4">
+                                            <p:txEl>
+                                              <p:pRg st="6" end="6"/>
+                                            </p:txEl>
+                                          </p:spTgt>
+                                        </p:tgtEl>
+                                      </p:cBhvr>
+                                    </p:animEffect>
+                                  </p:childTnLst>
+                                </p:cTn>
+                              </p:par>
+                              <p:par>
+                                <p:cTn id="23" presetID="10" presetClass="entr" presetSubtype="0" fill="hold" nodeType="withEffect">
+                                  <p:stCondLst>
+                                    <p:cond delay="0"/>
+                                  </p:stCondLst>
+                                  <p:childTnLst>
+                                    <p:set>
+                                      <p:cBhvr>
+                                        <p:cTn id="24" dur="1" fill="hold">
+                                          <p:stCondLst>
+                                            <p:cond delay="0"/>
+                                          </p:stCondLst>
+                                        </p:cTn>
+                                        <p:tgtEl>
+                                          <p:spTgt spid="5">
+                                            <p:txEl>
+                                              <p:pRg st="1" end="1"/>
+                                            </p:txEl>
+                                          </p:spTgt>
+                                        </p:tgtEl>
+                                        <p:attrNameLst>
+                                          <p:attrName>style.visibility</p:attrName>
+                                        </p:attrNameLst>
+                                      </p:cBhvr>
+                                      <p:to>
+                                        <p:strVal val="visible"/>
+                                      </p:to>
+                                    </p:set>
+                                    <p:animEffect transition="in" filter="fade">
+                                      <p:cBhvr>
+                                        <p:cTn id="25" dur="500"/>
+                                        <p:tgtEl>
+                                          <p:spTgt spid="5">
+                                            <p:txEl>
+                                              <p:pRg st="1" end="1"/>
+                                            </p:txEl>
+                                          </p:spTgt>
+                                        </p:tgtEl>
+                                      </p:cBhvr>
+                                    </p:animEffect>
+                                  </p:childTnLst>
+                                </p:cTn>
+                              </p:par>
+                              <p:par>
+                                <p:cTn id="26" presetID="10" presetClass="entr" presetSubtype="0" fill="hold" nodeType="withEffect">
+                                  <p:stCondLst>
+                                    <p:cond delay="0"/>
+                                  </p:stCondLst>
+                                  <p:childTnLst>
+                                    <p:set>
+                                      <p:cBhvr>
+                                        <p:cTn id="27" dur="1" fill="hold">
+                                          <p:stCondLst>
+                                            <p:cond delay="0"/>
+                                          </p:stCondLst>
+                                        </p:cTn>
+                                        <p:tgtEl>
+                                          <p:spTgt spid="5">
+                                            <p:txEl>
+                                              <p:pRg st="0" end="0"/>
+                                            </p:txEl>
+                                          </p:spTgt>
+                                        </p:tgtEl>
+                                        <p:attrNameLst>
+                                          <p:attrName>style.visibility</p:attrName>
+                                        </p:attrNameLst>
+                                      </p:cBhvr>
+                                      <p:to>
+                                        <p:strVal val="visible"/>
+                                      </p:to>
+                                    </p:set>
+                                    <p:animEffect transition="in" filter="fade">
+                                      <p:cBhvr>
+                                        <p:cTn id="28" dur="500"/>
+                                        <p:tgtEl>
+                                          <p:spTgt spid="5">
+                                            <p:txEl>
+                                              <p:pRg st="0" end="0"/>
+                                            </p:txEl>
+                                          </p:spTgt>
+                                        </p:tgtEl>
+                                      </p:cBhvr>
+                                    </p:animEffect>
+                                  </p:childTnLst>
+                                </p:cTn>
+                              </p:par>
+                              <p:par>
+                                <p:cTn id="29" presetID="10" presetClass="entr" presetSubtype="0" fill="hold" nodeType="withEffect">
+                                  <p:stCondLst>
+                                    <p:cond delay="0"/>
+                                  </p:stCondLst>
+                                  <p:childTnLst>
+                                    <p:set>
+                                      <p:cBhvr>
+                                        <p:cTn id="30" dur="1" fill="hold">
+                                          <p:stCondLst>
+                                            <p:cond delay="0"/>
+                                          </p:stCondLst>
+                                        </p:cTn>
+                                        <p:tgtEl>
+                                          <p:spTgt spid="5">
+                                            <p:txEl>
+                                              <p:pRg st="2" end="2"/>
+                                            </p:txEl>
+                                          </p:spTgt>
+                                        </p:tgtEl>
+                                        <p:attrNameLst>
+                                          <p:attrName>style.visibility</p:attrName>
+                                        </p:attrNameLst>
+                                      </p:cBhvr>
+                                      <p:to>
+                                        <p:strVal val="visible"/>
+                                      </p:to>
+                                    </p:set>
+                                    <p:animEffect transition="in" filter="fade">
+                                      <p:cBhvr>
+                                        <p:cTn id="31" dur="500"/>
+                                        <p:tgtEl>
+                                          <p:spTgt spid="5">
+                                            <p:txEl>
+                                              <p:pRg st="2" end="2"/>
+                                            </p:txEl>
+                                          </p:spTgt>
+                                        </p:tgtEl>
+                                      </p:cBhvr>
+                                    </p:animEffect>
+                                  </p:childTnLst>
+                                </p:cTn>
+                              </p:par>
+                              <p:par>
+                                <p:cTn id="32" presetID="10" presetClass="entr" presetSubtype="0" fill="hold" nodeType="withEffect">
+                                  <p:stCondLst>
+                                    <p:cond delay="0"/>
+                                  </p:stCondLst>
+                                  <p:childTnLst>
+                                    <p:set>
+                                      <p:cBhvr>
+                                        <p:cTn id="33" dur="1" fill="hold">
+                                          <p:stCondLst>
+                                            <p:cond delay="0"/>
+                                          </p:stCondLst>
+                                        </p:cTn>
+                                        <p:tgtEl>
+                                          <p:spTgt spid="5">
+                                            <p:txEl>
+                                              <p:pRg st="3" end="3"/>
+                                            </p:txEl>
+                                          </p:spTgt>
+                                        </p:tgtEl>
+                                        <p:attrNameLst>
+                                          <p:attrName>style.visibility</p:attrName>
+                                        </p:attrNameLst>
+                                      </p:cBhvr>
+                                      <p:to>
+                                        <p:strVal val="visible"/>
+                                      </p:to>
+                                    </p:set>
+                                    <p:animEffect transition="in" filter="fade">
+                                      <p:cBhvr>
+                                        <p:cTn id="34" dur="500"/>
+                                        <p:tgtEl>
+                                          <p:spTgt spid="5">
+                                            <p:txEl>
+                                              <p:pRg st="3" end="3"/>
+                                            </p:txEl>
+                                          </p:spTgt>
+                                        </p:tgtEl>
+                                      </p:cBhvr>
+                                    </p:animEffect>
+                                  </p:childTnLst>
+                                </p:cTn>
+                              </p:par>
+                              <p:par>
+                                <p:cTn id="35" presetID="10" presetClass="entr" presetSubtype="0" fill="hold" nodeType="withEffect">
+                                  <p:stCondLst>
+                                    <p:cond delay="0"/>
+                                  </p:stCondLst>
+                                  <p:childTnLst>
+                                    <p:set>
+                                      <p:cBhvr>
+                                        <p:cTn id="36" dur="1" fill="hold">
+                                          <p:stCondLst>
+                                            <p:cond delay="0"/>
+                                          </p:stCondLst>
+                                        </p:cTn>
+                                        <p:tgtEl>
+                                          <p:spTgt spid="5">
+                                            <p:txEl>
+                                              <p:pRg st="4" end="4"/>
+                                            </p:txEl>
+                                          </p:spTgt>
+                                        </p:tgtEl>
+                                        <p:attrNameLst>
+                                          <p:attrName>style.visibility</p:attrName>
+                                        </p:attrNameLst>
+                                      </p:cBhvr>
+                                      <p:to>
+                                        <p:strVal val="visible"/>
+                                      </p:to>
+                                    </p:set>
+                                    <p:animEffect transition="in" filter="fade">
+                                      <p:cBhvr>
+                                        <p:cTn id="37" dur="500"/>
+                                        <p:tgtEl>
+                                          <p:spTgt spid="5">
+                                            <p:txEl>
+                                              <p:pRg st="4" end="4"/>
+                                            </p:txEl>
+                                          </p:spTgt>
+                                        </p:tgtEl>
+                                      </p:cBhvr>
+                                    </p:animEffect>
+                                  </p:childTnLst>
+                                </p:cTn>
+                              </p:par>
+                            </p:childTnLst>
+                          </p:cTn>
+                        </p:par>
+                      </p:childTnLst>
+                    </p:cTn>
+                  </p:par>
+                </p:childTnLst>
+              </p:cTn>
+              <p:prevCondLst>
+                <p:cond evt="onPrev" delay="0">
+                  <p:tgtEl>
+                    <p:sldTgt/>
+                  </p:tgtEl>
+                </p:cond>
+              </p:prevCondLst>
+              <p:nextCondLst>
+                <p:cond evt="onNext" delay="0">
+                  <p:tgtEl>
+                    <p:sldTgt/>
+                  </p:tgtEl>
+                </p:cond>
+              </p:nextCondLst>
+            </p:seq>
+          </p:childTnLst>
+        </p:cTn>
+      </p:par>
+    </p:tnLst>
+  </p:timing>
 </p:sld>
 </file>
 
@@ -4263,6 +8502,252 @@
       </p:grpSpPr>
       <p:sp>
         <p:nvSpPr>
+          <p:cNvPr id="10" name="Rectangle 9">
+            <a:extLst>
+              <a:ext uri="{FF2B5EF4-FFF2-40B4-BE49-F238E27FC236}">
+                <a16:creationId xmlns:a16="http://schemas.microsoft.com/office/drawing/2014/main" id="{A4AC5506-6312-4701-8D3C-40187889A947}"/>
+              </a:ext>
+              <a:ext uri="{C183D7F6-B498-43B3-948B-1728B52AA6E4}">
+                <adec:decorative xmlns:adec="http://schemas.microsoft.com/office/drawing/2017/decorative" val="1"/>
+              </a:ext>
+            </a:extLst>
+          </p:cNvPr>
+          <p:cNvSpPr>
+            <a:spLocks noGrp="1" noRot="1" noChangeAspect="1" noMove="1" noResize="1" noEditPoints="1" noAdjustHandles="1" noChangeArrowheads="1" noChangeShapeType="1" noTextEdit="1"/>
+          </p:cNvSpPr>
+          <p:nvPr>
+            <p:extLst>
+              <p:ext uri="{386F3935-93C4-4BCD-93E2-E3B085C9AB24}">
+                <p16:designElem xmlns:p16="http://schemas.microsoft.com/office/powerpoint/2015/main" val="1"/>
+              </p:ext>
+            </p:extLst>
+          </p:nvPr>
+        </p:nvSpPr>
+        <p:spPr>
+          <a:xfrm>
+            <a:off x="0" y="869002"/>
+            <a:ext cx="12192000" cy="982068"/>
+          </a:xfrm>
+          <a:prstGeom prst="rect">
+            <a:avLst/>
+          </a:prstGeom>
+          <a:solidFill>
+            <a:schemeClr val="tx1"/>
+          </a:solidFill>
+          <a:ln>
+            <a:noFill/>
+          </a:ln>
+        </p:spPr>
+        <p:style>
+          <a:lnRef idx="2">
+            <a:schemeClr val="accent1">
+              <a:shade val="50000"/>
+            </a:schemeClr>
+          </a:lnRef>
+          <a:fillRef idx="1">
+            <a:schemeClr val="accent1"/>
+          </a:fillRef>
+          <a:effectRef idx="0">
+            <a:schemeClr val="accent1"/>
+          </a:effectRef>
+          <a:fontRef idx="minor">
+            <a:schemeClr val="lt1"/>
+          </a:fontRef>
+        </p:style>
+        <p:txBody>
+          <a:bodyPr rtlCol="0" anchor="ctr"/>
+          <a:lstStyle/>
+          <a:p>
+            <a:pPr algn="ctr"/>
+            <a:endParaRPr lang="en-US"/>
+          </a:p>
+        </p:txBody>
+      </p:sp>
+      <p:sp>
+        <p:nvSpPr>
+          <p:cNvPr id="4" name="Title 1">
+            <a:extLst>
+              <a:ext uri="{FF2B5EF4-FFF2-40B4-BE49-F238E27FC236}">
+                <a16:creationId xmlns:a16="http://schemas.microsoft.com/office/drawing/2014/main" id="{BF14A306-5EE6-4997-915A-7D9BE762FB1B}"/>
+              </a:ext>
+            </a:extLst>
+          </p:cNvPr>
+          <p:cNvSpPr>
+            <a:spLocks noGrp="1"/>
+          </p:cNvSpPr>
+          <p:nvPr>
+            <p:ph type="title"/>
+          </p:nvPr>
+        </p:nvSpPr>
+        <p:spPr>
+          <a:xfrm>
+            <a:off x="556532" y="857956"/>
+            <a:ext cx="11210925" cy="993114"/>
+          </a:xfrm>
+        </p:spPr>
+        <p:txBody>
+          <a:bodyPr vert="horz" lIns="91440" tIns="45720" rIns="91440" bIns="45720" rtlCol="0" anchor="ctr">
+            <a:normAutofit/>
+          </a:bodyPr>
+          <a:lstStyle/>
+          <a:p>
+            <a:pPr algn="ctr" defTabSz="914400"/>
+            <a:r>
+              <a:rPr lang="en-US" sz="3700" b="1" kern="1200" dirty="0">
+                <a:solidFill>
+                  <a:schemeClr val="bg1"/>
+                </a:solidFill>
+                <a:latin typeface="+mj-lt"/>
+                <a:ea typeface="+mj-ea"/>
+                <a:cs typeface="+mj-cs"/>
+              </a:rPr>
+              <a:t>Jack, The Savior!</a:t>
+            </a:r>
+          </a:p>
+        </p:txBody>
+      </p:sp>
+      <p:pic>
+        <p:nvPicPr>
+          <p:cNvPr id="5" name="Picture 4">
+            <a:extLst>
+              <a:ext uri="{FF2B5EF4-FFF2-40B4-BE49-F238E27FC236}">
+                <a16:creationId xmlns:a16="http://schemas.microsoft.com/office/drawing/2014/main" id="{E31C08FF-FA6F-4EA4-8E8E-E422BF79F44C}"/>
+              </a:ext>
+            </a:extLst>
+          </p:cNvPr>
+          <p:cNvPicPr>
+            <a:picLocks noChangeAspect="1"/>
+          </p:cNvPicPr>
+          <p:nvPr/>
+        </p:nvPicPr>
+        <p:blipFill>
+          <a:blip r:embed="rId2"/>
+          <a:stretch>
+            <a:fillRect/>
+          </a:stretch>
+        </p:blipFill>
+        <p:spPr>
+          <a:xfrm>
+            <a:off x="671063" y="2233636"/>
+            <a:ext cx="10849874" cy="5858932"/>
+          </a:xfrm>
+          <a:prstGeom prst="rect">
+            <a:avLst/>
+          </a:prstGeom>
+        </p:spPr>
+      </p:pic>
+    </p:spTree>
+    <p:extLst>
+      <p:ext uri="{BB962C8B-B14F-4D97-AF65-F5344CB8AC3E}">
+        <p14:creationId xmlns:p14="http://schemas.microsoft.com/office/powerpoint/2010/main" val="855052959"/>
+      </p:ext>
+    </p:extLst>
+  </p:cSld>
+  <p:clrMapOvr>
+    <a:masterClrMapping/>
+  </p:clrMapOvr>
+</p:sld>
+</file>
+
+<file path=ppt/slides/slide6.xml><?xml version="1.0" encoding="utf-8"?>
+<p:sld xmlns:a="http://schemas.openxmlformats.org/drawingml/2006/main" xmlns:r="http://schemas.openxmlformats.org/officeDocument/2006/relationships" xmlns:p="http://schemas.openxmlformats.org/presentationml/2006/main">
+  <p:cSld>
+    <p:bg>
+      <p:bgPr>
+        <a:blipFill dpi="0" rotWithShape="1">
+          <a:blip r:embed="rId2">
+            <a:alphaModFix amt="28000"/>
+            <a:lum/>
+          </a:blip>
+          <a:srcRect/>
+          <a:stretch>
+            <a:fillRect l="-17000" r="-17000"/>
+          </a:stretch>
+        </a:blipFill>
+        <a:effectLst/>
+      </p:bgPr>
+    </p:bg>
+    <p:spTree>
+      <p:nvGrpSpPr>
+        <p:cNvPr id="1" name=""/>
+        <p:cNvGrpSpPr/>
+        <p:nvPr/>
+      </p:nvGrpSpPr>
+      <p:grpSpPr>
+        <a:xfrm>
+          <a:off x="0" y="0"/>
+          <a:ext cx="0" cy="0"/>
+          <a:chOff x="0" y="0"/>
+          <a:chExt cx="0" cy="0"/>
+        </a:xfrm>
+      </p:grpSpPr>
+      <p:sp>
+        <p:nvSpPr>
+          <p:cNvPr id="29" name="Rectangle 28">
+            <a:extLst>
+              <a:ext uri="{FF2B5EF4-FFF2-40B4-BE49-F238E27FC236}">
+                <a16:creationId xmlns:a16="http://schemas.microsoft.com/office/drawing/2014/main" id="{8CA06CD6-90CA-4C45-856C-6771339E1E22}"/>
+              </a:ext>
+              <a:ext uri="{C183D7F6-B498-43B3-948B-1728B52AA6E4}">
+                <adec:decorative xmlns:adec="http://schemas.microsoft.com/office/drawing/2017/decorative" val="1"/>
+              </a:ext>
+            </a:extLst>
+          </p:cNvPr>
+          <p:cNvSpPr>
+            <a:spLocks noGrp="1" noRot="1" noChangeAspect="1" noMove="1" noResize="1" noEditPoints="1" noAdjustHandles="1" noChangeArrowheads="1" noChangeShapeType="1" noTextEdit="1"/>
+          </p:cNvSpPr>
+          <p:nvPr>
+            <p:extLst>
+              <p:ext uri="{386F3935-93C4-4BCD-93E2-E3B085C9AB24}">
+                <p16:designElem xmlns:p16="http://schemas.microsoft.com/office/powerpoint/2015/main" val="1"/>
+              </p:ext>
+            </p:extLst>
+          </p:nvPr>
+        </p:nvSpPr>
+        <p:spPr bwMode="ltGray">
+          <a:xfrm>
+            <a:off x="321564" y="426720"/>
+            <a:ext cx="11548872" cy="8290560"/>
+          </a:xfrm>
+          <a:prstGeom prst="rect">
+            <a:avLst/>
+          </a:prstGeom>
+          <a:solidFill>
+            <a:schemeClr val="tx1">
+              <a:alpha val="10000"/>
+            </a:schemeClr>
+          </a:solidFill>
+          <a:ln w="127000" cap="sq" cmpd="thinThick">
+            <a:noFill/>
+          </a:ln>
+        </p:spPr>
+        <p:style>
+          <a:lnRef idx="2">
+            <a:schemeClr val="accent1">
+              <a:shade val="50000"/>
+            </a:schemeClr>
+          </a:lnRef>
+          <a:fillRef idx="1">
+            <a:schemeClr val="accent1"/>
+          </a:fillRef>
+          <a:effectRef idx="0">
+            <a:schemeClr val="accent1"/>
+          </a:effectRef>
+          <a:fontRef idx="minor">
+            <a:schemeClr val="lt1"/>
+          </a:fontRef>
+        </p:style>
+        <p:txBody>
+          <a:bodyPr rtlCol="0" anchor="ctr"/>
+          <a:lstStyle/>
+          <a:p>
+            <a:pPr algn="ctr"/>
+            <a:endParaRPr lang="en-US"/>
+          </a:p>
+        </p:txBody>
+      </p:sp>
+      <p:sp>
+        <p:nvSpPr>
           <p:cNvPr id="2" name="Title 1">
             <a:extLst>
               <a:ext uri="{FF2B5EF4-FFF2-40B4-BE49-F238E27FC236}">
@@ -4279,22 +8764,89 @@
         </p:nvSpPr>
         <p:spPr>
           <a:xfrm>
-            <a:off x="838200" y="459119"/>
-            <a:ext cx="10515600" cy="1325563"/>
+            <a:off x="838200" y="1284676"/>
+            <a:ext cx="3494362" cy="6574648"/>
           </a:xfrm>
         </p:spPr>
         <p:txBody>
-          <a:bodyPr/>
+          <a:bodyPr vert="horz" lIns="91440" tIns="45720" rIns="91440" bIns="45720" rtlCol="0" anchor="ctr">
+            <a:normAutofit/>
+          </a:bodyPr>
           <a:lstStyle/>
           <a:p>
-            <a:pPr algn="ctr"/>
-            <a:r>
-              <a:rPr lang="en-US" b="1" dirty="0"/>
+            <a:pPr algn="r" defTabSz="914400"/>
+            <a:r>
+              <a:rPr lang="en-US" sz="6000" b="1" kern="1200" dirty="0">
+                <a:solidFill>
+                  <a:schemeClr val="tx1">
+                    <a:lumMod val="95000"/>
+                    <a:lumOff val="5000"/>
+                  </a:schemeClr>
+                </a:solidFill>
+                <a:latin typeface="+mj-lt"/>
+                <a:ea typeface="+mj-ea"/>
+                <a:cs typeface="+mj-cs"/>
+              </a:rPr>
               <a:t>Jack, The Savior!</a:t>
             </a:r>
           </a:p>
         </p:txBody>
       </p:sp>
+      <p:cxnSp>
+        <p:nvCxnSpPr>
+          <p:cNvPr id="31" name="Straight Connector 30">
+            <a:extLst>
+              <a:ext uri="{FF2B5EF4-FFF2-40B4-BE49-F238E27FC236}">
+                <a16:creationId xmlns:a16="http://schemas.microsoft.com/office/drawing/2014/main" id="{5021601D-2758-4B15-A31C-FDA184C51B3A}"/>
+              </a:ext>
+              <a:ext uri="{C183D7F6-B498-43B3-948B-1728B52AA6E4}">
+                <adec:decorative xmlns:adec="http://schemas.microsoft.com/office/drawing/2017/decorative" val="1"/>
+              </a:ext>
+            </a:extLst>
+          </p:cNvPr>
+          <p:cNvCxnSpPr>
+            <a:cxnSpLocks noGrp="1" noRot="1" noChangeAspect="1" noMove="1" noResize="1" noEditPoints="1" noAdjustHandles="1" noChangeArrowheads="1" noChangeShapeType="1"/>
+          </p:cNvCxnSpPr>
+          <p:nvPr>
+            <p:extLst>
+              <p:ext uri="{386F3935-93C4-4BCD-93E2-E3B085C9AB24}">
+                <p16:designElem xmlns:p16="http://schemas.microsoft.com/office/powerpoint/2015/main" val="1"/>
+              </p:ext>
+            </p:extLst>
+          </p:nvPr>
+        </p:nvCxnSpPr>
+        <p:spPr>
+          <a:xfrm>
+            <a:off x="4654296" y="2743200"/>
+            <a:ext cx="0" cy="3657600"/>
+          </a:xfrm>
+          <a:prstGeom prst="line">
+            <a:avLst/>
+          </a:prstGeom>
+          <a:ln w="19050">
+            <a:solidFill>
+              <a:schemeClr val="tx1">
+                <a:lumMod val="85000"/>
+                <a:lumOff val="15000"/>
+              </a:schemeClr>
+            </a:solidFill>
+          </a:ln>
+        </p:spPr>
+        <p:style>
+          <a:lnRef idx="1">
+            <a:schemeClr val="accent1"/>
+          </a:lnRef>
+          <a:fillRef idx="0">
+            <a:schemeClr val="accent1"/>
+          </a:fillRef>
+          <a:effectRef idx="0">
+            <a:schemeClr val="accent1"/>
+          </a:effectRef>
+          <a:fontRef idx="minor">
+            <a:schemeClr val="tx1"/>
+          </a:fontRef>
+        </p:style>
+      </p:cxnSp>
       <p:sp>
         <p:nvSpPr>
           <p:cNvPr id="3" name="Content Placeholder 2">
@@ -4313,89 +8865,347 @@
         </p:nvSpPr>
         <p:spPr>
           <a:xfrm>
-            <a:off x="838200" y="1784682"/>
-            <a:ext cx="10515600" cy="2400049"/>
+            <a:off x="5039448" y="4865905"/>
+            <a:ext cx="6894405" cy="3930792"/>
           </a:xfrm>
         </p:spPr>
         <p:txBody>
-          <a:bodyPr>
+          <a:bodyPr vert="horz" lIns="91440" tIns="45720" rIns="91440" bIns="45720" rtlCol="0" anchor="b">
+            <a:normAutofit/>
+          </a:bodyPr>
+          <a:lstStyle/>
+          <a:p>
+            <a:pPr indent="-228600" defTabSz="914400">
+              <a:lnSpc>
+                <a:spcPct val="100000"/>
+              </a:lnSpc>
+            </a:pPr>
+            <a:r>
+              <a:rPr lang="en-US" sz="2400" dirty="0"/>
+              <a:t>Text-Based game</a:t>
+            </a:r>
+          </a:p>
+          <a:p>
+            <a:pPr indent="-228600" defTabSz="914400">
+              <a:lnSpc>
+                <a:spcPct val="100000"/>
+              </a:lnSpc>
+            </a:pPr>
+            <a:r>
+              <a:rPr lang="en-US" sz="2400" dirty="0"/>
+              <a:t>Game play based on input given by the player</a:t>
+            </a:r>
+          </a:p>
+          <a:p>
+            <a:pPr indent="-228600" defTabSz="914400">
+              <a:lnSpc>
+                <a:spcPct val="100000"/>
+              </a:lnSpc>
+            </a:pPr>
+            <a:r>
+              <a:rPr lang="en-US" sz="2400" dirty="0"/>
+              <a:t>Player needs an account to play the game</a:t>
+            </a:r>
+          </a:p>
+          <a:p>
+            <a:pPr indent="-228600" defTabSz="914400">
+              <a:lnSpc>
+                <a:spcPct val="100000"/>
+              </a:lnSpc>
+            </a:pPr>
+            <a:r>
+              <a:rPr lang="en-US" sz="2400" dirty="0"/>
+              <a:t>Can join a random game or start a new game</a:t>
+            </a:r>
+          </a:p>
+          <a:p>
+            <a:pPr indent="-228600" defTabSz="914400">
+              <a:lnSpc>
+                <a:spcPct val="100000"/>
+              </a:lnSpc>
+            </a:pPr>
+            <a:r>
+              <a:rPr lang="en-US" sz="2400" dirty="0"/>
+              <a:t>Game starts with 10 hearts and a timer will be running</a:t>
+            </a:r>
+          </a:p>
+          <a:p>
+            <a:pPr indent="-228600" defTabSz="914400">
+              <a:lnSpc>
+                <a:spcPct val="100000"/>
+              </a:lnSpc>
+            </a:pPr>
+            <a:r>
+              <a:rPr lang="en-US" sz="2400" dirty="0"/>
+              <a:t>Each wrong answer deducts hearts by 2 and game will be over when it reaches 0</a:t>
+            </a:r>
+          </a:p>
+          <a:p>
+            <a:pPr marL="0" indent="-228600" defTabSz="914400">
+              <a:lnSpc>
+                <a:spcPct val="100000"/>
+              </a:lnSpc>
+            </a:pPr>
+            <a:endParaRPr lang="en-US" sz="2000" dirty="0"/>
+          </a:p>
+        </p:txBody>
+      </p:sp>
+      <p:sp>
+        <p:nvSpPr>
+          <p:cNvPr id="6" name="Content Placeholder 2">
+            <a:extLst>
+              <a:ext uri="{FF2B5EF4-FFF2-40B4-BE49-F238E27FC236}">
+                <a16:creationId xmlns:a16="http://schemas.microsoft.com/office/drawing/2014/main" id="{A4195217-7B6D-4A6C-81E8-57012AD8221F}"/>
+              </a:ext>
+            </a:extLst>
+          </p:cNvPr>
+          <p:cNvSpPr txBox="1">
+            <a:spLocks/>
+          </p:cNvSpPr>
+          <p:nvPr/>
+        </p:nvSpPr>
+        <p:spPr>
+          <a:xfrm>
+            <a:off x="4654297" y="426720"/>
+            <a:ext cx="6699503" cy="3674594"/>
+          </a:xfrm>
+          <a:prstGeom prst="rect">
+            <a:avLst/>
+          </a:prstGeom>
+        </p:spPr>
+        <p:txBody>
+          <a:bodyPr vert="horz" lIns="91440" tIns="45720" rIns="91440" bIns="45720" rtlCol="0">
             <a:noAutofit/>
           </a:bodyPr>
-          <a:lstStyle/>
-          <a:p>
-            <a:pPr>
+          <a:lstStyle>
+            <a:lvl1pPr marL="228600" indent="-228600" algn="l" defTabSz="914400" rtl="0" eaLnBrk="1" latinLnBrk="0" hangingPunct="1">
               <a:lnSpc>
-                <a:spcPct val="150000"/>
+                <a:spcPct val="90000"/>
+              </a:lnSpc>
+              <a:spcBef>
+                <a:spcPts val="1000"/>
+              </a:spcBef>
+              <a:buFont typeface="Arial" panose="020B0604020202020204" pitchFamily="34" charset="0"/>
+              <a:buChar char="•"/>
+              <a:defRPr sz="2800" kern="1200">
+                <a:solidFill>
+                  <a:schemeClr val="tx1"/>
+                </a:solidFill>
+                <a:latin typeface="+mn-lt"/>
+                <a:ea typeface="+mn-ea"/>
+                <a:cs typeface="+mn-cs"/>
+              </a:defRPr>
+            </a:lvl1pPr>
+            <a:lvl2pPr marL="685800" indent="-228600" algn="l" defTabSz="914400" rtl="0" eaLnBrk="1" latinLnBrk="0" hangingPunct="1">
+              <a:lnSpc>
+                <a:spcPct val="90000"/>
+              </a:lnSpc>
+              <a:spcBef>
+                <a:spcPts val="500"/>
+              </a:spcBef>
+              <a:buFont typeface="Arial" panose="020B0604020202020204" pitchFamily="34" charset="0"/>
+              <a:buChar char="•"/>
+              <a:defRPr sz="2400" kern="1200">
+                <a:solidFill>
+                  <a:schemeClr val="tx1"/>
+                </a:solidFill>
+                <a:latin typeface="+mn-lt"/>
+                <a:ea typeface="+mn-ea"/>
+                <a:cs typeface="+mn-cs"/>
+              </a:defRPr>
+            </a:lvl2pPr>
+            <a:lvl3pPr marL="1143000" indent="-228600" algn="l" defTabSz="914400" rtl="0" eaLnBrk="1" latinLnBrk="0" hangingPunct="1">
+              <a:lnSpc>
+                <a:spcPct val="90000"/>
+              </a:lnSpc>
+              <a:spcBef>
+                <a:spcPts val="500"/>
+              </a:spcBef>
+              <a:buFont typeface="Arial" panose="020B0604020202020204" pitchFamily="34" charset="0"/>
+              <a:buChar char="•"/>
+              <a:defRPr sz="2000" kern="1200">
+                <a:solidFill>
+                  <a:schemeClr val="tx1"/>
+                </a:solidFill>
+                <a:latin typeface="+mn-lt"/>
+                <a:ea typeface="+mn-ea"/>
+                <a:cs typeface="+mn-cs"/>
+              </a:defRPr>
+            </a:lvl3pPr>
+            <a:lvl4pPr marL="1600200" indent="-228600" algn="l" defTabSz="914400" rtl="0" eaLnBrk="1" latinLnBrk="0" hangingPunct="1">
+              <a:lnSpc>
+                <a:spcPct val="90000"/>
+              </a:lnSpc>
+              <a:spcBef>
+                <a:spcPts val="500"/>
+              </a:spcBef>
+              <a:buFont typeface="Arial" panose="020B0604020202020204" pitchFamily="34" charset="0"/>
+              <a:buChar char="•"/>
+              <a:defRPr sz="1800" kern="1200">
+                <a:solidFill>
+                  <a:schemeClr val="tx1"/>
+                </a:solidFill>
+                <a:latin typeface="+mn-lt"/>
+                <a:ea typeface="+mn-ea"/>
+                <a:cs typeface="+mn-cs"/>
+              </a:defRPr>
+            </a:lvl4pPr>
+            <a:lvl5pPr marL="2057400" indent="-228600" algn="l" defTabSz="914400" rtl="0" eaLnBrk="1" latinLnBrk="0" hangingPunct="1">
+              <a:lnSpc>
+                <a:spcPct val="90000"/>
+              </a:lnSpc>
+              <a:spcBef>
+                <a:spcPts val="500"/>
+              </a:spcBef>
+              <a:buFont typeface="Arial" panose="020B0604020202020204" pitchFamily="34" charset="0"/>
+              <a:buChar char="•"/>
+              <a:defRPr sz="1800" kern="1200">
+                <a:solidFill>
+                  <a:schemeClr val="tx1"/>
+                </a:solidFill>
+                <a:latin typeface="+mn-lt"/>
+                <a:ea typeface="+mn-ea"/>
+                <a:cs typeface="+mn-cs"/>
+              </a:defRPr>
+            </a:lvl5pPr>
+            <a:lvl6pPr marL="2514600" indent="-228600" algn="l" defTabSz="914400" rtl="0" eaLnBrk="1" latinLnBrk="0" hangingPunct="1">
+              <a:lnSpc>
+                <a:spcPct val="90000"/>
+              </a:lnSpc>
+              <a:spcBef>
+                <a:spcPts val="500"/>
+              </a:spcBef>
+              <a:buFont typeface="Arial" panose="020B0604020202020204" pitchFamily="34" charset="0"/>
+              <a:buChar char="•"/>
+              <a:defRPr sz="1800" kern="1200">
+                <a:solidFill>
+                  <a:schemeClr val="tx1"/>
+                </a:solidFill>
+                <a:latin typeface="+mn-lt"/>
+                <a:ea typeface="+mn-ea"/>
+                <a:cs typeface="+mn-cs"/>
+              </a:defRPr>
+            </a:lvl6pPr>
+            <a:lvl7pPr marL="2971800" indent="-228600" algn="l" defTabSz="914400" rtl="0" eaLnBrk="1" latinLnBrk="0" hangingPunct="1">
+              <a:lnSpc>
+                <a:spcPct val="90000"/>
+              </a:lnSpc>
+              <a:spcBef>
+                <a:spcPts val="500"/>
+              </a:spcBef>
+              <a:buFont typeface="Arial" panose="020B0604020202020204" pitchFamily="34" charset="0"/>
+              <a:buChar char="•"/>
+              <a:defRPr sz="1800" kern="1200">
+                <a:solidFill>
+                  <a:schemeClr val="tx1"/>
+                </a:solidFill>
+                <a:latin typeface="+mn-lt"/>
+                <a:ea typeface="+mn-ea"/>
+                <a:cs typeface="+mn-cs"/>
+              </a:defRPr>
+            </a:lvl7pPr>
+            <a:lvl8pPr marL="3429000" indent="-228600" algn="l" defTabSz="914400" rtl="0" eaLnBrk="1" latinLnBrk="0" hangingPunct="1">
+              <a:lnSpc>
+                <a:spcPct val="90000"/>
+              </a:lnSpc>
+              <a:spcBef>
+                <a:spcPts val="500"/>
+              </a:spcBef>
+              <a:buFont typeface="Arial" panose="020B0604020202020204" pitchFamily="34" charset="0"/>
+              <a:buChar char="•"/>
+              <a:defRPr sz="1800" kern="1200">
+                <a:solidFill>
+                  <a:schemeClr val="tx1"/>
+                </a:solidFill>
+                <a:latin typeface="+mn-lt"/>
+                <a:ea typeface="+mn-ea"/>
+                <a:cs typeface="+mn-cs"/>
+              </a:defRPr>
+            </a:lvl8pPr>
+            <a:lvl9pPr marL="3886200" indent="-228600" algn="l" defTabSz="914400" rtl="0" eaLnBrk="1" latinLnBrk="0" hangingPunct="1">
+              <a:lnSpc>
+                <a:spcPct val="90000"/>
+              </a:lnSpc>
+              <a:spcBef>
+                <a:spcPts val="500"/>
+              </a:spcBef>
+              <a:buFont typeface="Arial" panose="020B0604020202020204" pitchFamily="34" charset="0"/>
+              <a:buChar char="•"/>
+              <a:defRPr sz="1800" kern="1200">
+                <a:solidFill>
+                  <a:schemeClr val="tx1"/>
+                </a:solidFill>
+                <a:latin typeface="+mn-lt"/>
+                <a:ea typeface="+mn-ea"/>
+                <a:cs typeface="+mn-cs"/>
+              </a:defRPr>
+            </a:lvl9pPr>
+          </a:lstStyle>
+          <a:p>
+            <a:pPr marL="0">
+              <a:lnSpc>
+                <a:spcPct val="100000"/>
               </a:lnSpc>
             </a:pPr>
             <a:r>
-              <a:rPr lang="en-US" sz="2000" dirty="0"/>
-              <a:t>Text-Based game</a:t>
-            </a:r>
-          </a:p>
-          <a:p>
-            <a:pPr>
+              <a:rPr lang="en-US" sz="2400" b="1" dirty="0"/>
+              <a:t>The basic theme of the game is </a:t>
+            </a:r>
+          </a:p>
+          <a:p>
+            <a:pPr lvl="1">
               <a:lnSpc>
-                <a:spcPct val="150000"/>
+                <a:spcPct val="100000"/>
               </a:lnSpc>
             </a:pPr>
             <a:r>
-              <a:rPr lang="en-US" sz="2000" dirty="0"/>
-              <a:t>Game play based on the input given by player</a:t>
-            </a:r>
-          </a:p>
-          <a:p>
-            <a:pPr>
+              <a:rPr lang="en-US" dirty="0"/>
+              <a:t>Jack is a bunny</a:t>
+            </a:r>
+          </a:p>
+          <a:p>
+            <a:pPr lvl="1">
               <a:lnSpc>
-                <a:spcPct val="150000"/>
+                <a:spcPct val="100000"/>
               </a:lnSpc>
             </a:pPr>
             <a:r>
-              <a:rPr lang="en-US" sz="2000" dirty="0"/>
-              <a:t>Player needs account to play the game</a:t>
-            </a:r>
-          </a:p>
-          <a:p>
-            <a:pPr>
+              <a:rPr lang="en-US" dirty="0"/>
+              <a:t>His parents were caught by a monster when they went to the forest in search of food</a:t>
+            </a:r>
+          </a:p>
+          <a:p>
+            <a:pPr lvl="1">
               <a:lnSpc>
-                <a:spcPct val="150000"/>
+                <a:spcPct val="100000"/>
               </a:lnSpc>
             </a:pPr>
             <a:r>
-              <a:rPr lang="en-US" sz="2000" dirty="0"/>
-              <a:t>Can join random game or start new game</a:t>
-            </a:r>
-          </a:p>
-          <a:p>
-            <a:pPr>
+              <a:rPr lang="en-US" dirty="0"/>
+              <a:t>Jack need to enter the castle in-order to save his parents from monster</a:t>
+            </a:r>
+          </a:p>
+          <a:p>
+            <a:pPr lvl="1">
               <a:lnSpc>
-                <a:spcPct val="150000"/>
+                <a:spcPct val="100000"/>
               </a:lnSpc>
             </a:pPr>
             <a:r>
-              <a:rPr lang="en-US" sz="2000" dirty="0"/>
-              <a:t>Game starts with 10 hearts and a timer will be running</a:t>
-            </a:r>
-          </a:p>
-          <a:p>
-            <a:pPr>
+              <a:rPr lang="en-US" dirty="0"/>
+              <a:t>He needs to pass all levels where he must answer multiple questions </a:t>
+            </a:r>
+          </a:p>
+          <a:p>
+            <a:pPr lvl="1">
               <a:lnSpc>
-                <a:spcPct val="150000"/>
+                <a:spcPct val="100000"/>
               </a:lnSpc>
             </a:pPr>
             <a:r>
-              <a:rPr lang="en-US" sz="2000" dirty="0"/>
-              <a:t>Each wrong answer reduces hearts by 2 and game over when 0</a:t>
-            </a:r>
-          </a:p>
-          <a:p>
-            <a:pPr marL="0" indent="0">
-              <a:lnSpc>
-                <a:spcPct val="150000"/>
-              </a:lnSpc>
-              <a:buNone/>
-            </a:pPr>
-            <a:endParaRPr lang="en-US" sz="2000" dirty="0"/>
+              <a:rPr lang="en-US" dirty="0"/>
+              <a:t>Once he pass all levels Jack can enter the castle and his parents will be freed.</a:t>
+            </a:r>
           </a:p>
         </p:txBody>
       </p:sp>
@@ -4598,266 +9408,6 @@
           </a:p>
         </p:txBody>
       </p:sp>
-      <p:sp>
-        <p:nvSpPr>
-          <p:cNvPr id="6" name="Content Placeholder 2">
-            <a:extLst>
-              <a:ext uri="{FF2B5EF4-FFF2-40B4-BE49-F238E27FC236}">
-                <a16:creationId xmlns:a16="http://schemas.microsoft.com/office/drawing/2014/main" id="{A4195217-7B6D-4A6C-81E8-57012AD8221F}"/>
-              </a:ext>
-            </a:extLst>
-          </p:cNvPr>
-          <p:cNvSpPr txBox="1">
-            <a:spLocks/>
-          </p:cNvSpPr>
-          <p:nvPr/>
-        </p:nvSpPr>
-        <p:spPr>
-          <a:xfrm>
-            <a:off x="838200" y="5510294"/>
-            <a:ext cx="10515600" cy="2400049"/>
-          </a:xfrm>
-          <a:prstGeom prst="rect">
-            <a:avLst/>
-          </a:prstGeom>
-        </p:spPr>
-        <p:txBody>
-          <a:bodyPr vert="horz" lIns="91440" tIns="45720" rIns="91440" bIns="45720" rtlCol="0">
-            <a:noAutofit/>
-          </a:bodyPr>
-          <a:lstStyle>
-            <a:lvl1pPr marL="228600" indent="-228600" algn="l" defTabSz="914400" rtl="0" eaLnBrk="1" latinLnBrk="0" hangingPunct="1">
-              <a:lnSpc>
-                <a:spcPct val="90000"/>
-              </a:lnSpc>
-              <a:spcBef>
-                <a:spcPts val="1000"/>
-              </a:spcBef>
-              <a:buFont typeface="Arial" panose="020B0604020202020204" pitchFamily="34" charset="0"/>
-              <a:buChar char="•"/>
-              <a:defRPr sz="2800" kern="1200">
-                <a:solidFill>
-                  <a:schemeClr val="tx1"/>
-                </a:solidFill>
-                <a:latin typeface="+mn-lt"/>
-                <a:ea typeface="+mn-ea"/>
-                <a:cs typeface="+mn-cs"/>
-              </a:defRPr>
-            </a:lvl1pPr>
-            <a:lvl2pPr marL="685800" indent="-228600" algn="l" defTabSz="914400" rtl="0" eaLnBrk="1" latinLnBrk="0" hangingPunct="1">
-              <a:lnSpc>
-                <a:spcPct val="90000"/>
-              </a:lnSpc>
-              <a:spcBef>
-                <a:spcPts val="500"/>
-              </a:spcBef>
-              <a:buFont typeface="Arial" panose="020B0604020202020204" pitchFamily="34" charset="0"/>
-              <a:buChar char="•"/>
-              <a:defRPr sz="2400" kern="1200">
-                <a:solidFill>
-                  <a:schemeClr val="tx1"/>
-                </a:solidFill>
-                <a:latin typeface="+mn-lt"/>
-                <a:ea typeface="+mn-ea"/>
-                <a:cs typeface="+mn-cs"/>
-              </a:defRPr>
-            </a:lvl2pPr>
-            <a:lvl3pPr marL="1143000" indent="-228600" algn="l" defTabSz="914400" rtl="0" eaLnBrk="1" latinLnBrk="0" hangingPunct="1">
-              <a:lnSpc>
-                <a:spcPct val="90000"/>
-              </a:lnSpc>
-              <a:spcBef>
-                <a:spcPts val="500"/>
-              </a:spcBef>
-              <a:buFont typeface="Arial" panose="020B0604020202020204" pitchFamily="34" charset="0"/>
-              <a:buChar char="•"/>
-              <a:defRPr sz="2000" kern="1200">
-                <a:solidFill>
-                  <a:schemeClr val="tx1"/>
-                </a:solidFill>
-                <a:latin typeface="+mn-lt"/>
-                <a:ea typeface="+mn-ea"/>
-                <a:cs typeface="+mn-cs"/>
-              </a:defRPr>
-            </a:lvl3pPr>
-            <a:lvl4pPr marL="1600200" indent="-228600" algn="l" defTabSz="914400" rtl="0" eaLnBrk="1" latinLnBrk="0" hangingPunct="1">
-              <a:lnSpc>
-                <a:spcPct val="90000"/>
-              </a:lnSpc>
-              <a:spcBef>
-                <a:spcPts val="500"/>
-              </a:spcBef>
-              <a:buFont typeface="Arial" panose="020B0604020202020204" pitchFamily="34" charset="0"/>
-              <a:buChar char="•"/>
-              <a:defRPr sz="1800" kern="1200">
-                <a:solidFill>
-                  <a:schemeClr val="tx1"/>
-                </a:solidFill>
-                <a:latin typeface="+mn-lt"/>
-                <a:ea typeface="+mn-ea"/>
-                <a:cs typeface="+mn-cs"/>
-              </a:defRPr>
-            </a:lvl4pPr>
-            <a:lvl5pPr marL="2057400" indent="-228600" algn="l" defTabSz="914400" rtl="0" eaLnBrk="1" latinLnBrk="0" hangingPunct="1">
-              <a:lnSpc>
-                <a:spcPct val="90000"/>
-              </a:lnSpc>
-              <a:spcBef>
-                <a:spcPts val="500"/>
-              </a:spcBef>
-              <a:buFont typeface="Arial" panose="020B0604020202020204" pitchFamily="34" charset="0"/>
-              <a:buChar char="•"/>
-              <a:defRPr sz="1800" kern="1200">
-                <a:solidFill>
-                  <a:schemeClr val="tx1"/>
-                </a:solidFill>
-                <a:latin typeface="+mn-lt"/>
-                <a:ea typeface="+mn-ea"/>
-                <a:cs typeface="+mn-cs"/>
-              </a:defRPr>
-            </a:lvl5pPr>
-            <a:lvl6pPr marL="2514600" indent="-228600" algn="l" defTabSz="914400" rtl="0" eaLnBrk="1" latinLnBrk="0" hangingPunct="1">
-              <a:lnSpc>
-                <a:spcPct val="90000"/>
-              </a:lnSpc>
-              <a:spcBef>
-                <a:spcPts val="500"/>
-              </a:spcBef>
-              <a:buFont typeface="Arial" panose="020B0604020202020204" pitchFamily="34" charset="0"/>
-              <a:buChar char="•"/>
-              <a:defRPr sz="1800" kern="1200">
-                <a:solidFill>
-                  <a:schemeClr val="tx1"/>
-                </a:solidFill>
-                <a:latin typeface="+mn-lt"/>
-                <a:ea typeface="+mn-ea"/>
-                <a:cs typeface="+mn-cs"/>
-              </a:defRPr>
-            </a:lvl6pPr>
-            <a:lvl7pPr marL="2971800" indent="-228600" algn="l" defTabSz="914400" rtl="0" eaLnBrk="1" latinLnBrk="0" hangingPunct="1">
-              <a:lnSpc>
-                <a:spcPct val="90000"/>
-              </a:lnSpc>
-              <a:spcBef>
-                <a:spcPts val="500"/>
-              </a:spcBef>
-              <a:buFont typeface="Arial" panose="020B0604020202020204" pitchFamily="34" charset="0"/>
-              <a:buChar char="•"/>
-              <a:defRPr sz="1800" kern="1200">
-                <a:solidFill>
-                  <a:schemeClr val="tx1"/>
-                </a:solidFill>
-                <a:latin typeface="+mn-lt"/>
-                <a:ea typeface="+mn-ea"/>
-                <a:cs typeface="+mn-cs"/>
-              </a:defRPr>
-            </a:lvl7pPr>
-            <a:lvl8pPr marL="3429000" indent="-228600" algn="l" defTabSz="914400" rtl="0" eaLnBrk="1" latinLnBrk="0" hangingPunct="1">
-              <a:lnSpc>
-                <a:spcPct val="90000"/>
-              </a:lnSpc>
-              <a:spcBef>
-                <a:spcPts val="500"/>
-              </a:spcBef>
-              <a:buFont typeface="Arial" panose="020B0604020202020204" pitchFamily="34" charset="0"/>
-              <a:buChar char="•"/>
-              <a:defRPr sz="1800" kern="1200">
-                <a:solidFill>
-                  <a:schemeClr val="tx1"/>
-                </a:solidFill>
-                <a:latin typeface="+mn-lt"/>
-                <a:ea typeface="+mn-ea"/>
-                <a:cs typeface="+mn-cs"/>
-              </a:defRPr>
-            </a:lvl8pPr>
-            <a:lvl9pPr marL="3886200" indent="-228600" algn="l" defTabSz="914400" rtl="0" eaLnBrk="1" latinLnBrk="0" hangingPunct="1">
-              <a:lnSpc>
-                <a:spcPct val="90000"/>
-              </a:lnSpc>
-              <a:spcBef>
-                <a:spcPts val="500"/>
-              </a:spcBef>
-              <a:buFont typeface="Arial" panose="020B0604020202020204" pitchFamily="34" charset="0"/>
-              <a:buChar char="•"/>
-              <a:defRPr sz="1800" kern="1200">
-                <a:solidFill>
-                  <a:schemeClr val="tx1"/>
-                </a:solidFill>
-                <a:latin typeface="+mn-lt"/>
-                <a:ea typeface="+mn-ea"/>
-                <a:cs typeface="+mn-cs"/>
-              </a:defRPr>
-            </a:lvl9pPr>
-          </a:lstStyle>
-          <a:p>
-            <a:pPr marL="0" indent="0">
-              <a:lnSpc>
-                <a:spcPct val="150000"/>
-              </a:lnSpc>
-              <a:buNone/>
-            </a:pPr>
-            <a:r>
-              <a:rPr lang="en-US" sz="2000" b="1" dirty="0"/>
-              <a:t>The basic theme of the game is </a:t>
-            </a:r>
-          </a:p>
-          <a:p>
-            <a:pPr lvl="1">
-              <a:lnSpc>
-                <a:spcPct val="150000"/>
-              </a:lnSpc>
-            </a:pPr>
-            <a:r>
-              <a:rPr lang="en-US" sz="2000" dirty="0"/>
-              <a:t>Jack is a bunny</a:t>
-            </a:r>
-          </a:p>
-          <a:p>
-            <a:pPr lvl="1">
-              <a:lnSpc>
-                <a:spcPct val="150000"/>
-              </a:lnSpc>
-            </a:pPr>
-            <a:r>
-              <a:rPr lang="en-US" sz="2000" dirty="0"/>
-              <a:t>His parents was caught by a monster when they went forest in search of food</a:t>
-            </a:r>
-          </a:p>
-          <a:p>
-            <a:pPr lvl="1">
-              <a:lnSpc>
-                <a:spcPct val="150000"/>
-              </a:lnSpc>
-            </a:pPr>
-            <a:r>
-              <a:rPr lang="en-US" sz="2000" dirty="0"/>
-              <a:t>Jack need to enter the castle in-order to save his parents</a:t>
-            </a:r>
-          </a:p>
-          <a:p>
-            <a:pPr lvl="1">
-              <a:lnSpc>
-                <a:spcPct val="150000"/>
-              </a:lnSpc>
-            </a:pPr>
-            <a:r>
-              <a:rPr lang="en-US" sz="2000" dirty="0"/>
-              <a:t>Need to pass all levels where there will be multiple questions asking and need to answer</a:t>
-            </a:r>
-          </a:p>
-          <a:p>
-            <a:pPr lvl="1">
-              <a:lnSpc>
-                <a:spcPct val="150000"/>
-              </a:lnSpc>
-            </a:pPr>
-            <a:r>
-              <a:rPr lang="en-US" sz="2000" dirty="0"/>
-              <a:t>Once pass all the levels Jack enters the castle and his parents will be freed.</a:t>
-            </a:r>
-          </a:p>
-        </p:txBody>
-      </p:sp>
     </p:spTree>
     <p:extLst>
       <p:ext uri="{BB962C8B-B14F-4D97-AF65-F5344CB8AC3E}">
@@ -4868,10 +9418,662 @@
   <p:clrMapOvr>
     <a:masterClrMapping/>
   </p:clrMapOvr>
+  <p:timing>
+    <p:tnLst>
+      <p:par>
+        <p:cTn id="1" dur="indefinite" restart="never" nodeType="tmRoot">
+          <p:childTnLst>
+            <p:seq concurrent="1" nextAc="seek">
+              <p:cTn id="2" dur="indefinite" nodeType="mainSeq">
+                <p:childTnLst>
+                  <p:par>
+                    <p:cTn id="3" fill="hold">
+                      <p:stCondLst>
+                        <p:cond delay="indefinite"/>
+                      </p:stCondLst>
+                      <p:childTnLst>
+                        <p:par>
+                          <p:cTn id="4" fill="hold">
+                            <p:stCondLst>
+                              <p:cond delay="0"/>
+                            </p:stCondLst>
+                            <p:childTnLst>
+                              <p:par>
+                                <p:cTn id="5" presetID="2" presetClass="entr" presetSubtype="4" fill="hold" grpId="0" nodeType="clickEffect">
+                                  <p:stCondLst>
+                                    <p:cond delay="0"/>
+                                  </p:stCondLst>
+                                  <p:childTnLst>
+                                    <p:set>
+                                      <p:cBhvr>
+                                        <p:cTn id="6" dur="1" fill="hold">
+                                          <p:stCondLst>
+                                            <p:cond delay="0"/>
+                                          </p:stCondLst>
+                                        </p:cTn>
+                                        <p:tgtEl>
+                                          <p:spTgt spid="6"/>
+                                        </p:tgtEl>
+                                        <p:attrNameLst>
+                                          <p:attrName>style.visibility</p:attrName>
+                                        </p:attrNameLst>
+                                      </p:cBhvr>
+                                      <p:to>
+                                        <p:strVal val="visible"/>
+                                      </p:to>
+                                    </p:set>
+                                    <p:anim calcmode="lin" valueType="num">
+                                      <p:cBhvr additive="base">
+                                        <p:cTn id="7" dur="500" fill="hold"/>
+                                        <p:tgtEl>
+                                          <p:spTgt spid="6"/>
+                                        </p:tgtEl>
+                                        <p:attrNameLst>
+                                          <p:attrName>ppt_x</p:attrName>
+                                        </p:attrNameLst>
+                                      </p:cBhvr>
+                                      <p:tavLst>
+                                        <p:tav tm="0">
+                                          <p:val>
+                                            <p:strVal val="#ppt_x"/>
+                                          </p:val>
+                                        </p:tav>
+                                        <p:tav tm="100000">
+                                          <p:val>
+                                            <p:strVal val="#ppt_x"/>
+                                          </p:val>
+                                        </p:tav>
+                                      </p:tavLst>
+                                    </p:anim>
+                                    <p:anim calcmode="lin" valueType="num">
+                                      <p:cBhvr additive="base">
+                                        <p:cTn id="8" dur="500" fill="hold"/>
+                                        <p:tgtEl>
+                                          <p:spTgt spid="6"/>
+                                        </p:tgtEl>
+                                        <p:attrNameLst>
+                                          <p:attrName>ppt_y</p:attrName>
+                                        </p:attrNameLst>
+                                      </p:cBhvr>
+                                      <p:tavLst>
+                                        <p:tav tm="0">
+                                          <p:val>
+                                            <p:strVal val="1+#ppt_h/2"/>
+                                          </p:val>
+                                        </p:tav>
+                                        <p:tav tm="100000">
+                                          <p:val>
+                                            <p:strVal val="#ppt_y"/>
+                                          </p:val>
+                                        </p:tav>
+                                      </p:tavLst>
+                                    </p:anim>
+                                  </p:childTnLst>
+                                </p:cTn>
+                              </p:par>
+                            </p:childTnLst>
+                          </p:cTn>
+                        </p:par>
+                      </p:childTnLst>
+                    </p:cTn>
+                  </p:par>
+                  <p:par>
+                    <p:cTn id="9" fill="hold">
+                      <p:stCondLst>
+                        <p:cond delay="indefinite"/>
+                      </p:stCondLst>
+                      <p:childTnLst>
+                        <p:par>
+                          <p:cTn id="10" fill="hold">
+                            <p:stCondLst>
+                              <p:cond delay="0"/>
+                            </p:stCondLst>
+                            <p:childTnLst>
+                              <p:par>
+                                <p:cTn id="11" presetID="2" presetClass="entr" presetSubtype="4" fill="hold" nodeType="clickEffect">
+                                  <p:stCondLst>
+                                    <p:cond delay="0"/>
+                                  </p:stCondLst>
+                                  <p:childTnLst>
+                                    <p:set>
+                                      <p:cBhvr>
+                                        <p:cTn id="12" dur="1" fill="hold">
+                                          <p:stCondLst>
+                                            <p:cond delay="0"/>
+                                          </p:stCondLst>
+                                        </p:cTn>
+                                        <p:tgtEl>
+                                          <p:spTgt spid="3">
+                                            <p:txEl>
+                                              <p:pRg st="0" end="0"/>
+                                            </p:txEl>
+                                          </p:spTgt>
+                                        </p:tgtEl>
+                                        <p:attrNameLst>
+                                          <p:attrName>style.visibility</p:attrName>
+                                        </p:attrNameLst>
+                                      </p:cBhvr>
+                                      <p:to>
+                                        <p:strVal val="visible"/>
+                                      </p:to>
+                                    </p:set>
+                                    <p:anim calcmode="lin" valueType="num">
+                                      <p:cBhvr additive="base">
+                                        <p:cTn id="13" dur="500" fill="hold"/>
+                                        <p:tgtEl>
+                                          <p:spTgt spid="3">
+                                            <p:txEl>
+                                              <p:pRg st="0" end="0"/>
+                                            </p:txEl>
+                                          </p:spTgt>
+                                        </p:tgtEl>
+                                        <p:attrNameLst>
+                                          <p:attrName>ppt_x</p:attrName>
+                                        </p:attrNameLst>
+                                      </p:cBhvr>
+                                      <p:tavLst>
+                                        <p:tav tm="0">
+                                          <p:val>
+                                            <p:strVal val="#ppt_x"/>
+                                          </p:val>
+                                        </p:tav>
+                                        <p:tav tm="100000">
+                                          <p:val>
+                                            <p:strVal val="#ppt_x"/>
+                                          </p:val>
+                                        </p:tav>
+                                      </p:tavLst>
+                                    </p:anim>
+                                    <p:anim calcmode="lin" valueType="num">
+                                      <p:cBhvr additive="base">
+                                        <p:cTn id="14" dur="500" fill="hold"/>
+                                        <p:tgtEl>
+                                          <p:spTgt spid="3">
+                                            <p:txEl>
+                                              <p:pRg st="0" end="0"/>
+                                            </p:txEl>
+                                          </p:spTgt>
+                                        </p:tgtEl>
+                                        <p:attrNameLst>
+                                          <p:attrName>ppt_y</p:attrName>
+                                        </p:attrNameLst>
+                                      </p:cBhvr>
+                                      <p:tavLst>
+                                        <p:tav tm="0">
+                                          <p:val>
+                                            <p:strVal val="1+#ppt_h/2"/>
+                                          </p:val>
+                                        </p:tav>
+                                        <p:tav tm="100000">
+                                          <p:val>
+                                            <p:strVal val="#ppt_y"/>
+                                          </p:val>
+                                        </p:tav>
+                                      </p:tavLst>
+                                    </p:anim>
+                                  </p:childTnLst>
+                                </p:cTn>
+                              </p:par>
+                              <p:par>
+                                <p:cTn id="15" presetID="2" presetClass="entr" presetSubtype="4" fill="hold" nodeType="withEffect">
+                                  <p:stCondLst>
+                                    <p:cond delay="0"/>
+                                  </p:stCondLst>
+                                  <p:childTnLst>
+                                    <p:set>
+                                      <p:cBhvr>
+                                        <p:cTn id="16" dur="1" fill="hold">
+                                          <p:stCondLst>
+                                            <p:cond delay="0"/>
+                                          </p:stCondLst>
+                                        </p:cTn>
+                                        <p:tgtEl>
+                                          <p:spTgt spid="3">
+                                            <p:txEl>
+                                              <p:pRg st="1" end="1"/>
+                                            </p:txEl>
+                                          </p:spTgt>
+                                        </p:tgtEl>
+                                        <p:attrNameLst>
+                                          <p:attrName>style.visibility</p:attrName>
+                                        </p:attrNameLst>
+                                      </p:cBhvr>
+                                      <p:to>
+                                        <p:strVal val="visible"/>
+                                      </p:to>
+                                    </p:set>
+                                    <p:anim calcmode="lin" valueType="num">
+                                      <p:cBhvr additive="base">
+                                        <p:cTn id="17" dur="500" fill="hold"/>
+                                        <p:tgtEl>
+                                          <p:spTgt spid="3">
+                                            <p:txEl>
+                                              <p:pRg st="1" end="1"/>
+                                            </p:txEl>
+                                          </p:spTgt>
+                                        </p:tgtEl>
+                                        <p:attrNameLst>
+                                          <p:attrName>ppt_x</p:attrName>
+                                        </p:attrNameLst>
+                                      </p:cBhvr>
+                                      <p:tavLst>
+                                        <p:tav tm="0">
+                                          <p:val>
+                                            <p:strVal val="#ppt_x"/>
+                                          </p:val>
+                                        </p:tav>
+                                        <p:tav tm="100000">
+                                          <p:val>
+                                            <p:strVal val="#ppt_x"/>
+                                          </p:val>
+                                        </p:tav>
+                                      </p:tavLst>
+                                    </p:anim>
+                                    <p:anim calcmode="lin" valueType="num">
+                                      <p:cBhvr additive="base">
+                                        <p:cTn id="18" dur="500" fill="hold"/>
+                                        <p:tgtEl>
+                                          <p:spTgt spid="3">
+                                            <p:txEl>
+                                              <p:pRg st="1" end="1"/>
+                                            </p:txEl>
+                                          </p:spTgt>
+                                        </p:tgtEl>
+                                        <p:attrNameLst>
+                                          <p:attrName>ppt_y</p:attrName>
+                                        </p:attrNameLst>
+                                      </p:cBhvr>
+                                      <p:tavLst>
+                                        <p:tav tm="0">
+                                          <p:val>
+                                            <p:strVal val="1+#ppt_h/2"/>
+                                          </p:val>
+                                        </p:tav>
+                                        <p:tav tm="100000">
+                                          <p:val>
+                                            <p:strVal val="#ppt_y"/>
+                                          </p:val>
+                                        </p:tav>
+                                      </p:tavLst>
+                                    </p:anim>
+                                  </p:childTnLst>
+                                </p:cTn>
+                              </p:par>
+                              <p:par>
+                                <p:cTn id="19" presetID="2" presetClass="entr" presetSubtype="4" fill="hold" nodeType="withEffect">
+                                  <p:stCondLst>
+                                    <p:cond delay="0"/>
+                                  </p:stCondLst>
+                                  <p:childTnLst>
+                                    <p:set>
+                                      <p:cBhvr>
+                                        <p:cTn id="20" dur="1" fill="hold">
+                                          <p:stCondLst>
+                                            <p:cond delay="0"/>
+                                          </p:stCondLst>
+                                        </p:cTn>
+                                        <p:tgtEl>
+                                          <p:spTgt spid="3">
+                                            <p:txEl>
+                                              <p:pRg st="2" end="2"/>
+                                            </p:txEl>
+                                          </p:spTgt>
+                                        </p:tgtEl>
+                                        <p:attrNameLst>
+                                          <p:attrName>style.visibility</p:attrName>
+                                        </p:attrNameLst>
+                                      </p:cBhvr>
+                                      <p:to>
+                                        <p:strVal val="visible"/>
+                                      </p:to>
+                                    </p:set>
+                                    <p:anim calcmode="lin" valueType="num">
+                                      <p:cBhvr additive="base">
+                                        <p:cTn id="21" dur="500" fill="hold"/>
+                                        <p:tgtEl>
+                                          <p:spTgt spid="3">
+                                            <p:txEl>
+                                              <p:pRg st="2" end="2"/>
+                                            </p:txEl>
+                                          </p:spTgt>
+                                        </p:tgtEl>
+                                        <p:attrNameLst>
+                                          <p:attrName>ppt_x</p:attrName>
+                                        </p:attrNameLst>
+                                      </p:cBhvr>
+                                      <p:tavLst>
+                                        <p:tav tm="0">
+                                          <p:val>
+                                            <p:strVal val="#ppt_x"/>
+                                          </p:val>
+                                        </p:tav>
+                                        <p:tav tm="100000">
+                                          <p:val>
+                                            <p:strVal val="#ppt_x"/>
+                                          </p:val>
+                                        </p:tav>
+                                      </p:tavLst>
+                                    </p:anim>
+                                    <p:anim calcmode="lin" valueType="num">
+                                      <p:cBhvr additive="base">
+                                        <p:cTn id="22" dur="500" fill="hold"/>
+                                        <p:tgtEl>
+                                          <p:spTgt spid="3">
+                                            <p:txEl>
+                                              <p:pRg st="2" end="2"/>
+                                            </p:txEl>
+                                          </p:spTgt>
+                                        </p:tgtEl>
+                                        <p:attrNameLst>
+                                          <p:attrName>ppt_y</p:attrName>
+                                        </p:attrNameLst>
+                                      </p:cBhvr>
+                                      <p:tavLst>
+                                        <p:tav tm="0">
+                                          <p:val>
+                                            <p:strVal val="1+#ppt_h/2"/>
+                                          </p:val>
+                                        </p:tav>
+                                        <p:tav tm="100000">
+                                          <p:val>
+                                            <p:strVal val="#ppt_y"/>
+                                          </p:val>
+                                        </p:tav>
+                                      </p:tavLst>
+                                    </p:anim>
+                                  </p:childTnLst>
+                                </p:cTn>
+                              </p:par>
+                              <p:par>
+                                <p:cTn id="23" presetID="2" presetClass="entr" presetSubtype="4" fill="hold" nodeType="withEffect">
+                                  <p:stCondLst>
+                                    <p:cond delay="0"/>
+                                  </p:stCondLst>
+                                  <p:childTnLst>
+                                    <p:set>
+                                      <p:cBhvr>
+                                        <p:cTn id="24" dur="1" fill="hold">
+                                          <p:stCondLst>
+                                            <p:cond delay="0"/>
+                                          </p:stCondLst>
+                                        </p:cTn>
+                                        <p:tgtEl>
+                                          <p:spTgt spid="3">
+                                            <p:txEl>
+                                              <p:pRg st="3" end="3"/>
+                                            </p:txEl>
+                                          </p:spTgt>
+                                        </p:tgtEl>
+                                        <p:attrNameLst>
+                                          <p:attrName>style.visibility</p:attrName>
+                                        </p:attrNameLst>
+                                      </p:cBhvr>
+                                      <p:to>
+                                        <p:strVal val="visible"/>
+                                      </p:to>
+                                    </p:set>
+                                    <p:anim calcmode="lin" valueType="num">
+                                      <p:cBhvr additive="base">
+                                        <p:cTn id="25" dur="500" fill="hold"/>
+                                        <p:tgtEl>
+                                          <p:spTgt spid="3">
+                                            <p:txEl>
+                                              <p:pRg st="3" end="3"/>
+                                            </p:txEl>
+                                          </p:spTgt>
+                                        </p:tgtEl>
+                                        <p:attrNameLst>
+                                          <p:attrName>ppt_x</p:attrName>
+                                        </p:attrNameLst>
+                                      </p:cBhvr>
+                                      <p:tavLst>
+                                        <p:tav tm="0">
+                                          <p:val>
+                                            <p:strVal val="#ppt_x"/>
+                                          </p:val>
+                                        </p:tav>
+                                        <p:tav tm="100000">
+                                          <p:val>
+                                            <p:strVal val="#ppt_x"/>
+                                          </p:val>
+                                        </p:tav>
+                                      </p:tavLst>
+                                    </p:anim>
+                                    <p:anim calcmode="lin" valueType="num">
+                                      <p:cBhvr additive="base">
+                                        <p:cTn id="26" dur="500" fill="hold"/>
+                                        <p:tgtEl>
+                                          <p:spTgt spid="3">
+                                            <p:txEl>
+                                              <p:pRg st="3" end="3"/>
+                                            </p:txEl>
+                                          </p:spTgt>
+                                        </p:tgtEl>
+                                        <p:attrNameLst>
+                                          <p:attrName>ppt_y</p:attrName>
+                                        </p:attrNameLst>
+                                      </p:cBhvr>
+                                      <p:tavLst>
+                                        <p:tav tm="0">
+                                          <p:val>
+                                            <p:strVal val="1+#ppt_h/2"/>
+                                          </p:val>
+                                        </p:tav>
+                                        <p:tav tm="100000">
+                                          <p:val>
+                                            <p:strVal val="#ppt_y"/>
+                                          </p:val>
+                                        </p:tav>
+                                      </p:tavLst>
+                                    </p:anim>
+                                  </p:childTnLst>
+                                </p:cTn>
+                              </p:par>
+                              <p:par>
+                                <p:cTn id="27" presetID="2" presetClass="entr" presetSubtype="4" fill="hold" nodeType="withEffect">
+                                  <p:stCondLst>
+                                    <p:cond delay="0"/>
+                                  </p:stCondLst>
+                                  <p:childTnLst>
+                                    <p:set>
+                                      <p:cBhvr>
+                                        <p:cTn id="28" dur="1" fill="hold">
+                                          <p:stCondLst>
+                                            <p:cond delay="0"/>
+                                          </p:stCondLst>
+                                        </p:cTn>
+                                        <p:tgtEl>
+                                          <p:spTgt spid="3">
+                                            <p:txEl>
+                                              <p:pRg st="4" end="4"/>
+                                            </p:txEl>
+                                          </p:spTgt>
+                                        </p:tgtEl>
+                                        <p:attrNameLst>
+                                          <p:attrName>style.visibility</p:attrName>
+                                        </p:attrNameLst>
+                                      </p:cBhvr>
+                                      <p:to>
+                                        <p:strVal val="visible"/>
+                                      </p:to>
+                                    </p:set>
+                                    <p:anim calcmode="lin" valueType="num">
+                                      <p:cBhvr additive="base">
+                                        <p:cTn id="29" dur="500" fill="hold"/>
+                                        <p:tgtEl>
+                                          <p:spTgt spid="3">
+                                            <p:txEl>
+                                              <p:pRg st="4" end="4"/>
+                                            </p:txEl>
+                                          </p:spTgt>
+                                        </p:tgtEl>
+                                        <p:attrNameLst>
+                                          <p:attrName>ppt_x</p:attrName>
+                                        </p:attrNameLst>
+                                      </p:cBhvr>
+                                      <p:tavLst>
+                                        <p:tav tm="0">
+                                          <p:val>
+                                            <p:strVal val="#ppt_x"/>
+                                          </p:val>
+                                        </p:tav>
+                                        <p:tav tm="100000">
+                                          <p:val>
+                                            <p:strVal val="#ppt_x"/>
+                                          </p:val>
+                                        </p:tav>
+                                      </p:tavLst>
+                                    </p:anim>
+                                    <p:anim calcmode="lin" valueType="num">
+                                      <p:cBhvr additive="base">
+                                        <p:cTn id="30" dur="500" fill="hold"/>
+                                        <p:tgtEl>
+                                          <p:spTgt spid="3">
+                                            <p:txEl>
+                                              <p:pRg st="4" end="4"/>
+                                            </p:txEl>
+                                          </p:spTgt>
+                                        </p:tgtEl>
+                                        <p:attrNameLst>
+                                          <p:attrName>ppt_y</p:attrName>
+                                        </p:attrNameLst>
+                                      </p:cBhvr>
+                                      <p:tavLst>
+                                        <p:tav tm="0">
+                                          <p:val>
+                                            <p:strVal val="1+#ppt_h/2"/>
+                                          </p:val>
+                                        </p:tav>
+                                        <p:tav tm="100000">
+                                          <p:val>
+                                            <p:strVal val="#ppt_y"/>
+                                          </p:val>
+                                        </p:tav>
+                                      </p:tavLst>
+                                    </p:anim>
+                                  </p:childTnLst>
+                                </p:cTn>
+                              </p:par>
+                              <p:par>
+                                <p:cTn id="31" presetID="2" presetClass="entr" presetSubtype="4" fill="hold" nodeType="withEffect">
+                                  <p:stCondLst>
+                                    <p:cond delay="0"/>
+                                  </p:stCondLst>
+                                  <p:childTnLst>
+                                    <p:set>
+                                      <p:cBhvr>
+                                        <p:cTn id="32" dur="1" fill="hold">
+                                          <p:stCondLst>
+                                            <p:cond delay="0"/>
+                                          </p:stCondLst>
+                                        </p:cTn>
+                                        <p:tgtEl>
+                                          <p:spTgt spid="3">
+                                            <p:txEl>
+                                              <p:pRg st="5" end="5"/>
+                                            </p:txEl>
+                                          </p:spTgt>
+                                        </p:tgtEl>
+                                        <p:attrNameLst>
+                                          <p:attrName>style.visibility</p:attrName>
+                                        </p:attrNameLst>
+                                      </p:cBhvr>
+                                      <p:to>
+                                        <p:strVal val="visible"/>
+                                      </p:to>
+                                    </p:set>
+                                    <p:anim calcmode="lin" valueType="num">
+                                      <p:cBhvr additive="base">
+                                        <p:cTn id="33" dur="500" fill="hold"/>
+                                        <p:tgtEl>
+                                          <p:spTgt spid="3">
+                                            <p:txEl>
+                                              <p:pRg st="5" end="5"/>
+                                            </p:txEl>
+                                          </p:spTgt>
+                                        </p:tgtEl>
+                                        <p:attrNameLst>
+                                          <p:attrName>ppt_x</p:attrName>
+                                        </p:attrNameLst>
+                                      </p:cBhvr>
+                                      <p:tavLst>
+                                        <p:tav tm="0">
+                                          <p:val>
+                                            <p:strVal val="#ppt_x"/>
+                                          </p:val>
+                                        </p:tav>
+                                        <p:tav tm="100000">
+                                          <p:val>
+                                            <p:strVal val="#ppt_x"/>
+                                          </p:val>
+                                        </p:tav>
+                                      </p:tavLst>
+                                    </p:anim>
+                                    <p:anim calcmode="lin" valueType="num">
+                                      <p:cBhvr additive="base">
+                                        <p:cTn id="34" dur="500" fill="hold"/>
+                                        <p:tgtEl>
+                                          <p:spTgt spid="3">
+                                            <p:txEl>
+                                              <p:pRg st="5" end="5"/>
+                                            </p:txEl>
+                                          </p:spTgt>
+                                        </p:tgtEl>
+                                        <p:attrNameLst>
+                                          <p:attrName>ppt_y</p:attrName>
+                                        </p:attrNameLst>
+                                      </p:cBhvr>
+                                      <p:tavLst>
+                                        <p:tav tm="0">
+                                          <p:val>
+                                            <p:strVal val="1+#ppt_h/2"/>
+                                          </p:val>
+                                        </p:tav>
+                                        <p:tav tm="100000">
+                                          <p:val>
+                                            <p:strVal val="#ppt_y"/>
+                                          </p:val>
+                                        </p:tav>
+                                      </p:tavLst>
+                                    </p:anim>
+                                  </p:childTnLst>
+                                </p:cTn>
+                              </p:par>
+                            </p:childTnLst>
+                          </p:cTn>
+                        </p:par>
+                      </p:childTnLst>
+                    </p:cTn>
+                  </p:par>
+                </p:childTnLst>
+              </p:cTn>
+              <p:prevCondLst>
+                <p:cond evt="onPrev" delay="0">
+                  <p:tgtEl>
+                    <p:sldTgt/>
+                  </p:tgtEl>
+                </p:cond>
+              </p:prevCondLst>
+              <p:nextCondLst>
+                <p:cond evt="onNext" delay="0">
+                  <p:tgtEl>
+                    <p:sldTgt/>
+                  </p:tgtEl>
+                </p:cond>
+              </p:nextCondLst>
+            </p:seq>
+          </p:childTnLst>
+        </p:cTn>
+      </p:par>
+    </p:tnLst>
+    <p:bldLst>
+      <p:bldP spid="6" grpId="0"/>
+    </p:bldLst>
+  </p:timing>
 </p:sld>
 </file>
 
-<file path=ppt/slides/slide6.xml><?xml version="1.0" encoding="utf-8"?>
+<file path=ppt/slides/slide7.xml><?xml version="1.0" encoding="utf-8"?>
 <p:sld xmlns:a="http://schemas.openxmlformats.org/drawingml/2006/main" xmlns:r="http://schemas.openxmlformats.org/officeDocument/2006/relationships" xmlns:p="http://schemas.openxmlformats.org/presentationml/2006/main">
   <p:cSld>
     <p:spTree>
@@ -4890,6 +10092,136 @@
       </p:grpSpPr>
       <p:sp>
         <p:nvSpPr>
+          <p:cNvPr id="14" name="Rectangle 13">
+            <a:extLst>
+              <a:ext uri="{FF2B5EF4-FFF2-40B4-BE49-F238E27FC236}">
+                <a16:creationId xmlns:a16="http://schemas.microsoft.com/office/drawing/2014/main" id="{23962611-DFD5-4092-AAFD-559E3DFCE2C9}"/>
+              </a:ext>
+              <a:ext uri="{C183D7F6-B498-43B3-948B-1728B52AA6E4}">
+                <adec:decorative xmlns:adec="http://schemas.microsoft.com/office/drawing/2017/decorative" val="1"/>
+              </a:ext>
+            </a:extLst>
+          </p:cNvPr>
+          <p:cNvSpPr>
+            <a:spLocks noGrp="1" noRot="1" noChangeAspect="1" noMove="1" noResize="1" noEditPoints="1" noAdjustHandles="1" noChangeArrowheads="1" noChangeShapeType="1" noTextEdit="1"/>
+          </p:cNvSpPr>
+          <p:nvPr>
+            <p:extLst>
+              <p:ext uri="{386F3935-93C4-4BCD-93E2-E3B085C9AB24}">
+                <p16:designElem xmlns:p16="http://schemas.microsoft.com/office/powerpoint/2015/main" val="1"/>
+              </p:ext>
+            </p:extLst>
+          </p:nvPr>
+        </p:nvSpPr>
+        <p:spPr>
+          <a:xfrm>
+            <a:off x="475488" y="0"/>
+            <a:ext cx="10910292" cy="9144000"/>
+          </a:xfrm>
+          <a:prstGeom prst="rect">
+            <a:avLst/>
+          </a:prstGeom>
+          <a:gradFill>
+            <a:gsLst>
+              <a:gs pos="0">
+                <a:schemeClr val="accent1">
+                  <a:lumMod val="90000"/>
+                </a:schemeClr>
+              </a:gs>
+              <a:gs pos="25000">
+                <a:schemeClr val="accent1">
+                  <a:lumMod val="90000"/>
+                </a:schemeClr>
+              </a:gs>
+              <a:gs pos="94000">
+                <a:schemeClr val="bg2">
+                  <a:lumMod val="25000"/>
+                </a:schemeClr>
+              </a:gs>
+              <a:gs pos="100000">
+                <a:schemeClr val="bg2">
+                  <a:lumMod val="25000"/>
+                </a:schemeClr>
+              </a:gs>
+            </a:gsLst>
+            <a:lin ang="4200000" scaled="0"/>
+          </a:gradFill>
+          <a:ln>
+            <a:noFill/>
+          </a:ln>
+        </p:spPr>
+        <p:style>
+          <a:lnRef idx="2">
+            <a:schemeClr val="accent1">
+              <a:shade val="50000"/>
+            </a:schemeClr>
+          </a:lnRef>
+          <a:fillRef idx="1">
+            <a:schemeClr val="accent1"/>
+          </a:fillRef>
+          <a:effectRef idx="0">
+            <a:schemeClr val="accent1"/>
+          </a:effectRef>
+          <a:fontRef idx="minor">
+            <a:schemeClr val="lt1"/>
+          </a:fontRef>
+        </p:style>
+        <p:txBody>
+          <a:bodyPr rtlCol="0" anchor="ctr"/>
+          <a:lstStyle/>
+          <a:p>
+            <a:pPr algn="ctr"/>
+            <a:endParaRPr lang="en-US"/>
+          </a:p>
+        </p:txBody>
+      </p:sp>
+      <p:pic>
+        <p:nvPicPr>
+          <p:cNvPr id="16" name="Picture 15">
+            <a:extLst>
+              <a:ext uri="{FF2B5EF4-FFF2-40B4-BE49-F238E27FC236}">
+                <a16:creationId xmlns:a16="http://schemas.microsoft.com/office/drawing/2014/main" id="{2270F1FA-0425-408F-9861-80BF5AFB276D}"/>
+              </a:ext>
+              <a:ext uri="{C183D7F6-B498-43B3-948B-1728B52AA6E4}">
+                <adec:decorative xmlns:adec="http://schemas.microsoft.com/office/drawing/2017/decorative" val="1"/>
+              </a:ext>
+            </a:extLst>
+          </p:cNvPr>
+          <p:cNvPicPr>
+            <a:picLocks noGrp="1" noRot="1" noChangeAspect="1" noMove="1" noResize="1" noEditPoints="1" noAdjustHandles="1" noChangeArrowheads="1" noChangeShapeType="1" noCrop="1"/>
+          </p:cNvPicPr>
+          <p:nvPr>
+            <p:extLst>
+              <p:ext uri="{386F3935-93C4-4BCD-93E2-E3B085C9AB24}">
+                <p16:designElem xmlns:p16="http://schemas.microsoft.com/office/powerpoint/2015/main" val="1"/>
+              </p:ext>
+            </p:extLst>
+          </p:nvPr>
+        </p:nvPicPr>
+        <p:blipFill>
+          <a:blip r:embed="rId2">
+            <a:extLst>
+              <a:ext uri="{28A0092B-C50C-407E-A947-70E740481C1C}">
+                <a14:useLocalDpi xmlns:a14="http://schemas.microsoft.com/office/drawing/2010/main" val="0"/>
+              </a:ext>
+            </a:extLst>
+          </a:blip>
+          <a:stretch>
+            <a:fillRect/>
+          </a:stretch>
+        </p:blipFill>
+        <p:spPr>
+          <a:xfrm>
+            <a:off x="0" y="0"/>
+            <a:ext cx="12192000" cy="9144000"/>
+          </a:xfrm>
+          <a:prstGeom prst="rect">
+            <a:avLst/>
+          </a:prstGeom>
+        </p:spPr>
+      </p:pic>
+      <p:sp>
+        <p:nvSpPr>
           <p:cNvPr id="2" name="Title 1">
             <a:extLst>
               <a:ext uri="{FF2B5EF4-FFF2-40B4-BE49-F238E27FC236}">
@@ -4906,17 +10238,26 @@
         </p:nvSpPr>
         <p:spPr>
           <a:xfrm>
-            <a:off x="990600" y="3108116"/>
-            <a:ext cx="10515600" cy="1767417"/>
+            <a:off x="3045368" y="2724884"/>
+            <a:ext cx="6105194" cy="2708073"/>
           </a:xfrm>
         </p:spPr>
         <p:txBody>
-          <a:bodyPr/>
+          <a:bodyPr vert="horz" lIns="91440" tIns="45720" rIns="91440" bIns="45720" rtlCol="0" anchor="b">
+            <a:normAutofit/>
+          </a:bodyPr>
           <a:lstStyle/>
           <a:p>
-            <a:pPr algn="ctr"/>
-            <a:r>
-              <a:rPr lang="en-US" dirty="0"/>
+            <a:pPr algn="ctr" defTabSz="914400"/>
+            <a:r>
+              <a:rPr lang="en-US" sz="8800" kern="1200" dirty="0">
+                <a:solidFill>
+                  <a:srgbClr val="FFFFFF"/>
+                </a:solidFill>
+                <a:latin typeface="+mj-lt"/>
+                <a:ea typeface="+mj-ea"/>
+                <a:cs typeface="+mj-cs"/>
+              </a:rPr>
               <a:t>Thank You</a:t>
             </a:r>
           </a:p>
@@ -4932,6 +10273,92 @@
   <p:clrMapOvr>
     <a:masterClrMapping/>
   </p:clrMapOvr>
+  <p:timing>
+    <p:tnLst>
+      <p:par>
+        <p:cTn id="1" dur="indefinite" restart="never" nodeType="tmRoot">
+          <p:childTnLst>
+            <p:seq concurrent="1" nextAc="seek">
+              <p:cTn id="2" dur="indefinite" nodeType="mainSeq">
+                <p:childTnLst>
+                  <p:par>
+                    <p:cTn id="3" fill="hold">
+                      <p:stCondLst>
+                        <p:cond delay="indefinite"/>
+                      </p:stCondLst>
+                      <p:childTnLst>
+                        <p:par>
+                          <p:cTn id="4" fill="hold">
+                            <p:stCondLst>
+                              <p:cond delay="0"/>
+                            </p:stCondLst>
+                            <p:childTnLst>
+                              <p:par>
+                                <p:cTn id="5" presetID="10" presetClass="entr" presetSubtype="0" fill="hold" grpId="0" nodeType="clickEffect">
+                                  <p:stCondLst>
+                                    <p:cond delay="0"/>
+                                  </p:stCondLst>
+                                  <p:childTnLst>
+                                    <p:set>
+                                      <p:cBhvr>
+                                        <p:cTn id="6" dur="1" fill="hold">
+                                          <p:stCondLst>
+                                            <p:cond delay="0"/>
+                                          </p:stCondLst>
+                                        </p:cTn>
+                                        <p:tgtEl>
+                                          <p:spTgt spid="2"/>
+                                        </p:tgtEl>
+                                        <p:attrNameLst>
+                                          <p:attrName>style.visibility</p:attrName>
+                                        </p:attrNameLst>
+                                      </p:cBhvr>
+                                      <p:to>
+                                        <p:strVal val="visible"/>
+                                      </p:to>
+                                    </p:set>
+                                    <p:animEffect transition="in" filter="fade">
+                                      <p:cBhvr>
+                                        <p:cTn id="7" dur="1000"/>
+                                        <p:tgtEl>
+                                          <p:spTgt spid="2"/>
+                                        </p:tgtEl>
+                                      </p:cBhvr>
+                                    </p:animEffect>
+                                  </p:childTnLst>
+                                </p:cTn>
+                              </p:par>
+                            </p:childTnLst>
+                          </p:cTn>
+                        </p:par>
+                      </p:childTnLst>
+                    </p:cTn>
+                  </p:par>
+                </p:childTnLst>
+              </p:cTn>
+              <p:prevCondLst>
+                <p:cond evt="onPrev" delay="0">
+                  <p:tgtEl>
+                    <p:sldTgt/>
+                  </p:tgtEl>
+                </p:cond>
+              </p:prevCondLst>
+              <p:nextCondLst>
+                <p:cond evt="onNext" delay="0">
+                  <p:tgtEl>
+                    <p:sldTgt/>
+                  </p:tgtEl>
+                </p:cond>
+              </p:nextCondLst>
+            </p:seq>
+          </p:childTnLst>
+        </p:cTn>
+      </p:par>
+    </p:tnLst>
+    <p:bldLst>
+      <p:bldP spid="2" grpId="0"/>
+    </p:bldLst>
+  </p:timing>
 </p:sld>
 </file>
 
